--- a/Final Report/fantastic-four_presentation.pptx
+++ b/Final Report/fantastic-four_presentation.pptx
@@ -5,62 +5,48 @@
     <p:sldMasterId id="2147483659" r:id="rId1"/>
   </p:sldMasterIdLst>
   <p:notesMasterIdLst>
-    <p:notesMasterId r:id="rId43"/>
+    <p:notesMasterId r:id="rId29"/>
   </p:notesMasterIdLst>
   <p:sldIdLst>
     <p:sldId id="256" r:id="rId2"/>
     <p:sldId id="257" r:id="rId3"/>
-    <p:sldId id="258" r:id="rId4"/>
-    <p:sldId id="259" r:id="rId5"/>
-    <p:sldId id="260" r:id="rId6"/>
-    <p:sldId id="261" r:id="rId7"/>
-    <p:sldId id="262" r:id="rId8"/>
-    <p:sldId id="263" r:id="rId9"/>
-    <p:sldId id="264" r:id="rId10"/>
-    <p:sldId id="265" r:id="rId11"/>
-    <p:sldId id="266" r:id="rId12"/>
-    <p:sldId id="267" r:id="rId13"/>
-    <p:sldId id="268" r:id="rId14"/>
-    <p:sldId id="269" r:id="rId15"/>
-    <p:sldId id="270" r:id="rId16"/>
-    <p:sldId id="271" r:id="rId17"/>
-    <p:sldId id="272" r:id="rId18"/>
-    <p:sldId id="273" r:id="rId19"/>
-    <p:sldId id="274" r:id="rId20"/>
-    <p:sldId id="276" r:id="rId21"/>
-    <p:sldId id="275" r:id="rId22"/>
-    <p:sldId id="277" r:id="rId23"/>
-    <p:sldId id="278" r:id="rId24"/>
-    <p:sldId id="279" r:id="rId25"/>
-    <p:sldId id="280" r:id="rId26"/>
-    <p:sldId id="281" r:id="rId27"/>
-    <p:sldId id="282" r:id="rId28"/>
-    <p:sldId id="283" r:id="rId29"/>
-    <p:sldId id="284" r:id="rId30"/>
-    <p:sldId id="285" r:id="rId31"/>
-    <p:sldId id="286" r:id="rId32"/>
-    <p:sldId id="287" r:id="rId33"/>
-    <p:sldId id="288" r:id="rId34"/>
-    <p:sldId id="289" r:id="rId35"/>
-    <p:sldId id="290" r:id="rId36"/>
-    <p:sldId id="291" r:id="rId37"/>
-    <p:sldId id="292" r:id="rId38"/>
-    <p:sldId id="293" r:id="rId39"/>
-    <p:sldId id="294" r:id="rId40"/>
-    <p:sldId id="295" r:id="rId41"/>
-    <p:sldId id="296" r:id="rId42"/>
+    <p:sldId id="259" r:id="rId4"/>
+    <p:sldId id="261" r:id="rId5"/>
+    <p:sldId id="263" r:id="rId6"/>
+    <p:sldId id="264" r:id="rId7"/>
+    <p:sldId id="265" r:id="rId8"/>
+    <p:sldId id="266" r:id="rId9"/>
+    <p:sldId id="267" r:id="rId10"/>
+    <p:sldId id="268" r:id="rId11"/>
+    <p:sldId id="269" r:id="rId12"/>
+    <p:sldId id="271" r:id="rId13"/>
+    <p:sldId id="273" r:id="rId14"/>
+    <p:sldId id="274" r:id="rId15"/>
+    <p:sldId id="276" r:id="rId16"/>
+    <p:sldId id="277" r:id="rId17"/>
+    <p:sldId id="278" r:id="rId18"/>
+    <p:sldId id="279" r:id="rId19"/>
+    <p:sldId id="281" r:id="rId20"/>
+    <p:sldId id="283" r:id="rId21"/>
+    <p:sldId id="285" r:id="rId22"/>
+    <p:sldId id="287" r:id="rId23"/>
+    <p:sldId id="289" r:id="rId24"/>
+    <p:sldId id="291" r:id="rId25"/>
+    <p:sldId id="292" r:id="rId26"/>
+    <p:sldId id="294" r:id="rId27"/>
+    <p:sldId id="296" r:id="rId28"/>
   </p:sldIdLst>
   <p:sldSz cx="9144000" cy="5143500" type="screen16x9"/>
   <p:notesSz cx="6858000" cy="9144000"/>
   <p:embeddedFontLst>
     <p:embeddedFont>
       <p:font typeface="Average" panose="020B0604020202020204" charset="0"/>
-      <p:regular r:id="rId44"/>
+      <p:regular r:id="rId30"/>
     </p:embeddedFont>
     <p:embeddedFont>
       <p:font typeface="Oswald" panose="020B0604020202020204" charset="0"/>
-      <p:regular r:id="rId45"/>
-      <p:bold r:id="rId46"/>
+      <p:regular r:id="rId31"/>
+      <p:bold r:id="rId32"/>
     </p:embeddedFont>
   </p:embeddedFontLst>
   <p:defaultTextStyle>
@@ -861,7 +847,7 @@
   <p:cSld>
     <p:spTree>
       <p:nvGrpSpPr>
-        <p:cNvPr id="1" name="Shape 107"/>
+        <p:cNvPr id="1" name="Shape 125"/>
         <p:cNvGrpSpPr/>
         <p:nvPr/>
       </p:nvGrpSpPr>
@@ -875,7 +861,7 @@
       </p:grpSpPr>
       <p:sp>
         <p:nvSpPr>
-          <p:cNvPr id="108" name="Google Shape;108;ga5af1fc177_0_143:notes"/>
+          <p:cNvPr id="126" name="Google Shape;126;ga5af1fc177_0_15:notes"/>
           <p:cNvSpPr>
             <a:spLocks noGrp="1" noRot="1" noChangeAspect="1"/>
           </p:cNvSpPr>
@@ -916,7 +902,7 @@
       </p:sp>
       <p:sp>
         <p:nvSpPr>
-          <p:cNvPr id="109" name="Google Shape;109;ga5af1fc177_0_143:notes"/>
+          <p:cNvPr id="127" name="Google Shape;127;ga5af1fc177_0_15:notes"/>
           <p:cNvSpPr txBox="1">
             <a:spLocks noGrp="1"/>
           </p:cNvSpPr>
@@ -961,318 +947,6 @@
 </file>
 
 <file path=ppt/notesSlides/notesSlide11.xml><?xml version="1.0" encoding="utf-8"?>
-<p:notes xmlns:a="http://schemas.openxmlformats.org/drawingml/2006/main" xmlns:r="http://schemas.openxmlformats.org/officeDocument/2006/relationships" xmlns:p="http://schemas.openxmlformats.org/presentationml/2006/main" showMasterSp="0" showMasterPhAnim="0">
-  <p:cSld>
-    <p:spTree>
-      <p:nvGrpSpPr>
-        <p:cNvPr id="1" name="Shape 113"/>
-        <p:cNvGrpSpPr/>
-        <p:nvPr/>
-      </p:nvGrpSpPr>
-      <p:grpSpPr>
-        <a:xfrm>
-          <a:off x="0" y="0"/>
-          <a:ext cx="0" cy="0"/>
-          <a:chOff x="0" y="0"/>
-          <a:chExt cx="0" cy="0"/>
-        </a:xfrm>
-      </p:grpSpPr>
-      <p:sp>
-        <p:nvSpPr>
-          <p:cNvPr id="114" name="Google Shape;114;ga5af1fc177_0_62:notes"/>
-          <p:cNvSpPr>
-            <a:spLocks noGrp="1" noRot="1" noChangeAspect="1"/>
-          </p:cNvSpPr>
-          <p:nvPr>
-            <p:ph type="sldImg" idx="2"/>
-          </p:nvPr>
-        </p:nvSpPr>
-        <p:spPr>
-          <a:xfrm>
-            <a:off x="381300" y="685800"/>
-            <a:ext cx="6096000" cy="3429000"/>
-          </a:xfrm>
-          <a:custGeom>
-            <a:avLst/>
-            <a:gdLst/>
-            <a:ahLst/>
-            <a:cxnLst/>
-            <a:rect l="l" t="t" r="r" b="b"/>
-            <a:pathLst>
-              <a:path w="120000" h="120000" extrusionOk="0">
-                <a:moveTo>
-                  <a:pt x="0" y="0"/>
-                </a:moveTo>
-                <a:lnTo>
-                  <a:pt x="120000" y="0"/>
-                </a:lnTo>
-                <a:lnTo>
-                  <a:pt x="120000" y="120000"/>
-                </a:lnTo>
-                <a:lnTo>
-                  <a:pt x="0" y="120000"/>
-                </a:lnTo>
-                <a:close/>
-              </a:path>
-            </a:pathLst>
-          </a:custGeom>
-        </p:spPr>
-      </p:sp>
-      <p:sp>
-        <p:nvSpPr>
-          <p:cNvPr id="115" name="Google Shape;115;ga5af1fc177_0_62:notes"/>
-          <p:cNvSpPr txBox="1">
-            <a:spLocks noGrp="1"/>
-          </p:cNvSpPr>
-          <p:nvPr>
-            <p:ph type="body" idx="1"/>
-          </p:nvPr>
-        </p:nvSpPr>
-        <p:spPr>
-          <a:xfrm>
-            <a:off x="685800" y="4343400"/>
-            <a:ext cx="5486400" cy="4114800"/>
-          </a:xfrm>
-          <a:prstGeom prst="rect">
-            <a:avLst/>
-          </a:prstGeom>
-        </p:spPr>
-        <p:txBody>
-          <a:bodyPr spcFirstLastPara="1" wrap="square" lIns="91425" tIns="91425" rIns="91425" bIns="91425" anchor="t" anchorCtr="0">
-            <a:noAutofit/>
-          </a:bodyPr>
-          <a:lstStyle/>
-          <a:p>
-            <a:pPr marL="0" lvl="0" indent="0" algn="l" rtl="0">
-              <a:spcBef>
-                <a:spcPts val="0"/>
-              </a:spcBef>
-              <a:spcAft>
-                <a:spcPts val="0"/>
-              </a:spcAft>
-              <a:buNone/>
-            </a:pPr>
-            <a:endParaRPr/>
-          </a:p>
-        </p:txBody>
-      </p:sp>
-    </p:spTree>
-  </p:cSld>
-  <p:clrMapOvr>
-    <a:masterClrMapping/>
-  </p:clrMapOvr>
-</p:notes>
-</file>
-
-<file path=ppt/notesSlides/notesSlide12.xml><?xml version="1.0" encoding="utf-8"?>
-<p:notes xmlns:a="http://schemas.openxmlformats.org/drawingml/2006/main" xmlns:r="http://schemas.openxmlformats.org/officeDocument/2006/relationships" xmlns:p="http://schemas.openxmlformats.org/presentationml/2006/main" showMasterSp="0" showMasterPhAnim="0">
-  <p:cSld>
-    <p:spTree>
-      <p:nvGrpSpPr>
-        <p:cNvPr id="1" name="Shape 119"/>
-        <p:cNvGrpSpPr/>
-        <p:nvPr/>
-      </p:nvGrpSpPr>
-      <p:grpSpPr>
-        <a:xfrm>
-          <a:off x="0" y="0"/>
-          <a:ext cx="0" cy="0"/>
-          <a:chOff x="0" y="0"/>
-          <a:chExt cx="0" cy="0"/>
-        </a:xfrm>
-      </p:grpSpPr>
-      <p:sp>
-        <p:nvSpPr>
-          <p:cNvPr id="120" name="Google Shape;120;ga5af1fc177_0_57:notes"/>
-          <p:cNvSpPr>
-            <a:spLocks noGrp="1" noRot="1" noChangeAspect="1"/>
-          </p:cNvSpPr>
-          <p:nvPr>
-            <p:ph type="sldImg" idx="2"/>
-          </p:nvPr>
-        </p:nvSpPr>
-        <p:spPr>
-          <a:xfrm>
-            <a:off x="381300" y="685800"/>
-            <a:ext cx="6096000" cy="3429000"/>
-          </a:xfrm>
-          <a:custGeom>
-            <a:avLst/>
-            <a:gdLst/>
-            <a:ahLst/>
-            <a:cxnLst/>
-            <a:rect l="l" t="t" r="r" b="b"/>
-            <a:pathLst>
-              <a:path w="120000" h="120000" extrusionOk="0">
-                <a:moveTo>
-                  <a:pt x="0" y="0"/>
-                </a:moveTo>
-                <a:lnTo>
-                  <a:pt x="120000" y="0"/>
-                </a:lnTo>
-                <a:lnTo>
-                  <a:pt x="120000" y="120000"/>
-                </a:lnTo>
-                <a:lnTo>
-                  <a:pt x="0" y="120000"/>
-                </a:lnTo>
-                <a:close/>
-              </a:path>
-            </a:pathLst>
-          </a:custGeom>
-        </p:spPr>
-      </p:sp>
-      <p:sp>
-        <p:nvSpPr>
-          <p:cNvPr id="121" name="Google Shape;121;ga5af1fc177_0_57:notes"/>
-          <p:cNvSpPr txBox="1">
-            <a:spLocks noGrp="1"/>
-          </p:cNvSpPr>
-          <p:nvPr>
-            <p:ph type="body" idx="1"/>
-          </p:nvPr>
-        </p:nvSpPr>
-        <p:spPr>
-          <a:xfrm>
-            <a:off x="685800" y="4343400"/>
-            <a:ext cx="5486400" cy="4114800"/>
-          </a:xfrm>
-          <a:prstGeom prst="rect">
-            <a:avLst/>
-          </a:prstGeom>
-        </p:spPr>
-        <p:txBody>
-          <a:bodyPr spcFirstLastPara="1" wrap="square" lIns="91425" tIns="91425" rIns="91425" bIns="91425" anchor="t" anchorCtr="0">
-            <a:noAutofit/>
-          </a:bodyPr>
-          <a:lstStyle/>
-          <a:p>
-            <a:pPr marL="0" lvl="0" indent="0" algn="l" rtl="0">
-              <a:spcBef>
-                <a:spcPts val="0"/>
-              </a:spcBef>
-              <a:spcAft>
-                <a:spcPts val="0"/>
-              </a:spcAft>
-              <a:buNone/>
-            </a:pPr>
-            <a:endParaRPr/>
-          </a:p>
-        </p:txBody>
-      </p:sp>
-    </p:spTree>
-  </p:cSld>
-  <p:clrMapOvr>
-    <a:masterClrMapping/>
-  </p:clrMapOvr>
-</p:notes>
-</file>
-
-<file path=ppt/notesSlides/notesSlide13.xml><?xml version="1.0" encoding="utf-8"?>
-<p:notes xmlns:a="http://schemas.openxmlformats.org/drawingml/2006/main" xmlns:r="http://schemas.openxmlformats.org/officeDocument/2006/relationships" xmlns:p="http://schemas.openxmlformats.org/presentationml/2006/main" showMasterSp="0" showMasterPhAnim="0">
-  <p:cSld>
-    <p:spTree>
-      <p:nvGrpSpPr>
-        <p:cNvPr id="1" name="Shape 125"/>
-        <p:cNvGrpSpPr/>
-        <p:nvPr/>
-      </p:nvGrpSpPr>
-      <p:grpSpPr>
-        <a:xfrm>
-          <a:off x="0" y="0"/>
-          <a:ext cx="0" cy="0"/>
-          <a:chOff x="0" y="0"/>
-          <a:chExt cx="0" cy="0"/>
-        </a:xfrm>
-      </p:grpSpPr>
-      <p:sp>
-        <p:nvSpPr>
-          <p:cNvPr id="126" name="Google Shape;126;ga5af1fc177_0_15:notes"/>
-          <p:cNvSpPr>
-            <a:spLocks noGrp="1" noRot="1" noChangeAspect="1"/>
-          </p:cNvSpPr>
-          <p:nvPr>
-            <p:ph type="sldImg" idx="2"/>
-          </p:nvPr>
-        </p:nvSpPr>
-        <p:spPr>
-          <a:xfrm>
-            <a:off x="381300" y="685800"/>
-            <a:ext cx="6096000" cy="3429000"/>
-          </a:xfrm>
-          <a:custGeom>
-            <a:avLst/>
-            <a:gdLst/>
-            <a:ahLst/>
-            <a:cxnLst/>
-            <a:rect l="l" t="t" r="r" b="b"/>
-            <a:pathLst>
-              <a:path w="120000" h="120000" extrusionOk="0">
-                <a:moveTo>
-                  <a:pt x="0" y="0"/>
-                </a:moveTo>
-                <a:lnTo>
-                  <a:pt x="120000" y="0"/>
-                </a:lnTo>
-                <a:lnTo>
-                  <a:pt x="120000" y="120000"/>
-                </a:lnTo>
-                <a:lnTo>
-                  <a:pt x="0" y="120000"/>
-                </a:lnTo>
-                <a:close/>
-              </a:path>
-            </a:pathLst>
-          </a:custGeom>
-        </p:spPr>
-      </p:sp>
-      <p:sp>
-        <p:nvSpPr>
-          <p:cNvPr id="127" name="Google Shape;127;ga5af1fc177_0_15:notes"/>
-          <p:cNvSpPr txBox="1">
-            <a:spLocks noGrp="1"/>
-          </p:cNvSpPr>
-          <p:nvPr>
-            <p:ph type="body" idx="1"/>
-          </p:nvPr>
-        </p:nvSpPr>
-        <p:spPr>
-          <a:xfrm>
-            <a:off x="685800" y="4343400"/>
-            <a:ext cx="5486400" cy="4114800"/>
-          </a:xfrm>
-          <a:prstGeom prst="rect">
-            <a:avLst/>
-          </a:prstGeom>
-        </p:spPr>
-        <p:txBody>
-          <a:bodyPr spcFirstLastPara="1" wrap="square" lIns="91425" tIns="91425" rIns="91425" bIns="91425" anchor="t" anchorCtr="0">
-            <a:noAutofit/>
-          </a:bodyPr>
-          <a:lstStyle/>
-          <a:p>
-            <a:pPr marL="0" lvl="0" indent="0" algn="l" rtl="0">
-              <a:spcBef>
-                <a:spcPts val="0"/>
-              </a:spcBef>
-              <a:spcAft>
-                <a:spcPts val="0"/>
-              </a:spcAft>
-              <a:buNone/>
-            </a:pPr>
-            <a:endParaRPr/>
-          </a:p>
-        </p:txBody>
-      </p:sp>
-    </p:spTree>
-  </p:cSld>
-  <p:clrMapOvr>
-    <a:masterClrMapping/>
-  </p:clrMapOvr>
-</p:notes>
-</file>
-
-<file path=ppt/notesSlides/notesSlide14.xml><?xml version="1.0" encoding="utf-8"?>
 <p:notes xmlns:a="http://schemas.openxmlformats.org/drawingml/2006/main" xmlns:r="http://schemas.openxmlformats.org/officeDocument/2006/relationships" xmlns:p="http://schemas.openxmlformats.org/presentationml/2006/main" showMasterSp="0" showMasterPhAnim="0">
   <p:cSld>
     <p:spTree>
@@ -1409,111 +1083,7 @@
 </p:notes>
 </file>
 
-<file path=ppt/notesSlides/notesSlide15.xml><?xml version="1.0" encoding="utf-8"?>
-<p:notes xmlns:a="http://schemas.openxmlformats.org/drawingml/2006/main" xmlns:r="http://schemas.openxmlformats.org/officeDocument/2006/relationships" xmlns:p="http://schemas.openxmlformats.org/presentationml/2006/main" showMasterSp="0" showMasterPhAnim="0">
-  <p:cSld>
-    <p:spTree>
-      <p:nvGrpSpPr>
-        <p:cNvPr id="1" name="Shape 144"/>
-        <p:cNvGrpSpPr/>
-        <p:nvPr/>
-      </p:nvGrpSpPr>
-      <p:grpSpPr>
-        <a:xfrm>
-          <a:off x="0" y="0"/>
-          <a:ext cx="0" cy="0"/>
-          <a:chOff x="0" y="0"/>
-          <a:chExt cx="0" cy="0"/>
-        </a:xfrm>
-      </p:grpSpPr>
-      <p:sp>
-        <p:nvSpPr>
-          <p:cNvPr id="145" name="Google Shape;145;ga5af2029d5_1_67:notes"/>
-          <p:cNvSpPr>
-            <a:spLocks noGrp="1" noRot="1" noChangeAspect="1"/>
-          </p:cNvSpPr>
-          <p:nvPr>
-            <p:ph type="sldImg" idx="2"/>
-          </p:nvPr>
-        </p:nvSpPr>
-        <p:spPr>
-          <a:xfrm>
-            <a:off x="381300" y="685800"/>
-            <a:ext cx="6096000" cy="3429000"/>
-          </a:xfrm>
-          <a:custGeom>
-            <a:avLst/>
-            <a:gdLst/>
-            <a:ahLst/>
-            <a:cxnLst/>
-            <a:rect l="l" t="t" r="r" b="b"/>
-            <a:pathLst>
-              <a:path w="120000" h="120000" extrusionOk="0">
-                <a:moveTo>
-                  <a:pt x="0" y="0"/>
-                </a:moveTo>
-                <a:lnTo>
-                  <a:pt x="120000" y="0"/>
-                </a:lnTo>
-                <a:lnTo>
-                  <a:pt x="120000" y="120000"/>
-                </a:lnTo>
-                <a:lnTo>
-                  <a:pt x="0" y="120000"/>
-                </a:lnTo>
-                <a:close/>
-              </a:path>
-            </a:pathLst>
-          </a:custGeom>
-        </p:spPr>
-      </p:sp>
-      <p:sp>
-        <p:nvSpPr>
-          <p:cNvPr id="146" name="Google Shape;146;ga5af2029d5_1_67:notes"/>
-          <p:cNvSpPr txBox="1">
-            <a:spLocks noGrp="1"/>
-          </p:cNvSpPr>
-          <p:nvPr>
-            <p:ph type="body" idx="1"/>
-          </p:nvPr>
-        </p:nvSpPr>
-        <p:spPr>
-          <a:xfrm>
-            <a:off x="685800" y="4343400"/>
-            <a:ext cx="5486400" cy="4114800"/>
-          </a:xfrm>
-          <a:prstGeom prst="rect">
-            <a:avLst/>
-          </a:prstGeom>
-        </p:spPr>
-        <p:txBody>
-          <a:bodyPr spcFirstLastPara="1" wrap="square" lIns="91425" tIns="91425" rIns="91425" bIns="91425" anchor="t" anchorCtr="0">
-            <a:noAutofit/>
-          </a:bodyPr>
-          <a:lstStyle/>
-          <a:p>
-            <a:pPr marL="0" lvl="0" indent="0" algn="l" rtl="0">
-              <a:spcBef>
-                <a:spcPts val="0"/>
-              </a:spcBef>
-              <a:spcAft>
-                <a:spcPts val="0"/>
-              </a:spcAft>
-              <a:buNone/>
-            </a:pPr>
-            <a:endParaRPr/>
-          </a:p>
-        </p:txBody>
-      </p:sp>
-    </p:spTree>
-  </p:cSld>
-  <p:clrMapOvr>
-    <a:masterClrMapping/>
-  </p:clrMapOvr>
-</p:notes>
-</file>
-
-<file path=ppt/notesSlides/notesSlide16.xml><?xml version="1.0" encoding="utf-8"?>
+<file path=ppt/notesSlides/notesSlide12.xml><?xml version="1.0" encoding="utf-8"?>
 <p:notes xmlns:a="http://schemas.openxmlformats.org/drawingml/2006/main" xmlns:r="http://schemas.openxmlformats.org/officeDocument/2006/relationships" xmlns:p="http://schemas.openxmlformats.org/presentationml/2006/main" showMasterSp="0" showMasterPhAnim="0">
   <p:cSld>
     <p:spTree>
@@ -1715,111 +1285,7 @@
 </p:notes>
 </file>
 
-<file path=ppt/notesSlides/notesSlide17.xml><?xml version="1.0" encoding="utf-8"?>
-<p:notes xmlns:a="http://schemas.openxmlformats.org/drawingml/2006/main" xmlns:r="http://schemas.openxmlformats.org/officeDocument/2006/relationships" xmlns:p="http://schemas.openxmlformats.org/presentationml/2006/main" showMasterSp="0" showMasterPhAnim="0">
-  <p:cSld>
-    <p:spTree>
-      <p:nvGrpSpPr>
-        <p:cNvPr id="1" name="Shape 156"/>
-        <p:cNvGrpSpPr/>
-        <p:nvPr/>
-      </p:nvGrpSpPr>
-      <p:grpSpPr>
-        <a:xfrm>
-          <a:off x="0" y="0"/>
-          <a:ext cx="0" cy="0"/>
-          <a:chOff x="0" y="0"/>
-          <a:chExt cx="0" cy="0"/>
-        </a:xfrm>
-      </p:grpSpPr>
-      <p:sp>
-        <p:nvSpPr>
-          <p:cNvPr id="157" name="Google Shape;157;ga5af1fc177_0_25:notes"/>
-          <p:cNvSpPr>
-            <a:spLocks noGrp="1" noRot="1" noChangeAspect="1"/>
-          </p:cNvSpPr>
-          <p:nvPr>
-            <p:ph type="sldImg" idx="2"/>
-          </p:nvPr>
-        </p:nvSpPr>
-        <p:spPr>
-          <a:xfrm>
-            <a:off x="381300" y="685800"/>
-            <a:ext cx="6096000" cy="3429000"/>
-          </a:xfrm>
-          <a:custGeom>
-            <a:avLst/>
-            <a:gdLst/>
-            <a:ahLst/>
-            <a:cxnLst/>
-            <a:rect l="l" t="t" r="r" b="b"/>
-            <a:pathLst>
-              <a:path w="120000" h="120000" extrusionOk="0">
-                <a:moveTo>
-                  <a:pt x="0" y="0"/>
-                </a:moveTo>
-                <a:lnTo>
-                  <a:pt x="120000" y="0"/>
-                </a:lnTo>
-                <a:lnTo>
-                  <a:pt x="120000" y="120000"/>
-                </a:lnTo>
-                <a:lnTo>
-                  <a:pt x="0" y="120000"/>
-                </a:lnTo>
-                <a:close/>
-              </a:path>
-            </a:pathLst>
-          </a:custGeom>
-        </p:spPr>
-      </p:sp>
-      <p:sp>
-        <p:nvSpPr>
-          <p:cNvPr id="158" name="Google Shape;158;ga5af1fc177_0_25:notes"/>
-          <p:cNvSpPr txBox="1">
-            <a:spLocks noGrp="1"/>
-          </p:cNvSpPr>
-          <p:nvPr>
-            <p:ph type="body" idx="1"/>
-          </p:nvPr>
-        </p:nvSpPr>
-        <p:spPr>
-          <a:xfrm>
-            <a:off x="685800" y="4343400"/>
-            <a:ext cx="5486400" cy="4114800"/>
-          </a:xfrm>
-          <a:prstGeom prst="rect">
-            <a:avLst/>
-          </a:prstGeom>
-        </p:spPr>
-        <p:txBody>
-          <a:bodyPr spcFirstLastPara="1" wrap="square" lIns="91425" tIns="91425" rIns="91425" bIns="91425" anchor="t" anchorCtr="0">
-            <a:noAutofit/>
-          </a:bodyPr>
-          <a:lstStyle/>
-          <a:p>
-            <a:pPr marL="0" lvl="0" indent="0" algn="l" rtl="0">
-              <a:spcBef>
-                <a:spcPts val="0"/>
-              </a:spcBef>
-              <a:spcAft>
-                <a:spcPts val="0"/>
-              </a:spcAft>
-              <a:buNone/>
-            </a:pPr>
-            <a:endParaRPr/>
-          </a:p>
-        </p:txBody>
-      </p:sp>
-    </p:spTree>
-  </p:cSld>
-  <p:clrMapOvr>
-    <a:masterClrMapping/>
-  </p:clrMapOvr>
-</p:notes>
-</file>
-
-<file path=ppt/notesSlides/notesSlide18.xml><?xml version="1.0" encoding="utf-8"?>
+<file path=ppt/notesSlides/notesSlide13.xml><?xml version="1.0" encoding="utf-8"?>
 <p:notes xmlns:a="http://schemas.openxmlformats.org/drawingml/2006/main" xmlns:r="http://schemas.openxmlformats.org/officeDocument/2006/relationships" xmlns:p="http://schemas.openxmlformats.org/presentationml/2006/main" showMasterSp="0" showMasterPhAnim="0">
   <p:cSld>
     <p:spTree>
@@ -1923,7 +1389,7 @@
 </p:notes>
 </file>
 
-<file path=ppt/notesSlides/notesSlide19.xml><?xml version="1.0" encoding="utf-8"?>
+<file path=ppt/notesSlides/notesSlide14.xml><?xml version="1.0" encoding="utf-8"?>
 <p:notes xmlns:a="http://schemas.openxmlformats.org/drawingml/2006/main" xmlns:r="http://schemas.openxmlformats.org/officeDocument/2006/relationships" xmlns:p="http://schemas.openxmlformats.org/presentationml/2006/main" showMasterSp="0" showMasterPhAnim="0">
   <p:cSld>
     <p:spTree>
@@ -2005,6 +1471,692 @@
             <a:noAutofit/>
           </a:bodyPr>
           <a:lstStyle/>
+          <a:p>
+            <a:pPr marL="0" lvl="0" indent="0" algn="l" rtl="0">
+              <a:spcBef>
+                <a:spcPts val="0"/>
+              </a:spcBef>
+              <a:spcAft>
+                <a:spcPts val="0"/>
+              </a:spcAft>
+              <a:buNone/>
+            </a:pPr>
+            <a:endParaRPr dirty="0"/>
+          </a:p>
+        </p:txBody>
+      </p:sp>
+    </p:spTree>
+  </p:cSld>
+  <p:clrMapOvr>
+    <a:masterClrMapping/>
+  </p:clrMapOvr>
+</p:notes>
+</file>
+
+<file path=ppt/notesSlides/notesSlide15.xml><?xml version="1.0" encoding="utf-8"?>
+<p:notes xmlns:a="http://schemas.openxmlformats.org/drawingml/2006/main" xmlns:r="http://schemas.openxmlformats.org/officeDocument/2006/relationships" xmlns:p="http://schemas.openxmlformats.org/presentationml/2006/main" showMasterSp="0" showMasterPhAnim="0">
+  <p:cSld>
+    <p:spTree>
+      <p:nvGrpSpPr>
+        <p:cNvPr id="1" name="Shape 181"/>
+        <p:cNvGrpSpPr/>
+        <p:nvPr/>
+      </p:nvGrpSpPr>
+      <p:grpSpPr>
+        <a:xfrm>
+          <a:off x="0" y="0"/>
+          <a:ext cx="0" cy="0"/>
+          <a:chOff x="0" y="0"/>
+          <a:chExt cx="0" cy="0"/>
+        </a:xfrm>
+      </p:grpSpPr>
+      <p:sp>
+        <p:nvSpPr>
+          <p:cNvPr id="182" name="Google Shape;182;ga5af1fc177_0_239:notes"/>
+          <p:cNvSpPr>
+            <a:spLocks noGrp="1" noRot="1" noChangeAspect="1"/>
+          </p:cNvSpPr>
+          <p:nvPr>
+            <p:ph type="sldImg" idx="2"/>
+          </p:nvPr>
+        </p:nvSpPr>
+        <p:spPr>
+          <a:xfrm>
+            <a:off x="381000" y="685800"/>
+            <a:ext cx="6096000" cy="3429000"/>
+          </a:xfrm>
+          <a:custGeom>
+            <a:avLst/>
+            <a:gdLst/>
+            <a:ahLst/>
+            <a:cxnLst/>
+            <a:rect l="l" t="t" r="r" b="b"/>
+            <a:pathLst>
+              <a:path w="120000" h="120000" extrusionOk="0">
+                <a:moveTo>
+                  <a:pt x="0" y="0"/>
+                </a:moveTo>
+                <a:lnTo>
+                  <a:pt x="120000" y="0"/>
+                </a:lnTo>
+                <a:lnTo>
+                  <a:pt x="120000" y="120000"/>
+                </a:lnTo>
+                <a:lnTo>
+                  <a:pt x="0" y="120000"/>
+                </a:lnTo>
+                <a:close/>
+              </a:path>
+            </a:pathLst>
+          </a:custGeom>
+        </p:spPr>
+      </p:sp>
+      <p:sp>
+        <p:nvSpPr>
+          <p:cNvPr id="183" name="Google Shape;183;ga5af1fc177_0_239:notes"/>
+          <p:cNvSpPr txBox="1">
+            <a:spLocks noGrp="1"/>
+          </p:cNvSpPr>
+          <p:nvPr>
+            <p:ph type="body" idx="1"/>
+          </p:nvPr>
+        </p:nvSpPr>
+        <p:spPr>
+          <a:xfrm>
+            <a:off x="685800" y="4343400"/>
+            <a:ext cx="5486400" cy="4114800"/>
+          </a:xfrm>
+          <a:prstGeom prst="rect">
+            <a:avLst/>
+          </a:prstGeom>
+        </p:spPr>
+        <p:txBody>
+          <a:bodyPr spcFirstLastPara="1" wrap="square" lIns="91425" tIns="91425" rIns="91425" bIns="91425" anchor="t" anchorCtr="0">
+            <a:noAutofit/>
+          </a:bodyPr>
+          <a:lstStyle/>
+          <a:p>
+            <a:pPr marL="0" marR="0" lvl="0" indent="0" algn="l" defTabSz="914400" rtl="0" eaLnBrk="1" fontAlgn="auto" latinLnBrk="0" hangingPunct="1">
+              <a:lnSpc>
+                <a:spcPct val="100000"/>
+              </a:lnSpc>
+              <a:spcBef>
+                <a:spcPts val="0"/>
+              </a:spcBef>
+              <a:spcAft>
+                <a:spcPts val="0"/>
+              </a:spcAft>
+              <a:buClr>
+                <a:srgbClr val="000000"/>
+              </a:buClr>
+              <a:buSzPts val="1100"/>
+              <a:buFont typeface="Arial"/>
+              <a:buNone/>
+              <a:tabLst/>
+              <a:defRPr/>
+            </a:pPr>
+            <a:r>
+              <a:rPr lang="en-US" dirty="0"/>
+              <a:t>The cleaned up test result report was incorrect because of the nature of how the script was executing. Unfortunately, we were not able to find a good way to sort them by the methods, so we ended up sorting the test case results in ascending order by their respective ID. The report is grouped by the method name due to how the test cases are grouped within their folder. If new test cases were added, it wouldn’t necessarily mean the test cases would be grouped by method name. </a:t>
+            </a:r>
+          </a:p>
+          <a:p>
+            <a:pPr marL="0" lvl="0" indent="0" algn="l" rtl="0">
+              <a:spcBef>
+                <a:spcPts val="0"/>
+              </a:spcBef>
+              <a:spcAft>
+                <a:spcPts val="0"/>
+              </a:spcAft>
+              <a:buNone/>
+            </a:pPr>
+            <a:endParaRPr dirty="0"/>
+          </a:p>
+        </p:txBody>
+      </p:sp>
+    </p:spTree>
+  </p:cSld>
+  <p:clrMapOvr>
+    <a:masterClrMapping/>
+  </p:clrMapOvr>
+</p:notes>
+</file>
+
+<file path=ppt/notesSlides/notesSlide16.xml><?xml version="1.0" encoding="utf-8"?>
+<p:notes xmlns:a="http://schemas.openxmlformats.org/drawingml/2006/main" xmlns:r="http://schemas.openxmlformats.org/officeDocument/2006/relationships" xmlns:p="http://schemas.openxmlformats.org/presentationml/2006/main" showMasterSp="0" showMasterPhAnim="0">
+  <p:cSld>
+    <p:spTree>
+      <p:nvGrpSpPr>
+        <p:cNvPr id="1" name="Shape 187"/>
+        <p:cNvGrpSpPr/>
+        <p:nvPr/>
+      </p:nvGrpSpPr>
+      <p:grpSpPr>
+        <a:xfrm>
+          <a:off x="0" y="0"/>
+          <a:ext cx="0" cy="0"/>
+          <a:chOff x="0" y="0"/>
+          <a:chExt cx="0" cy="0"/>
+        </a:xfrm>
+      </p:grpSpPr>
+      <p:sp>
+        <p:nvSpPr>
+          <p:cNvPr id="188" name="Google Shape;188;ga5af1fc177_0_20:notes"/>
+          <p:cNvSpPr>
+            <a:spLocks noGrp="1" noRot="1" noChangeAspect="1"/>
+          </p:cNvSpPr>
+          <p:nvPr>
+            <p:ph type="sldImg" idx="2"/>
+          </p:nvPr>
+        </p:nvSpPr>
+        <p:spPr>
+          <a:xfrm>
+            <a:off x="381300" y="685800"/>
+            <a:ext cx="6096000" cy="3429000"/>
+          </a:xfrm>
+          <a:custGeom>
+            <a:avLst/>
+            <a:gdLst/>
+            <a:ahLst/>
+            <a:cxnLst/>
+            <a:rect l="l" t="t" r="r" b="b"/>
+            <a:pathLst>
+              <a:path w="120000" h="120000" extrusionOk="0">
+                <a:moveTo>
+                  <a:pt x="0" y="0"/>
+                </a:moveTo>
+                <a:lnTo>
+                  <a:pt x="120000" y="0"/>
+                </a:lnTo>
+                <a:lnTo>
+                  <a:pt x="120000" y="120000"/>
+                </a:lnTo>
+                <a:lnTo>
+                  <a:pt x="0" y="120000"/>
+                </a:lnTo>
+                <a:close/>
+              </a:path>
+            </a:pathLst>
+          </a:custGeom>
+        </p:spPr>
+      </p:sp>
+      <p:sp>
+        <p:nvSpPr>
+          <p:cNvPr id="189" name="Google Shape;189;ga5af1fc177_0_20:notes"/>
+          <p:cNvSpPr txBox="1">
+            <a:spLocks noGrp="1"/>
+          </p:cNvSpPr>
+          <p:nvPr>
+            <p:ph type="body" idx="1"/>
+          </p:nvPr>
+        </p:nvSpPr>
+        <p:spPr>
+          <a:xfrm>
+            <a:off x="685800" y="4343400"/>
+            <a:ext cx="5486400" cy="4114800"/>
+          </a:xfrm>
+          <a:prstGeom prst="rect">
+            <a:avLst/>
+          </a:prstGeom>
+        </p:spPr>
+        <p:txBody>
+          <a:bodyPr spcFirstLastPara="1" wrap="square" lIns="91425" tIns="91425" rIns="91425" bIns="91425" anchor="t" anchorCtr="0">
+            <a:noAutofit/>
+          </a:bodyPr>
+          <a:lstStyle/>
+          <a:p>
+            <a:pPr marL="0" lvl="0" indent="0" algn="l" rtl="0">
+              <a:spcBef>
+                <a:spcPts val="0"/>
+              </a:spcBef>
+              <a:spcAft>
+                <a:spcPts val="0"/>
+              </a:spcAft>
+              <a:buNone/>
+            </a:pPr>
+            <a:endParaRPr/>
+          </a:p>
+        </p:txBody>
+      </p:sp>
+    </p:spTree>
+  </p:cSld>
+  <p:clrMapOvr>
+    <a:masterClrMapping/>
+  </p:clrMapOvr>
+</p:notes>
+</file>
+
+<file path=ppt/notesSlides/notesSlide17.xml><?xml version="1.0" encoding="utf-8"?>
+<p:notes xmlns:a="http://schemas.openxmlformats.org/drawingml/2006/main" xmlns:r="http://schemas.openxmlformats.org/officeDocument/2006/relationships" xmlns:p="http://schemas.openxmlformats.org/presentationml/2006/main" showMasterSp="0" showMasterPhAnim="0">
+  <p:cSld>
+    <p:spTree>
+      <p:nvGrpSpPr>
+        <p:cNvPr id="1" name="Shape 194"/>
+        <p:cNvGrpSpPr/>
+        <p:nvPr/>
+      </p:nvGrpSpPr>
+      <p:grpSpPr>
+        <a:xfrm>
+          <a:off x="0" y="0"/>
+          <a:ext cx="0" cy="0"/>
+          <a:chOff x="0" y="0"/>
+          <a:chExt cx="0" cy="0"/>
+        </a:xfrm>
+      </p:grpSpPr>
+      <p:sp>
+        <p:nvSpPr>
+          <p:cNvPr id="195" name="Google Shape;195;ga5af1fc177_0_170:notes"/>
+          <p:cNvSpPr>
+            <a:spLocks noGrp="1" noRot="1" noChangeAspect="1"/>
+          </p:cNvSpPr>
+          <p:nvPr>
+            <p:ph type="sldImg" idx="2"/>
+          </p:nvPr>
+        </p:nvSpPr>
+        <p:spPr>
+          <a:xfrm>
+            <a:off x="381300" y="685800"/>
+            <a:ext cx="6096000" cy="3429000"/>
+          </a:xfrm>
+          <a:custGeom>
+            <a:avLst/>
+            <a:gdLst/>
+            <a:ahLst/>
+            <a:cxnLst/>
+            <a:rect l="l" t="t" r="r" b="b"/>
+            <a:pathLst>
+              <a:path w="120000" h="120000" extrusionOk="0">
+                <a:moveTo>
+                  <a:pt x="0" y="0"/>
+                </a:moveTo>
+                <a:lnTo>
+                  <a:pt x="120000" y="0"/>
+                </a:lnTo>
+                <a:lnTo>
+                  <a:pt x="120000" y="120000"/>
+                </a:lnTo>
+                <a:lnTo>
+                  <a:pt x="0" y="120000"/>
+                </a:lnTo>
+                <a:close/>
+              </a:path>
+            </a:pathLst>
+          </a:custGeom>
+        </p:spPr>
+      </p:sp>
+      <p:sp>
+        <p:nvSpPr>
+          <p:cNvPr id="196" name="Google Shape;196;ga5af1fc177_0_170:notes"/>
+          <p:cNvSpPr txBox="1">
+            <a:spLocks noGrp="1"/>
+          </p:cNvSpPr>
+          <p:nvPr>
+            <p:ph type="body" idx="1"/>
+          </p:nvPr>
+        </p:nvSpPr>
+        <p:spPr>
+          <a:xfrm>
+            <a:off x="685800" y="4343400"/>
+            <a:ext cx="5486400" cy="4114800"/>
+          </a:xfrm>
+          <a:prstGeom prst="rect">
+            <a:avLst/>
+          </a:prstGeom>
+        </p:spPr>
+        <p:txBody>
+          <a:bodyPr spcFirstLastPara="1" wrap="square" lIns="91425" tIns="91425" rIns="91425" bIns="91425" anchor="t" anchorCtr="0">
+            <a:noAutofit/>
+          </a:bodyPr>
+          <a:lstStyle/>
+          <a:p>
+            <a:pPr marL="0" lvl="0" indent="0" algn="l" rtl="0">
+              <a:spcBef>
+                <a:spcPts val="0"/>
+              </a:spcBef>
+              <a:spcAft>
+                <a:spcPts val="0"/>
+              </a:spcAft>
+              <a:buNone/>
+            </a:pPr>
+            <a:endParaRPr/>
+          </a:p>
+        </p:txBody>
+      </p:sp>
+    </p:spTree>
+  </p:cSld>
+  <p:clrMapOvr>
+    <a:masterClrMapping/>
+  </p:clrMapOvr>
+</p:notes>
+</file>
+
+<file path=ppt/notesSlides/notesSlide18.xml><?xml version="1.0" encoding="utf-8"?>
+<p:notes xmlns:a="http://schemas.openxmlformats.org/drawingml/2006/main" xmlns:r="http://schemas.openxmlformats.org/officeDocument/2006/relationships" xmlns:p="http://schemas.openxmlformats.org/presentationml/2006/main" showMasterSp="0" showMasterPhAnim="0">
+  <p:cSld>
+    <p:spTree>
+      <p:nvGrpSpPr>
+        <p:cNvPr id="1" name="Shape 200"/>
+        <p:cNvGrpSpPr/>
+        <p:nvPr/>
+      </p:nvGrpSpPr>
+      <p:grpSpPr>
+        <a:xfrm>
+          <a:off x="0" y="0"/>
+          <a:ext cx="0" cy="0"/>
+          <a:chOff x="0" y="0"/>
+          <a:chExt cx="0" cy="0"/>
+        </a:xfrm>
+      </p:grpSpPr>
+      <p:sp>
+        <p:nvSpPr>
+          <p:cNvPr id="201" name="Google Shape;201;ga5af2029d5_1_12:notes"/>
+          <p:cNvSpPr>
+            <a:spLocks noGrp="1" noRot="1" noChangeAspect="1"/>
+          </p:cNvSpPr>
+          <p:nvPr>
+            <p:ph type="sldImg" idx="2"/>
+          </p:nvPr>
+        </p:nvSpPr>
+        <p:spPr>
+          <a:xfrm>
+            <a:off x="381000" y="685800"/>
+            <a:ext cx="6096000" cy="3429000"/>
+          </a:xfrm>
+          <a:custGeom>
+            <a:avLst/>
+            <a:gdLst/>
+            <a:ahLst/>
+            <a:cxnLst/>
+            <a:rect l="l" t="t" r="r" b="b"/>
+            <a:pathLst>
+              <a:path w="120000" h="120000" extrusionOk="0">
+                <a:moveTo>
+                  <a:pt x="0" y="0"/>
+                </a:moveTo>
+                <a:lnTo>
+                  <a:pt x="120000" y="0"/>
+                </a:lnTo>
+                <a:lnTo>
+                  <a:pt x="120000" y="120000"/>
+                </a:lnTo>
+                <a:lnTo>
+                  <a:pt x="0" y="120000"/>
+                </a:lnTo>
+                <a:close/>
+              </a:path>
+            </a:pathLst>
+          </a:custGeom>
+        </p:spPr>
+      </p:sp>
+      <p:sp>
+        <p:nvSpPr>
+          <p:cNvPr id="202" name="Google Shape;202;ga5af2029d5_1_12:notes"/>
+          <p:cNvSpPr txBox="1">
+            <a:spLocks noGrp="1"/>
+          </p:cNvSpPr>
+          <p:nvPr>
+            <p:ph type="body" idx="1"/>
+          </p:nvPr>
+        </p:nvSpPr>
+        <p:spPr>
+          <a:xfrm>
+            <a:off x="685800" y="4343400"/>
+            <a:ext cx="5486400" cy="4114800"/>
+          </a:xfrm>
+          <a:prstGeom prst="rect">
+            <a:avLst/>
+          </a:prstGeom>
+        </p:spPr>
+        <p:txBody>
+          <a:bodyPr spcFirstLastPara="1" wrap="square" lIns="91425" tIns="91425" rIns="91425" bIns="91425" anchor="t" anchorCtr="0">
+            <a:noAutofit/>
+          </a:bodyPr>
+          <a:lstStyle/>
+          <a:p>
+            <a:pPr marL="0" lvl="0" indent="0" algn="l" rtl="0">
+              <a:lnSpc>
+                <a:spcPct val="200000"/>
+              </a:lnSpc>
+              <a:spcBef>
+                <a:spcPts val="0"/>
+              </a:spcBef>
+              <a:spcAft>
+                <a:spcPts val="0"/>
+              </a:spcAft>
+              <a:buNone/>
+            </a:pPr>
+            <a:r>
+              <a:rPr lang="en-US" sz="1100" dirty="0">
+                <a:solidFill>
+                  <a:srgbClr val="FFFFFF"/>
+                </a:solidFill>
+                <a:latin typeface="Times New Roman"/>
+                <a:ea typeface="Times New Roman"/>
+                <a:cs typeface="Times New Roman"/>
+                <a:sym typeface="Times New Roman"/>
+              </a:rPr>
+              <a:t>We scrutinized the methods to come up with realistic mistakes/faults that someone could possibly make during implementation. We used a </a:t>
+            </a:r>
+            <a:r>
+              <a:rPr lang="en-US" sz="1100" dirty="0" err="1">
+                <a:solidFill>
+                  <a:srgbClr val="FFFFFF"/>
+                </a:solidFill>
+                <a:latin typeface="Times New Roman"/>
+                <a:ea typeface="Times New Roman"/>
+                <a:cs typeface="Times New Roman"/>
+                <a:sym typeface="Times New Roman"/>
+              </a:rPr>
+              <a:t>boolean</a:t>
+            </a:r>
+            <a:r>
+              <a:rPr lang="en-US" sz="1100" dirty="0">
+                <a:solidFill>
+                  <a:srgbClr val="FFFFFF"/>
+                </a:solidFill>
+                <a:latin typeface="Times New Roman"/>
+                <a:ea typeface="Times New Roman"/>
+                <a:cs typeface="Times New Roman"/>
+                <a:sym typeface="Times New Roman"/>
+              </a:rPr>
+              <a:t> variable to implement the faults, so that if it is set to true, then the faulted code will execute, otherwise, the original code will execute. </a:t>
+            </a:r>
+            <a:endParaRPr lang="en-US" dirty="0">
+              <a:solidFill>
+                <a:srgbClr val="FFFFFF"/>
+              </a:solidFill>
+            </a:endParaRPr>
+          </a:p>
+          <a:p>
+            <a:pPr marL="0" lvl="0" indent="0" algn="l" rtl="0">
+              <a:spcBef>
+                <a:spcPts val="0"/>
+              </a:spcBef>
+              <a:spcAft>
+                <a:spcPts val="0"/>
+              </a:spcAft>
+              <a:buNone/>
+            </a:pPr>
+            <a:endParaRPr lang="en-US" dirty="0"/>
+          </a:p>
+          <a:p>
+            <a:pPr marL="0" lvl="0" indent="0" algn="l" rtl="0">
+              <a:spcBef>
+                <a:spcPts val="1600"/>
+              </a:spcBef>
+              <a:spcAft>
+                <a:spcPts val="1600"/>
+              </a:spcAft>
+              <a:buNone/>
+            </a:pPr>
+            <a:endParaRPr lang="en-US" dirty="0"/>
+          </a:p>
+          <a:p>
+            <a:pPr marL="0" lvl="0" indent="0" algn="l" rtl="0">
+              <a:spcBef>
+                <a:spcPts val="0"/>
+              </a:spcBef>
+              <a:spcAft>
+                <a:spcPts val="0"/>
+              </a:spcAft>
+              <a:buNone/>
+            </a:pPr>
+            <a:endParaRPr dirty="0"/>
+          </a:p>
+        </p:txBody>
+      </p:sp>
+    </p:spTree>
+  </p:cSld>
+  <p:clrMapOvr>
+    <a:masterClrMapping/>
+  </p:clrMapOvr>
+</p:notes>
+</file>
+
+<file path=ppt/notesSlides/notesSlide19.xml><?xml version="1.0" encoding="utf-8"?>
+<p:notes xmlns:a="http://schemas.openxmlformats.org/drawingml/2006/main" xmlns:r="http://schemas.openxmlformats.org/officeDocument/2006/relationships" xmlns:p="http://schemas.openxmlformats.org/presentationml/2006/main" showMasterSp="0" showMasterPhAnim="0">
+  <p:cSld>
+    <p:spTree>
+      <p:nvGrpSpPr>
+        <p:cNvPr id="1" name="Shape 211"/>
+        <p:cNvGrpSpPr/>
+        <p:nvPr/>
+      </p:nvGrpSpPr>
+      <p:grpSpPr>
+        <a:xfrm>
+          <a:off x="0" y="0"/>
+          <a:ext cx="0" cy="0"/>
+          <a:chOff x="0" y="0"/>
+          <a:chExt cx="0" cy="0"/>
+        </a:xfrm>
+      </p:grpSpPr>
+      <p:sp>
+        <p:nvSpPr>
+          <p:cNvPr id="212" name="Google Shape;212;ga5af2029d5_1_17:notes"/>
+          <p:cNvSpPr>
+            <a:spLocks noGrp="1" noRot="1" noChangeAspect="1"/>
+          </p:cNvSpPr>
+          <p:nvPr>
+            <p:ph type="sldImg" idx="2"/>
+          </p:nvPr>
+        </p:nvSpPr>
+        <p:spPr>
+          <a:xfrm>
+            <a:off x="381000" y="685800"/>
+            <a:ext cx="6096000" cy="3429000"/>
+          </a:xfrm>
+          <a:custGeom>
+            <a:avLst/>
+            <a:gdLst/>
+            <a:ahLst/>
+            <a:cxnLst/>
+            <a:rect l="l" t="t" r="r" b="b"/>
+            <a:pathLst>
+              <a:path w="120000" h="120000" extrusionOk="0">
+                <a:moveTo>
+                  <a:pt x="0" y="0"/>
+                </a:moveTo>
+                <a:lnTo>
+                  <a:pt x="120000" y="0"/>
+                </a:lnTo>
+                <a:lnTo>
+                  <a:pt x="120000" y="120000"/>
+                </a:lnTo>
+                <a:lnTo>
+                  <a:pt x="0" y="120000"/>
+                </a:lnTo>
+                <a:close/>
+              </a:path>
+            </a:pathLst>
+          </a:custGeom>
+        </p:spPr>
+      </p:sp>
+      <p:sp>
+        <p:nvSpPr>
+          <p:cNvPr id="213" name="Google Shape;213;ga5af2029d5_1_17:notes"/>
+          <p:cNvSpPr txBox="1">
+            <a:spLocks noGrp="1"/>
+          </p:cNvSpPr>
+          <p:nvPr>
+            <p:ph type="body" idx="1"/>
+          </p:nvPr>
+        </p:nvSpPr>
+        <p:spPr>
+          <a:xfrm>
+            <a:off x="685800" y="4343400"/>
+            <a:ext cx="5486400" cy="4114800"/>
+          </a:xfrm>
+          <a:prstGeom prst="rect">
+            <a:avLst/>
+          </a:prstGeom>
+        </p:spPr>
+        <p:txBody>
+          <a:bodyPr spcFirstLastPara="1" wrap="square" lIns="91425" tIns="91425" rIns="91425" bIns="91425" anchor="t" anchorCtr="0">
+            <a:noAutofit/>
+          </a:bodyPr>
+          <a:lstStyle/>
+          <a:p>
+            <a:pPr marL="0" marR="0" lvl="0" indent="0" algn="l" defTabSz="914400" rtl="0" eaLnBrk="1" fontAlgn="auto" latinLnBrk="0" hangingPunct="1">
+              <a:lnSpc>
+                <a:spcPct val="100000"/>
+              </a:lnSpc>
+              <a:spcBef>
+                <a:spcPts val="0"/>
+              </a:spcBef>
+              <a:spcAft>
+                <a:spcPts val="0"/>
+              </a:spcAft>
+              <a:buClr>
+                <a:srgbClr val="000000"/>
+              </a:buClr>
+              <a:buSzPts val="1100"/>
+              <a:buFont typeface="Arial"/>
+              <a:buNone/>
+              <a:tabLst/>
+              <a:defRPr/>
+            </a:pPr>
+            <a:r>
+              <a:rPr lang="en-US" dirty="0">
+                <a:solidFill>
+                  <a:srgbClr val="FFFFFF"/>
+                </a:solidFill>
+                <a:latin typeface="Times New Roman"/>
+                <a:ea typeface="Times New Roman"/>
+                <a:cs typeface="Times New Roman"/>
+                <a:sym typeface="Times New Roman"/>
+              </a:rPr>
+              <a:t>For this fault, we changed how many times the for loop would iterate for computing the log(n!). We thought it might be possible for someone to make a mistake and set the for loop to run </a:t>
+            </a:r>
+            <a:r>
+              <a:rPr lang="en-US" dirty="0" err="1">
+                <a:solidFill>
+                  <a:srgbClr val="FFFFFF"/>
+                </a:solidFill>
+                <a:latin typeface="Times New Roman"/>
+                <a:ea typeface="Times New Roman"/>
+                <a:cs typeface="Times New Roman"/>
+                <a:sym typeface="Times New Roman"/>
+              </a:rPr>
+              <a:t>retVal</a:t>
+            </a:r>
+            <a:r>
+              <a:rPr lang="en-US" dirty="0">
+                <a:solidFill>
+                  <a:srgbClr val="FFFFFF"/>
+                </a:solidFill>
+                <a:latin typeface="Times New Roman"/>
+                <a:ea typeface="Times New Roman"/>
+                <a:cs typeface="Times New Roman"/>
+                <a:sym typeface="Times New Roman"/>
+              </a:rPr>
+              <a:t> times, instead of n times. This passed three test cases, and failed two. It passed the test cases where the value passed in as input was -5, 0, and 1. </a:t>
+            </a:r>
+            <a:endParaRPr lang="en-US" dirty="0">
+              <a:solidFill>
+                <a:srgbClr val="FFFFFF"/>
+              </a:solidFill>
+            </a:endParaRPr>
+          </a:p>
           <a:p>
             <a:pPr marL="0" lvl="0" indent="0" algn="l" rtl="0">
               <a:spcBef>
@@ -2222,7 +2374,7 @@
   <p:cSld>
     <p:spTree>
       <p:nvGrpSpPr>
-        <p:cNvPr id="1" name="Shape 181"/>
+        <p:cNvPr id="1" name="Shape 224"/>
         <p:cNvGrpSpPr/>
         <p:nvPr/>
       </p:nvGrpSpPr>
@@ -2236,7 +2388,7 @@
       </p:grpSpPr>
       <p:sp>
         <p:nvSpPr>
-          <p:cNvPr id="182" name="Google Shape;182;ga5af1fc177_0_239:notes"/>
+          <p:cNvPr id="225" name="Google Shape;225;ga5af1fc177_0_72:notes"/>
           <p:cNvSpPr>
             <a:spLocks noGrp="1" noRot="1" noChangeAspect="1"/>
           </p:cNvSpPr>
@@ -2277,1004 +2429,6 @@
       </p:sp>
       <p:sp>
         <p:nvSpPr>
-          <p:cNvPr id="183" name="Google Shape;183;ga5af1fc177_0_239:notes"/>
-          <p:cNvSpPr txBox="1">
-            <a:spLocks noGrp="1"/>
-          </p:cNvSpPr>
-          <p:nvPr>
-            <p:ph type="body" idx="1"/>
-          </p:nvPr>
-        </p:nvSpPr>
-        <p:spPr>
-          <a:xfrm>
-            <a:off x="685800" y="4343400"/>
-            <a:ext cx="5486400" cy="4114800"/>
-          </a:xfrm>
-          <a:prstGeom prst="rect">
-            <a:avLst/>
-          </a:prstGeom>
-        </p:spPr>
-        <p:txBody>
-          <a:bodyPr spcFirstLastPara="1" wrap="square" lIns="91425" tIns="91425" rIns="91425" bIns="91425" anchor="t" anchorCtr="0">
-            <a:noAutofit/>
-          </a:bodyPr>
-          <a:lstStyle/>
-          <a:p>
-            <a:pPr marL="0" marR="0" lvl="0" indent="0" algn="l" defTabSz="914400" rtl="0" eaLnBrk="1" fontAlgn="auto" latinLnBrk="0" hangingPunct="1">
-              <a:lnSpc>
-                <a:spcPct val="100000"/>
-              </a:lnSpc>
-              <a:spcBef>
-                <a:spcPts val="0"/>
-              </a:spcBef>
-              <a:spcAft>
-                <a:spcPts val="0"/>
-              </a:spcAft>
-              <a:buClr>
-                <a:srgbClr val="000000"/>
-              </a:buClr>
-              <a:buSzPts val="1100"/>
-              <a:buFont typeface="Arial"/>
-              <a:buNone/>
-              <a:tabLst/>
-              <a:defRPr/>
-            </a:pPr>
-            <a:r>
-              <a:rPr lang="en-US" dirty="0"/>
-              <a:t>The cleaned up test result report was incorrect because of the nature of how the script was executing. Unfortunately, we were not able to find a good way to sort them by the methods, so we ended up sorting the test case results in ascending order by their respective ID. The report is grouped by the method name due to how the test cases are grouped within their folder. If new test cases were added, it wouldn’t necessarily mean the test cases would be grouped by method name. </a:t>
-            </a:r>
-          </a:p>
-          <a:p>
-            <a:pPr marL="0" lvl="0" indent="0" algn="l" rtl="0">
-              <a:spcBef>
-                <a:spcPts val="0"/>
-              </a:spcBef>
-              <a:spcAft>
-                <a:spcPts val="0"/>
-              </a:spcAft>
-              <a:buNone/>
-            </a:pPr>
-            <a:endParaRPr dirty="0"/>
-          </a:p>
-        </p:txBody>
-      </p:sp>
-    </p:spTree>
-  </p:cSld>
-  <p:clrMapOvr>
-    <a:masterClrMapping/>
-  </p:clrMapOvr>
-</p:notes>
-</file>
-
-<file path=ppt/notesSlides/notesSlide21.xml><?xml version="1.0" encoding="utf-8"?>
-<p:notes xmlns:a="http://schemas.openxmlformats.org/drawingml/2006/main" xmlns:r="http://schemas.openxmlformats.org/officeDocument/2006/relationships" xmlns:p="http://schemas.openxmlformats.org/presentationml/2006/main" showMasterSp="0" showMasterPhAnim="0">
-  <p:cSld>
-    <p:spTree>
-      <p:nvGrpSpPr>
-        <p:cNvPr id="1" name="Shape 175"/>
-        <p:cNvGrpSpPr/>
-        <p:nvPr/>
-      </p:nvGrpSpPr>
-      <p:grpSpPr>
-        <a:xfrm>
-          <a:off x="0" y="0"/>
-          <a:ext cx="0" cy="0"/>
-          <a:chOff x="0" y="0"/>
-          <a:chExt cx="0" cy="0"/>
-        </a:xfrm>
-      </p:grpSpPr>
-      <p:sp>
-        <p:nvSpPr>
-          <p:cNvPr id="176" name="Google Shape;176;ga5af1fc177_0_233:notes"/>
-          <p:cNvSpPr>
-            <a:spLocks noGrp="1" noRot="1" noChangeAspect="1"/>
-          </p:cNvSpPr>
-          <p:nvPr>
-            <p:ph type="sldImg" idx="2"/>
-          </p:nvPr>
-        </p:nvSpPr>
-        <p:spPr>
-          <a:xfrm>
-            <a:off x="381000" y="685800"/>
-            <a:ext cx="6096000" cy="3429000"/>
-          </a:xfrm>
-          <a:custGeom>
-            <a:avLst/>
-            <a:gdLst/>
-            <a:ahLst/>
-            <a:cxnLst/>
-            <a:rect l="l" t="t" r="r" b="b"/>
-            <a:pathLst>
-              <a:path w="120000" h="120000" extrusionOk="0">
-                <a:moveTo>
-                  <a:pt x="0" y="0"/>
-                </a:moveTo>
-                <a:lnTo>
-                  <a:pt x="120000" y="0"/>
-                </a:lnTo>
-                <a:lnTo>
-                  <a:pt x="120000" y="120000"/>
-                </a:lnTo>
-                <a:lnTo>
-                  <a:pt x="0" y="120000"/>
-                </a:lnTo>
-                <a:close/>
-              </a:path>
-            </a:pathLst>
-          </a:custGeom>
-        </p:spPr>
-      </p:sp>
-      <p:sp>
-        <p:nvSpPr>
-          <p:cNvPr id="177" name="Google Shape;177;ga5af1fc177_0_233:notes"/>
-          <p:cNvSpPr txBox="1">
-            <a:spLocks noGrp="1"/>
-          </p:cNvSpPr>
-          <p:nvPr>
-            <p:ph type="body" idx="1"/>
-          </p:nvPr>
-        </p:nvSpPr>
-        <p:spPr>
-          <a:xfrm>
-            <a:off x="685800" y="4343400"/>
-            <a:ext cx="5486400" cy="4114800"/>
-          </a:xfrm>
-          <a:prstGeom prst="rect">
-            <a:avLst/>
-          </a:prstGeom>
-        </p:spPr>
-        <p:txBody>
-          <a:bodyPr spcFirstLastPara="1" wrap="square" lIns="91425" tIns="91425" rIns="91425" bIns="91425" anchor="t" anchorCtr="0">
-            <a:noAutofit/>
-          </a:bodyPr>
-          <a:lstStyle/>
-          <a:p>
-            <a:pPr marL="0" lvl="0" indent="0" algn="l" rtl="0">
-              <a:spcBef>
-                <a:spcPts val="0"/>
-              </a:spcBef>
-              <a:spcAft>
-                <a:spcPts val="0"/>
-              </a:spcAft>
-              <a:buNone/>
-            </a:pPr>
-            <a:endParaRPr/>
-          </a:p>
-        </p:txBody>
-      </p:sp>
-    </p:spTree>
-  </p:cSld>
-  <p:clrMapOvr>
-    <a:masterClrMapping/>
-  </p:clrMapOvr>
-</p:notes>
-</file>
-
-<file path=ppt/notesSlides/notesSlide22.xml><?xml version="1.0" encoding="utf-8"?>
-<p:notes xmlns:a="http://schemas.openxmlformats.org/drawingml/2006/main" xmlns:r="http://schemas.openxmlformats.org/officeDocument/2006/relationships" xmlns:p="http://schemas.openxmlformats.org/presentationml/2006/main" showMasterSp="0" showMasterPhAnim="0">
-  <p:cSld>
-    <p:spTree>
-      <p:nvGrpSpPr>
-        <p:cNvPr id="1" name="Shape 187"/>
-        <p:cNvGrpSpPr/>
-        <p:nvPr/>
-      </p:nvGrpSpPr>
-      <p:grpSpPr>
-        <a:xfrm>
-          <a:off x="0" y="0"/>
-          <a:ext cx="0" cy="0"/>
-          <a:chOff x="0" y="0"/>
-          <a:chExt cx="0" cy="0"/>
-        </a:xfrm>
-      </p:grpSpPr>
-      <p:sp>
-        <p:nvSpPr>
-          <p:cNvPr id="188" name="Google Shape;188;ga5af1fc177_0_20:notes"/>
-          <p:cNvSpPr>
-            <a:spLocks noGrp="1" noRot="1" noChangeAspect="1"/>
-          </p:cNvSpPr>
-          <p:nvPr>
-            <p:ph type="sldImg" idx="2"/>
-          </p:nvPr>
-        </p:nvSpPr>
-        <p:spPr>
-          <a:xfrm>
-            <a:off x="381300" y="685800"/>
-            <a:ext cx="6096000" cy="3429000"/>
-          </a:xfrm>
-          <a:custGeom>
-            <a:avLst/>
-            <a:gdLst/>
-            <a:ahLst/>
-            <a:cxnLst/>
-            <a:rect l="l" t="t" r="r" b="b"/>
-            <a:pathLst>
-              <a:path w="120000" h="120000" extrusionOk="0">
-                <a:moveTo>
-                  <a:pt x="0" y="0"/>
-                </a:moveTo>
-                <a:lnTo>
-                  <a:pt x="120000" y="0"/>
-                </a:lnTo>
-                <a:lnTo>
-                  <a:pt x="120000" y="120000"/>
-                </a:lnTo>
-                <a:lnTo>
-                  <a:pt x="0" y="120000"/>
-                </a:lnTo>
-                <a:close/>
-              </a:path>
-            </a:pathLst>
-          </a:custGeom>
-        </p:spPr>
-      </p:sp>
-      <p:sp>
-        <p:nvSpPr>
-          <p:cNvPr id="189" name="Google Shape;189;ga5af1fc177_0_20:notes"/>
-          <p:cNvSpPr txBox="1">
-            <a:spLocks noGrp="1"/>
-          </p:cNvSpPr>
-          <p:nvPr>
-            <p:ph type="body" idx="1"/>
-          </p:nvPr>
-        </p:nvSpPr>
-        <p:spPr>
-          <a:xfrm>
-            <a:off x="685800" y="4343400"/>
-            <a:ext cx="5486400" cy="4114800"/>
-          </a:xfrm>
-          <a:prstGeom prst="rect">
-            <a:avLst/>
-          </a:prstGeom>
-        </p:spPr>
-        <p:txBody>
-          <a:bodyPr spcFirstLastPara="1" wrap="square" lIns="91425" tIns="91425" rIns="91425" bIns="91425" anchor="t" anchorCtr="0">
-            <a:noAutofit/>
-          </a:bodyPr>
-          <a:lstStyle/>
-          <a:p>
-            <a:pPr marL="0" lvl="0" indent="0" algn="l" rtl="0">
-              <a:spcBef>
-                <a:spcPts val="0"/>
-              </a:spcBef>
-              <a:spcAft>
-                <a:spcPts val="0"/>
-              </a:spcAft>
-              <a:buNone/>
-            </a:pPr>
-            <a:endParaRPr/>
-          </a:p>
-        </p:txBody>
-      </p:sp>
-    </p:spTree>
-  </p:cSld>
-  <p:clrMapOvr>
-    <a:masterClrMapping/>
-  </p:clrMapOvr>
-</p:notes>
-</file>
-
-<file path=ppt/notesSlides/notesSlide23.xml><?xml version="1.0" encoding="utf-8"?>
-<p:notes xmlns:a="http://schemas.openxmlformats.org/drawingml/2006/main" xmlns:r="http://schemas.openxmlformats.org/officeDocument/2006/relationships" xmlns:p="http://schemas.openxmlformats.org/presentationml/2006/main" showMasterSp="0" showMasterPhAnim="0">
-  <p:cSld>
-    <p:spTree>
-      <p:nvGrpSpPr>
-        <p:cNvPr id="1" name="Shape 194"/>
-        <p:cNvGrpSpPr/>
-        <p:nvPr/>
-      </p:nvGrpSpPr>
-      <p:grpSpPr>
-        <a:xfrm>
-          <a:off x="0" y="0"/>
-          <a:ext cx="0" cy="0"/>
-          <a:chOff x="0" y="0"/>
-          <a:chExt cx="0" cy="0"/>
-        </a:xfrm>
-      </p:grpSpPr>
-      <p:sp>
-        <p:nvSpPr>
-          <p:cNvPr id="195" name="Google Shape;195;ga5af1fc177_0_170:notes"/>
-          <p:cNvSpPr>
-            <a:spLocks noGrp="1" noRot="1" noChangeAspect="1"/>
-          </p:cNvSpPr>
-          <p:nvPr>
-            <p:ph type="sldImg" idx="2"/>
-          </p:nvPr>
-        </p:nvSpPr>
-        <p:spPr>
-          <a:xfrm>
-            <a:off x="381300" y="685800"/>
-            <a:ext cx="6096000" cy="3429000"/>
-          </a:xfrm>
-          <a:custGeom>
-            <a:avLst/>
-            <a:gdLst/>
-            <a:ahLst/>
-            <a:cxnLst/>
-            <a:rect l="l" t="t" r="r" b="b"/>
-            <a:pathLst>
-              <a:path w="120000" h="120000" extrusionOk="0">
-                <a:moveTo>
-                  <a:pt x="0" y="0"/>
-                </a:moveTo>
-                <a:lnTo>
-                  <a:pt x="120000" y="0"/>
-                </a:lnTo>
-                <a:lnTo>
-                  <a:pt x="120000" y="120000"/>
-                </a:lnTo>
-                <a:lnTo>
-                  <a:pt x="0" y="120000"/>
-                </a:lnTo>
-                <a:close/>
-              </a:path>
-            </a:pathLst>
-          </a:custGeom>
-        </p:spPr>
-      </p:sp>
-      <p:sp>
-        <p:nvSpPr>
-          <p:cNvPr id="196" name="Google Shape;196;ga5af1fc177_0_170:notes"/>
-          <p:cNvSpPr txBox="1">
-            <a:spLocks noGrp="1"/>
-          </p:cNvSpPr>
-          <p:nvPr>
-            <p:ph type="body" idx="1"/>
-          </p:nvPr>
-        </p:nvSpPr>
-        <p:spPr>
-          <a:xfrm>
-            <a:off x="685800" y="4343400"/>
-            <a:ext cx="5486400" cy="4114800"/>
-          </a:xfrm>
-          <a:prstGeom prst="rect">
-            <a:avLst/>
-          </a:prstGeom>
-        </p:spPr>
-        <p:txBody>
-          <a:bodyPr spcFirstLastPara="1" wrap="square" lIns="91425" tIns="91425" rIns="91425" bIns="91425" anchor="t" anchorCtr="0">
-            <a:noAutofit/>
-          </a:bodyPr>
-          <a:lstStyle/>
-          <a:p>
-            <a:pPr marL="0" lvl="0" indent="0" algn="l" rtl="0">
-              <a:spcBef>
-                <a:spcPts val="0"/>
-              </a:spcBef>
-              <a:spcAft>
-                <a:spcPts val="0"/>
-              </a:spcAft>
-              <a:buNone/>
-            </a:pPr>
-            <a:endParaRPr/>
-          </a:p>
-        </p:txBody>
-      </p:sp>
-    </p:spTree>
-  </p:cSld>
-  <p:clrMapOvr>
-    <a:masterClrMapping/>
-  </p:clrMapOvr>
-</p:notes>
-</file>
-
-<file path=ppt/notesSlides/notesSlide24.xml><?xml version="1.0" encoding="utf-8"?>
-<p:notes xmlns:a="http://schemas.openxmlformats.org/drawingml/2006/main" xmlns:r="http://schemas.openxmlformats.org/officeDocument/2006/relationships" xmlns:p="http://schemas.openxmlformats.org/presentationml/2006/main" showMasterSp="0" showMasterPhAnim="0">
-  <p:cSld>
-    <p:spTree>
-      <p:nvGrpSpPr>
-        <p:cNvPr id="1" name="Shape 200"/>
-        <p:cNvGrpSpPr/>
-        <p:nvPr/>
-      </p:nvGrpSpPr>
-      <p:grpSpPr>
-        <a:xfrm>
-          <a:off x="0" y="0"/>
-          <a:ext cx="0" cy="0"/>
-          <a:chOff x="0" y="0"/>
-          <a:chExt cx="0" cy="0"/>
-        </a:xfrm>
-      </p:grpSpPr>
-      <p:sp>
-        <p:nvSpPr>
-          <p:cNvPr id="201" name="Google Shape;201;ga5af2029d5_1_12:notes"/>
-          <p:cNvSpPr>
-            <a:spLocks noGrp="1" noRot="1" noChangeAspect="1"/>
-          </p:cNvSpPr>
-          <p:nvPr>
-            <p:ph type="sldImg" idx="2"/>
-          </p:nvPr>
-        </p:nvSpPr>
-        <p:spPr>
-          <a:xfrm>
-            <a:off x="381000" y="685800"/>
-            <a:ext cx="6096000" cy="3429000"/>
-          </a:xfrm>
-          <a:custGeom>
-            <a:avLst/>
-            <a:gdLst/>
-            <a:ahLst/>
-            <a:cxnLst/>
-            <a:rect l="l" t="t" r="r" b="b"/>
-            <a:pathLst>
-              <a:path w="120000" h="120000" extrusionOk="0">
-                <a:moveTo>
-                  <a:pt x="0" y="0"/>
-                </a:moveTo>
-                <a:lnTo>
-                  <a:pt x="120000" y="0"/>
-                </a:lnTo>
-                <a:lnTo>
-                  <a:pt x="120000" y="120000"/>
-                </a:lnTo>
-                <a:lnTo>
-                  <a:pt x="0" y="120000"/>
-                </a:lnTo>
-                <a:close/>
-              </a:path>
-            </a:pathLst>
-          </a:custGeom>
-        </p:spPr>
-      </p:sp>
-      <p:sp>
-        <p:nvSpPr>
-          <p:cNvPr id="202" name="Google Shape;202;ga5af2029d5_1_12:notes"/>
-          <p:cNvSpPr txBox="1">
-            <a:spLocks noGrp="1"/>
-          </p:cNvSpPr>
-          <p:nvPr>
-            <p:ph type="body" idx="1"/>
-          </p:nvPr>
-        </p:nvSpPr>
-        <p:spPr>
-          <a:xfrm>
-            <a:off x="685800" y="4343400"/>
-            <a:ext cx="5486400" cy="4114800"/>
-          </a:xfrm>
-          <a:prstGeom prst="rect">
-            <a:avLst/>
-          </a:prstGeom>
-        </p:spPr>
-        <p:txBody>
-          <a:bodyPr spcFirstLastPara="1" wrap="square" lIns="91425" tIns="91425" rIns="91425" bIns="91425" anchor="t" anchorCtr="0">
-            <a:noAutofit/>
-          </a:bodyPr>
-          <a:lstStyle/>
-          <a:p>
-            <a:pPr marL="0" lvl="0" indent="0" algn="l" rtl="0">
-              <a:lnSpc>
-                <a:spcPct val="200000"/>
-              </a:lnSpc>
-              <a:spcBef>
-                <a:spcPts val="0"/>
-              </a:spcBef>
-              <a:spcAft>
-                <a:spcPts val="0"/>
-              </a:spcAft>
-              <a:buNone/>
-            </a:pPr>
-            <a:r>
-              <a:rPr lang="en-US" sz="1100" dirty="0">
-                <a:solidFill>
-                  <a:srgbClr val="FFFFFF"/>
-                </a:solidFill>
-                <a:latin typeface="Times New Roman"/>
-                <a:ea typeface="Times New Roman"/>
-                <a:cs typeface="Times New Roman"/>
-                <a:sym typeface="Times New Roman"/>
-              </a:rPr>
-              <a:t>We scrutinized the methods to come up with realistic mistakes/faults that someone could possibly make during implementation. We used a </a:t>
-            </a:r>
-            <a:r>
-              <a:rPr lang="en-US" sz="1100" dirty="0" err="1">
-                <a:solidFill>
-                  <a:srgbClr val="FFFFFF"/>
-                </a:solidFill>
-                <a:latin typeface="Times New Roman"/>
-                <a:ea typeface="Times New Roman"/>
-                <a:cs typeface="Times New Roman"/>
-                <a:sym typeface="Times New Roman"/>
-              </a:rPr>
-              <a:t>boolean</a:t>
-            </a:r>
-            <a:r>
-              <a:rPr lang="en-US" sz="1100" dirty="0">
-                <a:solidFill>
-                  <a:srgbClr val="FFFFFF"/>
-                </a:solidFill>
-                <a:latin typeface="Times New Roman"/>
-                <a:ea typeface="Times New Roman"/>
-                <a:cs typeface="Times New Roman"/>
-                <a:sym typeface="Times New Roman"/>
-              </a:rPr>
-              <a:t> variable to implement the faults, so that if it is set to true, then the faulted code will execute, otherwise, the original code will execute. </a:t>
-            </a:r>
-            <a:endParaRPr lang="en-US" dirty="0">
-              <a:solidFill>
-                <a:srgbClr val="FFFFFF"/>
-              </a:solidFill>
-            </a:endParaRPr>
-          </a:p>
-          <a:p>
-            <a:pPr marL="0" lvl="0" indent="0" algn="l" rtl="0">
-              <a:spcBef>
-                <a:spcPts val="0"/>
-              </a:spcBef>
-              <a:spcAft>
-                <a:spcPts val="0"/>
-              </a:spcAft>
-              <a:buNone/>
-            </a:pPr>
-            <a:endParaRPr lang="en-US" dirty="0"/>
-          </a:p>
-          <a:p>
-            <a:pPr marL="0" lvl="0" indent="0" algn="l" rtl="0">
-              <a:spcBef>
-                <a:spcPts val="1600"/>
-              </a:spcBef>
-              <a:spcAft>
-                <a:spcPts val="1600"/>
-              </a:spcAft>
-              <a:buNone/>
-            </a:pPr>
-            <a:endParaRPr lang="en-US" dirty="0"/>
-          </a:p>
-          <a:p>
-            <a:pPr marL="0" lvl="0" indent="0" algn="l" rtl="0">
-              <a:spcBef>
-                <a:spcPts val="0"/>
-              </a:spcBef>
-              <a:spcAft>
-                <a:spcPts val="0"/>
-              </a:spcAft>
-              <a:buNone/>
-            </a:pPr>
-            <a:endParaRPr dirty="0"/>
-          </a:p>
-        </p:txBody>
-      </p:sp>
-    </p:spTree>
-  </p:cSld>
-  <p:clrMapOvr>
-    <a:masterClrMapping/>
-  </p:clrMapOvr>
-</p:notes>
-</file>
-
-<file path=ppt/notesSlides/notesSlide25.xml><?xml version="1.0" encoding="utf-8"?>
-<p:notes xmlns:a="http://schemas.openxmlformats.org/drawingml/2006/main" xmlns:r="http://schemas.openxmlformats.org/officeDocument/2006/relationships" xmlns:p="http://schemas.openxmlformats.org/presentationml/2006/main" showMasterSp="0" showMasterPhAnim="0">
-  <p:cSld>
-    <p:spTree>
-      <p:nvGrpSpPr>
-        <p:cNvPr id="1" name="Shape 205"/>
-        <p:cNvGrpSpPr/>
-        <p:nvPr/>
-      </p:nvGrpSpPr>
-      <p:grpSpPr>
-        <a:xfrm>
-          <a:off x="0" y="0"/>
-          <a:ext cx="0" cy="0"/>
-          <a:chOff x="0" y="0"/>
-          <a:chExt cx="0" cy="0"/>
-        </a:xfrm>
-      </p:grpSpPr>
-      <p:sp>
-        <p:nvSpPr>
-          <p:cNvPr id="206" name="Google Shape;206;ga5af1fc177_0_30:notes"/>
-          <p:cNvSpPr>
-            <a:spLocks noGrp="1" noRot="1" noChangeAspect="1"/>
-          </p:cNvSpPr>
-          <p:nvPr>
-            <p:ph type="sldImg" idx="2"/>
-          </p:nvPr>
-        </p:nvSpPr>
-        <p:spPr>
-          <a:xfrm>
-            <a:off x="381300" y="685800"/>
-            <a:ext cx="6096000" cy="3429000"/>
-          </a:xfrm>
-          <a:custGeom>
-            <a:avLst/>
-            <a:gdLst/>
-            <a:ahLst/>
-            <a:cxnLst/>
-            <a:rect l="l" t="t" r="r" b="b"/>
-            <a:pathLst>
-              <a:path w="120000" h="120000" extrusionOk="0">
-                <a:moveTo>
-                  <a:pt x="0" y="0"/>
-                </a:moveTo>
-                <a:lnTo>
-                  <a:pt x="120000" y="0"/>
-                </a:lnTo>
-                <a:lnTo>
-                  <a:pt x="120000" y="120000"/>
-                </a:lnTo>
-                <a:lnTo>
-                  <a:pt x="0" y="120000"/>
-                </a:lnTo>
-                <a:close/>
-              </a:path>
-            </a:pathLst>
-          </a:custGeom>
-        </p:spPr>
-      </p:sp>
-      <p:sp>
-        <p:nvSpPr>
-          <p:cNvPr id="207" name="Google Shape;207;ga5af1fc177_0_30:notes"/>
-          <p:cNvSpPr txBox="1">
-            <a:spLocks noGrp="1"/>
-          </p:cNvSpPr>
-          <p:nvPr>
-            <p:ph type="body" idx="1"/>
-          </p:nvPr>
-        </p:nvSpPr>
-        <p:spPr>
-          <a:xfrm>
-            <a:off x="685800" y="4343400"/>
-            <a:ext cx="5486400" cy="4114800"/>
-          </a:xfrm>
-          <a:prstGeom prst="rect">
-            <a:avLst/>
-          </a:prstGeom>
-        </p:spPr>
-        <p:txBody>
-          <a:bodyPr spcFirstLastPara="1" wrap="square" lIns="91425" tIns="91425" rIns="91425" bIns="91425" anchor="t" anchorCtr="0">
-            <a:noAutofit/>
-          </a:bodyPr>
-          <a:lstStyle/>
-          <a:p>
-            <a:pPr marL="0" lvl="0" indent="0" algn="l" rtl="0">
-              <a:spcBef>
-                <a:spcPts val="0"/>
-              </a:spcBef>
-              <a:spcAft>
-                <a:spcPts val="0"/>
-              </a:spcAft>
-              <a:buNone/>
-            </a:pPr>
-            <a:endParaRPr/>
-          </a:p>
-        </p:txBody>
-      </p:sp>
-    </p:spTree>
-  </p:cSld>
-  <p:clrMapOvr>
-    <a:masterClrMapping/>
-  </p:clrMapOvr>
-</p:notes>
-</file>
-
-<file path=ppt/notesSlides/notesSlide26.xml><?xml version="1.0" encoding="utf-8"?>
-<p:notes xmlns:a="http://schemas.openxmlformats.org/drawingml/2006/main" xmlns:r="http://schemas.openxmlformats.org/officeDocument/2006/relationships" xmlns:p="http://schemas.openxmlformats.org/presentationml/2006/main" showMasterSp="0" showMasterPhAnim="0">
-  <p:cSld>
-    <p:spTree>
-      <p:nvGrpSpPr>
-        <p:cNvPr id="1" name="Shape 211"/>
-        <p:cNvGrpSpPr/>
-        <p:nvPr/>
-      </p:nvGrpSpPr>
-      <p:grpSpPr>
-        <a:xfrm>
-          <a:off x="0" y="0"/>
-          <a:ext cx="0" cy="0"/>
-          <a:chOff x="0" y="0"/>
-          <a:chExt cx="0" cy="0"/>
-        </a:xfrm>
-      </p:grpSpPr>
-      <p:sp>
-        <p:nvSpPr>
-          <p:cNvPr id="212" name="Google Shape;212;ga5af2029d5_1_17:notes"/>
-          <p:cNvSpPr>
-            <a:spLocks noGrp="1" noRot="1" noChangeAspect="1"/>
-          </p:cNvSpPr>
-          <p:nvPr>
-            <p:ph type="sldImg" idx="2"/>
-          </p:nvPr>
-        </p:nvSpPr>
-        <p:spPr>
-          <a:xfrm>
-            <a:off x="381000" y="685800"/>
-            <a:ext cx="6096000" cy="3429000"/>
-          </a:xfrm>
-          <a:custGeom>
-            <a:avLst/>
-            <a:gdLst/>
-            <a:ahLst/>
-            <a:cxnLst/>
-            <a:rect l="l" t="t" r="r" b="b"/>
-            <a:pathLst>
-              <a:path w="120000" h="120000" extrusionOk="0">
-                <a:moveTo>
-                  <a:pt x="0" y="0"/>
-                </a:moveTo>
-                <a:lnTo>
-                  <a:pt x="120000" y="0"/>
-                </a:lnTo>
-                <a:lnTo>
-                  <a:pt x="120000" y="120000"/>
-                </a:lnTo>
-                <a:lnTo>
-                  <a:pt x="0" y="120000"/>
-                </a:lnTo>
-                <a:close/>
-              </a:path>
-            </a:pathLst>
-          </a:custGeom>
-        </p:spPr>
-      </p:sp>
-      <p:sp>
-        <p:nvSpPr>
-          <p:cNvPr id="213" name="Google Shape;213;ga5af2029d5_1_17:notes"/>
-          <p:cNvSpPr txBox="1">
-            <a:spLocks noGrp="1"/>
-          </p:cNvSpPr>
-          <p:nvPr>
-            <p:ph type="body" idx="1"/>
-          </p:nvPr>
-        </p:nvSpPr>
-        <p:spPr>
-          <a:xfrm>
-            <a:off x="685800" y="4343400"/>
-            <a:ext cx="5486400" cy="4114800"/>
-          </a:xfrm>
-          <a:prstGeom prst="rect">
-            <a:avLst/>
-          </a:prstGeom>
-        </p:spPr>
-        <p:txBody>
-          <a:bodyPr spcFirstLastPara="1" wrap="square" lIns="91425" tIns="91425" rIns="91425" bIns="91425" anchor="t" anchorCtr="0">
-            <a:noAutofit/>
-          </a:bodyPr>
-          <a:lstStyle/>
-          <a:p>
-            <a:pPr marL="0" marR="0" lvl="0" indent="0" algn="l" defTabSz="914400" rtl="0" eaLnBrk="1" fontAlgn="auto" latinLnBrk="0" hangingPunct="1">
-              <a:lnSpc>
-                <a:spcPct val="100000"/>
-              </a:lnSpc>
-              <a:spcBef>
-                <a:spcPts val="0"/>
-              </a:spcBef>
-              <a:spcAft>
-                <a:spcPts val="0"/>
-              </a:spcAft>
-              <a:buClr>
-                <a:srgbClr val="000000"/>
-              </a:buClr>
-              <a:buSzPts val="1100"/>
-              <a:buFont typeface="Arial"/>
-              <a:buNone/>
-              <a:tabLst/>
-              <a:defRPr/>
-            </a:pPr>
-            <a:r>
-              <a:rPr lang="en-US" dirty="0">
-                <a:solidFill>
-                  <a:srgbClr val="FFFFFF"/>
-                </a:solidFill>
-                <a:latin typeface="Times New Roman"/>
-                <a:ea typeface="Times New Roman"/>
-                <a:cs typeface="Times New Roman"/>
-                <a:sym typeface="Times New Roman"/>
-              </a:rPr>
-              <a:t>For this fault, we changed how many times the for loop would iterate for computing the log(n!). We thought it might be possible for someone to make a mistake and set the for loop to run </a:t>
-            </a:r>
-            <a:r>
-              <a:rPr lang="en-US" dirty="0" err="1">
-                <a:solidFill>
-                  <a:srgbClr val="FFFFFF"/>
-                </a:solidFill>
-                <a:latin typeface="Times New Roman"/>
-                <a:ea typeface="Times New Roman"/>
-                <a:cs typeface="Times New Roman"/>
-                <a:sym typeface="Times New Roman"/>
-              </a:rPr>
-              <a:t>retVal</a:t>
-            </a:r>
-            <a:r>
-              <a:rPr lang="en-US" dirty="0">
-                <a:solidFill>
-                  <a:srgbClr val="FFFFFF"/>
-                </a:solidFill>
-                <a:latin typeface="Times New Roman"/>
-                <a:ea typeface="Times New Roman"/>
-                <a:cs typeface="Times New Roman"/>
-                <a:sym typeface="Times New Roman"/>
-              </a:rPr>
-              <a:t> times, instead of n times. This passed three test cases, and failed two. It passed the test cases where the value passed in as input was -5, 0, and 1. </a:t>
-            </a:r>
-            <a:endParaRPr lang="en-US" dirty="0">
-              <a:solidFill>
-                <a:srgbClr val="FFFFFF"/>
-              </a:solidFill>
-            </a:endParaRPr>
-          </a:p>
-          <a:p>
-            <a:pPr marL="0" lvl="0" indent="0" algn="l" rtl="0">
-              <a:spcBef>
-                <a:spcPts val="0"/>
-              </a:spcBef>
-              <a:spcAft>
-                <a:spcPts val="0"/>
-              </a:spcAft>
-              <a:buNone/>
-            </a:pPr>
-            <a:endParaRPr dirty="0"/>
-          </a:p>
-        </p:txBody>
-      </p:sp>
-    </p:spTree>
-  </p:cSld>
-  <p:clrMapOvr>
-    <a:masterClrMapping/>
-  </p:clrMapOvr>
-</p:notes>
-</file>
-
-<file path=ppt/notesSlides/notesSlide27.xml><?xml version="1.0" encoding="utf-8"?>
-<p:notes xmlns:a="http://schemas.openxmlformats.org/drawingml/2006/main" xmlns:r="http://schemas.openxmlformats.org/officeDocument/2006/relationships" xmlns:p="http://schemas.openxmlformats.org/presentationml/2006/main" showMasterSp="0" showMasterPhAnim="0">
-  <p:cSld>
-    <p:spTree>
-      <p:nvGrpSpPr>
-        <p:cNvPr id="1" name="Shape 217"/>
-        <p:cNvGrpSpPr/>
-        <p:nvPr/>
-      </p:nvGrpSpPr>
-      <p:grpSpPr>
-        <a:xfrm>
-          <a:off x="0" y="0"/>
-          <a:ext cx="0" cy="0"/>
-          <a:chOff x="0" y="0"/>
-          <a:chExt cx="0" cy="0"/>
-        </a:xfrm>
-      </p:grpSpPr>
-      <p:sp>
-        <p:nvSpPr>
-          <p:cNvPr id="218" name="Google Shape;218;ga5af2029d5_1_31:notes"/>
-          <p:cNvSpPr>
-            <a:spLocks noGrp="1" noRot="1" noChangeAspect="1"/>
-          </p:cNvSpPr>
-          <p:nvPr>
-            <p:ph type="sldImg" idx="2"/>
-          </p:nvPr>
-        </p:nvSpPr>
-        <p:spPr>
-          <a:xfrm>
-            <a:off x="381300" y="685800"/>
-            <a:ext cx="6096000" cy="3429000"/>
-          </a:xfrm>
-          <a:custGeom>
-            <a:avLst/>
-            <a:gdLst/>
-            <a:ahLst/>
-            <a:cxnLst/>
-            <a:rect l="l" t="t" r="r" b="b"/>
-            <a:pathLst>
-              <a:path w="120000" h="120000" extrusionOk="0">
-                <a:moveTo>
-                  <a:pt x="0" y="0"/>
-                </a:moveTo>
-                <a:lnTo>
-                  <a:pt x="120000" y="0"/>
-                </a:lnTo>
-                <a:lnTo>
-                  <a:pt x="120000" y="120000"/>
-                </a:lnTo>
-                <a:lnTo>
-                  <a:pt x="0" y="120000"/>
-                </a:lnTo>
-                <a:close/>
-              </a:path>
-            </a:pathLst>
-          </a:custGeom>
-        </p:spPr>
-      </p:sp>
-      <p:sp>
-        <p:nvSpPr>
-          <p:cNvPr id="219" name="Google Shape;219;ga5af2029d5_1_31:notes"/>
-          <p:cNvSpPr txBox="1">
-            <a:spLocks noGrp="1"/>
-          </p:cNvSpPr>
-          <p:nvPr>
-            <p:ph type="body" idx="1"/>
-          </p:nvPr>
-        </p:nvSpPr>
-        <p:spPr>
-          <a:xfrm>
-            <a:off x="685800" y="4343400"/>
-            <a:ext cx="5486400" cy="4114800"/>
-          </a:xfrm>
-          <a:prstGeom prst="rect">
-            <a:avLst/>
-          </a:prstGeom>
-        </p:spPr>
-        <p:txBody>
-          <a:bodyPr spcFirstLastPara="1" wrap="square" lIns="91425" tIns="91425" rIns="91425" bIns="91425" anchor="t" anchorCtr="0">
-            <a:noAutofit/>
-          </a:bodyPr>
-          <a:lstStyle/>
-          <a:p>
-            <a:pPr marL="0" lvl="0" indent="0" algn="l" rtl="0">
-              <a:spcBef>
-                <a:spcPts val="0"/>
-              </a:spcBef>
-              <a:spcAft>
-                <a:spcPts val="0"/>
-              </a:spcAft>
-              <a:buNone/>
-            </a:pPr>
-            <a:endParaRPr/>
-          </a:p>
-        </p:txBody>
-      </p:sp>
-    </p:spTree>
-  </p:cSld>
-  <p:clrMapOvr>
-    <a:masterClrMapping/>
-  </p:clrMapOvr>
-</p:notes>
-</file>
-
-<file path=ppt/notesSlides/notesSlide28.xml><?xml version="1.0" encoding="utf-8"?>
-<p:notes xmlns:a="http://schemas.openxmlformats.org/drawingml/2006/main" xmlns:r="http://schemas.openxmlformats.org/officeDocument/2006/relationships" xmlns:p="http://schemas.openxmlformats.org/presentationml/2006/main" showMasterSp="0" showMasterPhAnim="0">
-  <p:cSld>
-    <p:spTree>
-      <p:nvGrpSpPr>
-        <p:cNvPr id="1" name="Shape 224"/>
-        <p:cNvGrpSpPr/>
-        <p:nvPr/>
-      </p:nvGrpSpPr>
-      <p:grpSpPr>
-        <a:xfrm>
-          <a:off x="0" y="0"/>
-          <a:ext cx="0" cy="0"/>
-          <a:chOff x="0" y="0"/>
-          <a:chExt cx="0" cy="0"/>
-        </a:xfrm>
-      </p:grpSpPr>
-      <p:sp>
-        <p:nvSpPr>
-          <p:cNvPr id="225" name="Google Shape;225;ga5af1fc177_0_72:notes"/>
-          <p:cNvSpPr>
-            <a:spLocks noGrp="1" noRot="1" noChangeAspect="1"/>
-          </p:cNvSpPr>
-          <p:nvPr>
-            <p:ph type="sldImg" idx="2"/>
-          </p:nvPr>
-        </p:nvSpPr>
-        <p:spPr>
-          <a:xfrm>
-            <a:off x="381000" y="685800"/>
-            <a:ext cx="6096000" cy="3429000"/>
-          </a:xfrm>
-          <a:custGeom>
-            <a:avLst/>
-            <a:gdLst/>
-            <a:ahLst/>
-            <a:cxnLst/>
-            <a:rect l="l" t="t" r="r" b="b"/>
-            <a:pathLst>
-              <a:path w="120000" h="120000" extrusionOk="0">
-                <a:moveTo>
-                  <a:pt x="0" y="0"/>
-                </a:moveTo>
-                <a:lnTo>
-                  <a:pt x="120000" y="0"/>
-                </a:lnTo>
-                <a:lnTo>
-                  <a:pt x="120000" y="120000"/>
-                </a:lnTo>
-                <a:lnTo>
-                  <a:pt x="0" y="120000"/>
-                </a:lnTo>
-                <a:close/>
-              </a:path>
-            </a:pathLst>
-          </a:custGeom>
-        </p:spPr>
-      </p:sp>
-      <p:sp>
-        <p:nvSpPr>
           <p:cNvPr id="226" name="Google Shape;226;ga5af1fc177_0_72:notes"/>
           <p:cNvSpPr txBox="1">
             <a:spLocks noGrp="1"/>
@@ -3357,215 +2511,7 @@
 </p:notes>
 </file>
 
-<file path=ppt/notesSlides/notesSlide29.xml><?xml version="1.0" encoding="utf-8"?>
-<p:notes xmlns:a="http://schemas.openxmlformats.org/drawingml/2006/main" xmlns:r="http://schemas.openxmlformats.org/officeDocument/2006/relationships" xmlns:p="http://schemas.openxmlformats.org/presentationml/2006/main" showMasterSp="0" showMasterPhAnim="0">
-  <p:cSld>
-    <p:spTree>
-      <p:nvGrpSpPr>
-        <p:cNvPr id="1" name="Shape 230"/>
-        <p:cNvGrpSpPr/>
-        <p:nvPr/>
-      </p:nvGrpSpPr>
-      <p:grpSpPr>
-        <a:xfrm>
-          <a:off x="0" y="0"/>
-          <a:ext cx="0" cy="0"/>
-          <a:chOff x="0" y="0"/>
-          <a:chExt cx="0" cy="0"/>
-        </a:xfrm>
-      </p:grpSpPr>
-      <p:sp>
-        <p:nvSpPr>
-          <p:cNvPr id="231" name="Google Shape;231;ga5af2029d5_1_37:notes"/>
-          <p:cNvSpPr>
-            <a:spLocks noGrp="1" noRot="1" noChangeAspect="1"/>
-          </p:cNvSpPr>
-          <p:nvPr>
-            <p:ph type="sldImg" idx="2"/>
-          </p:nvPr>
-        </p:nvSpPr>
-        <p:spPr>
-          <a:xfrm>
-            <a:off x="381300" y="685800"/>
-            <a:ext cx="6096000" cy="3429000"/>
-          </a:xfrm>
-          <a:custGeom>
-            <a:avLst/>
-            <a:gdLst/>
-            <a:ahLst/>
-            <a:cxnLst/>
-            <a:rect l="l" t="t" r="r" b="b"/>
-            <a:pathLst>
-              <a:path w="120000" h="120000" extrusionOk="0">
-                <a:moveTo>
-                  <a:pt x="0" y="0"/>
-                </a:moveTo>
-                <a:lnTo>
-                  <a:pt x="120000" y="0"/>
-                </a:lnTo>
-                <a:lnTo>
-                  <a:pt x="120000" y="120000"/>
-                </a:lnTo>
-                <a:lnTo>
-                  <a:pt x="0" y="120000"/>
-                </a:lnTo>
-                <a:close/>
-              </a:path>
-            </a:pathLst>
-          </a:custGeom>
-        </p:spPr>
-      </p:sp>
-      <p:sp>
-        <p:nvSpPr>
-          <p:cNvPr id="232" name="Google Shape;232;ga5af2029d5_1_37:notes"/>
-          <p:cNvSpPr txBox="1">
-            <a:spLocks noGrp="1"/>
-          </p:cNvSpPr>
-          <p:nvPr>
-            <p:ph type="body" idx="1"/>
-          </p:nvPr>
-        </p:nvSpPr>
-        <p:spPr>
-          <a:xfrm>
-            <a:off x="685800" y="4343400"/>
-            <a:ext cx="5486400" cy="4114800"/>
-          </a:xfrm>
-          <a:prstGeom prst="rect">
-            <a:avLst/>
-          </a:prstGeom>
-        </p:spPr>
-        <p:txBody>
-          <a:bodyPr spcFirstLastPara="1" wrap="square" lIns="91425" tIns="91425" rIns="91425" bIns="91425" anchor="t" anchorCtr="0">
-            <a:noAutofit/>
-          </a:bodyPr>
-          <a:lstStyle/>
-          <a:p>
-            <a:pPr marL="0" lvl="0" indent="0" algn="l" rtl="0">
-              <a:spcBef>
-                <a:spcPts val="0"/>
-              </a:spcBef>
-              <a:spcAft>
-                <a:spcPts val="0"/>
-              </a:spcAft>
-              <a:buNone/>
-            </a:pPr>
-            <a:endParaRPr/>
-          </a:p>
-        </p:txBody>
-      </p:sp>
-    </p:spTree>
-  </p:cSld>
-  <p:clrMapOvr>
-    <a:masterClrMapping/>
-  </p:clrMapOvr>
-</p:notes>
-</file>
-
-<file path=ppt/notesSlides/notesSlide3.xml><?xml version="1.0" encoding="utf-8"?>
-<p:notes xmlns:a="http://schemas.openxmlformats.org/drawingml/2006/main" xmlns:r="http://schemas.openxmlformats.org/officeDocument/2006/relationships" xmlns:p="http://schemas.openxmlformats.org/presentationml/2006/main" showMasterSp="0" showMasterPhAnim="0">
-  <p:cSld>
-    <p:spTree>
-      <p:nvGrpSpPr>
-        <p:cNvPr id="1" name="Shape 66"/>
-        <p:cNvGrpSpPr/>
-        <p:nvPr/>
-      </p:nvGrpSpPr>
-      <p:grpSpPr>
-        <a:xfrm>
-          <a:off x="0" y="0"/>
-          <a:ext cx="0" cy="0"/>
-          <a:chOff x="0" y="0"/>
-          <a:chExt cx="0" cy="0"/>
-        </a:xfrm>
-      </p:grpSpPr>
-      <p:sp>
-        <p:nvSpPr>
-          <p:cNvPr id="67" name="Google Shape;67;ga5af1fc177_0_214:notes"/>
-          <p:cNvSpPr>
-            <a:spLocks noGrp="1" noRot="1" noChangeAspect="1"/>
-          </p:cNvSpPr>
-          <p:nvPr>
-            <p:ph type="sldImg" idx="2"/>
-          </p:nvPr>
-        </p:nvSpPr>
-        <p:spPr>
-          <a:xfrm>
-            <a:off x="381300" y="685800"/>
-            <a:ext cx="6096000" cy="3429000"/>
-          </a:xfrm>
-          <a:custGeom>
-            <a:avLst/>
-            <a:gdLst/>
-            <a:ahLst/>
-            <a:cxnLst/>
-            <a:rect l="l" t="t" r="r" b="b"/>
-            <a:pathLst>
-              <a:path w="120000" h="120000" extrusionOk="0">
-                <a:moveTo>
-                  <a:pt x="0" y="0"/>
-                </a:moveTo>
-                <a:lnTo>
-                  <a:pt x="120000" y="0"/>
-                </a:lnTo>
-                <a:lnTo>
-                  <a:pt x="120000" y="120000"/>
-                </a:lnTo>
-                <a:lnTo>
-                  <a:pt x="0" y="120000"/>
-                </a:lnTo>
-                <a:close/>
-              </a:path>
-            </a:pathLst>
-          </a:custGeom>
-        </p:spPr>
-      </p:sp>
-      <p:sp>
-        <p:nvSpPr>
-          <p:cNvPr id="68" name="Google Shape;68;ga5af1fc177_0_214:notes"/>
-          <p:cNvSpPr txBox="1">
-            <a:spLocks noGrp="1"/>
-          </p:cNvSpPr>
-          <p:nvPr>
-            <p:ph type="body" idx="1"/>
-          </p:nvPr>
-        </p:nvSpPr>
-        <p:spPr>
-          <a:xfrm>
-            <a:off x="685800" y="4343400"/>
-            <a:ext cx="5486400" cy="4114800"/>
-          </a:xfrm>
-          <a:prstGeom prst="rect">
-            <a:avLst/>
-          </a:prstGeom>
-        </p:spPr>
-        <p:txBody>
-          <a:bodyPr spcFirstLastPara="1" wrap="square" lIns="91425" tIns="91425" rIns="91425" bIns="91425" anchor="t" anchorCtr="0">
-            <a:noAutofit/>
-          </a:bodyPr>
-          <a:lstStyle/>
-          <a:p>
-            <a:pPr marL="0" lvl="0" indent="0" algn="l" rtl="0">
-              <a:spcBef>
-                <a:spcPts val="0"/>
-              </a:spcBef>
-              <a:spcAft>
-                <a:spcPts val="0"/>
-              </a:spcAft>
-              <a:buNone/>
-            </a:pPr>
-            <a:endParaRPr/>
-          </a:p>
-        </p:txBody>
-      </p:sp>
-    </p:spTree>
-  </p:cSld>
-  <p:clrMapOvr>
-    <a:masterClrMapping/>
-  </p:clrMapOvr>
-</p:notes>
-</file>
-
-<file path=ppt/notesSlides/notesSlide30.xml><?xml version="1.0" encoding="utf-8"?>
+<file path=ppt/notesSlides/notesSlide21.xml><?xml version="1.0" encoding="utf-8"?>
 <p:notes xmlns:a="http://schemas.openxmlformats.org/drawingml/2006/main" xmlns:r="http://schemas.openxmlformats.org/officeDocument/2006/relationships" xmlns:p="http://schemas.openxmlformats.org/presentationml/2006/main" showMasterSp="0" showMasterPhAnim="0">
   <p:cSld>
     <p:spTree>
@@ -3707,111 +2653,7 @@
 </p:notes>
 </file>
 
-<file path=ppt/notesSlides/notesSlide31.xml><?xml version="1.0" encoding="utf-8"?>
-<p:notes xmlns:a="http://schemas.openxmlformats.org/drawingml/2006/main" xmlns:r="http://schemas.openxmlformats.org/officeDocument/2006/relationships" xmlns:p="http://schemas.openxmlformats.org/presentationml/2006/main" showMasterSp="0" showMasterPhAnim="0">
-  <p:cSld>
-    <p:spTree>
-      <p:nvGrpSpPr>
-        <p:cNvPr id="1" name="Shape 243"/>
-        <p:cNvGrpSpPr/>
-        <p:nvPr/>
-      </p:nvGrpSpPr>
-      <p:grpSpPr>
-        <a:xfrm>
-          <a:off x="0" y="0"/>
-          <a:ext cx="0" cy="0"/>
-          <a:chOff x="0" y="0"/>
-          <a:chExt cx="0" cy="0"/>
-        </a:xfrm>
-      </p:grpSpPr>
-      <p:sp>
-        <p:nvSpPr>
-          <p:cNvPr id="244" name="Google Shape;244;ga5af2029d5_1_43:notes"/>
-          <p:cNvSpPr>
-            <a:spLocks noGrp="1" noRot="1" noChangeAspect="1"/>
-          </p:cNvSpPr>
-          <p:nvPr>
-            <p:ph type="sldImg" idx="2"/>
-          </p:nvPr>
-        </p:nvSpPr>
-        <p:spPr>
-          <a:xfrm>
-            <a:off x="381300" y="685800"/>
-            <a:ext cx="6096000" cy="3429000"/>
-          </a:xfrm>
-          <a:custGeom>
-            <a:avLst/>
-            <a:gdLst/>
-            <a:ahLst/>
-            <a:cxnLst/>
-            <a:rect l="l" t="t" r="r" b="b"/>
-            <a:pathLst>
-              <a:path w="120000" h="120000" extrusionOk="0">
-                <a:moveTo>
-                  <a:pt x="0" y="0"/>
-                </a:moveTo>
-                <a:lnTo>
-                  <a:pt x="120000" y="0"/>
-                </a:lnTo>
-                <a:lnTo>
-                  <a:pt x="120000" y="120000"/>
-                </a:lnTo>
-                <a:lnTo>
-                  <a:pt x="0" y="120000"/>
-                </a:lnTo>
-                <a:close/>
-              </a:path>
-            </a:pathLst>
-          </a:custGeom>
-        </p:spPr>
-      </p:sp>
-      <p:sp>
-        <p:nvSpPr>
-          <p:cNvPr id="245" name="Google Shape;245;ga5af2029d5_1_43:notes"/>
-          <p:cNvSpPr txBox="1">
-            <a:spLocks noGrp="1"/>
-          </p:cNvSpPr>
-          <p:nvPr>
-            <p:ph type="body" idx="1"/>
-          </p:nvPr>
-        </p:nvSpPr>
-        <p:spPr>
-          <a:xfrm>
-            <a:off x="685800" y="4343400"/>
-            <a:ext cx="5486400" cy="4114800"/>
-          </a:xfrm>
-          <a:prstGeom prst="rect">
-            <a:avLst/>
-          </a:prstGeom>
-        </p:spPr>
-        <p:txBody>
-          <a:bodyPr spcFirstLastPara="1" wrap="square" lIns="91425" tIns="91425" rIns="91425" bIns="91425" anchor="t" anchorCtr="0">
-            <a:noAutofit/>
-          </a:bodyPr>
-          <a:lstStyle/>
-          <a:p>
-            <a:pPr marL="0" lvl="0" indent="0" algn="l" rtl="0">
-              <a:spcBef>
-                <a:spcPts val="0"/>
-              </a:spcBef>
-              <a:spcAft>
-                <a:spcPts val="0"/>
-              </a:spcAft>
-              <a:buNone/>
-            </a:pPr>
-            <a:endParaRPr/>
-          </a:p>
-        </p:txBody>
-      </p:sp>
-    </p:spTree>
-  </p:cSld>
-  <p:clrMapOvr>
-    <a:masterClrMapping/>
-  </p:clrMapOvr>
-</p:notes>
-</file>
-
-<file path=ppt/notesSlides/notesSlide32.xml><?xml version="1.0" encoding="utf-8"?>
+<file path=ppt/notesSlides/notesSlide22.xml><?xml version="1.0" encoding="utf-8"?>
 <p:notes xmlns:a="http://schemas.openxmlformats.org/drawingml/2006/main" xmlns:r="http://schemas.openxmlformats.org/officeDocument/2006/relationships" xmlns:p="http://schemas.openxmlformats.org/presentationml/2006/main" showMasterSp="0" showMasterPhAnim="0">
   <p:cSld>
     <p:spTree>
@@ -4001,111 +2843,7 @@
 </p:notes>
 </file>
 
-<file path=ppt/notesSlides/notesSlide33.xml><?xml version="1.0" encoding="utf-8"?>
-<p:notes xmlns:a="http://schemas.openxmlformats.org/drawingml/2006/main" xmlns:r="http://schemas.openxmlformats.org/officeDocument/2006/relationships" xmlns:p="http://schemas.openxmlformats.org/presentationml/2006/main" showMasterSp="0" showMasterPhAnim="0">
-  <p:cSld>
-    <p:spTree>
-      <p:nvGrpSpPr>
-        <p:cNvPr id="1" name="Shape 256"/>
-        <p:cNvGrpSpPr/>
-        <p:nvPr/>
-      </p:nvGrpSpPr>
-      <p:grpSpPr>
-        <a:xfrm>
-          <a:off x="0" y="0"/>
-          <a:ext cx="0" cy="0"/>
-          <a:chOff x="0" y="0"/>
-          <a:chExt cx="0" cy="0"/>
-        </a:xfrm>
-      </p:grpSpPr>
-      <p:sp>
-        <p:nvSpPr>
-          <p:cNvPr id="257" name="Google Shape;257;ga5af2029d5_1_49:notes"/>
-          <p:cNvSpPr>
-            <a:spLocks noGrp="1" noRot="1" noChangeAspect="1"/>
-          </p:cNvSpPr>
-          <p:nvPr>
-            <p:ph type="sldImg" idx="2"/>
-          </p:nvPr>
-        </p:nvSpPr>
-        <p:spPr>
-          <a:xfrm>
-            <a:off x="381300" y="685800"/>
-            <a:ext cx="6096000" cy="3429000"/>
-          </a:xfrm>
-          <a:custGeom>
-            <a:avLst/>
-            <a:gdLst/>
-            <a:ahLst/>
-            <a:cxnLst/>
-            <a:rect l="l" t="t" r="r" b="b"/>
-            <a:pathLst>
-              <a:path w="120000" h="120000" extrusionOk="0">
-                <a:moveTo>
-                  <a:pt x="0" y="0"/>
-                </a:moveTo>
-                <a:lnTo>
-                  <a:pt x="120000" y="0"/>
-                </a:lnTo>
-                <a:lnTo>
-                  <a:pt x="120000" y="120000"/>
-                </a:lnTo>
-                <a:lnTo>
-                  <a:pt x="0" y="120000"/>
-                </a:lnTo>
-                <a:close/>
-              </a:path>
-            </a:pathLst>
-          </a:custGeom>
-        </p:spPr>
-      </p:sp>
-      <p:sp>
-        <p:nvSpPr>
-          <p:cNvPr id="258" name="Google Shape;258;ga5af2029d5_1_49:notes"/>
-          <p:cNvSpPr txBox="1">
-            <a:spLocks noGrp="1"/>
-          </p:cNvSpPr>
-          <p:nvPr>
-            <p:ph type="body" idx="1"/>
-          </p:nvPr>
-        </p:nvSpPr>
-        <p:spPr>
-          <a:xfrm>
-            <a:off x="685800" y="4343400"/>
-            <a:ext cx="5486400" cy="4114800"/>
-          </a:xfrm>
-          <a:prstGeom prst="rect">
-            <a:avLst/>
-          </a:prstGeom>
-        </p:spPr>
-        <p:txBody>
-          <a:bodyPr spcFirstLastPara="1" wrap="square" lIns="91425" tIns="91425" rIns="91425" bIns="91425" anchor="t" anchorCtr="0">
-            <a:noAutofit/>
-          </a:bodyPr>
-          <a:lstStyle/>
-          <a:p>
-            <a:pPr marL="0" lvl="0" indent="0" algn="l" rtl="0">
-              <a:spcBef>
-                <a:spcPts val="0"/>
-              </a:spcBef>
-              <a:spcAft>
-                <a:spcPts val="0"/>
-              </a:spcAft>
-              <a:buNone/>
-            </a:pPr>
-            <a:endParaRPr/>
-          </a:p>
-        </p:txBody>
-      </p:sp>
-    </p:spTree>
-  </p:cSld>
-  <p:clrMapOvr>
-    <a:masterClrMapping/>
-  </p:clrMapOvr>
-</p:notes>
-</file>
-
-<file path=ppt/notesSlides/notesSlide34.xml><?xml version="1.0" encoding="utf-8"?>
+<file path=ppt/notesSlides/notesSlide23.xml><?xml version="1.0" encoding="utf-8"?>
 <p:notes xmlns:a="http://schemas.openxmlformats.org/drawingml/2006/main" xmlns:r="http://schemas.openxmlformats.org/officeDocument/2006/relationships" xmlns:p="http://schemas.openxmlformats.org/presentationml/2006/main" showMasterSp="0" showMasterPhAnim="0">
   <p:cSld>
     <p:spTree>
@@ -4260,111 +2998,7 @@
 </p:notes>
 </file>
 
-<file path=ppt/notesSlides/notesSlide35.xml><?xml version="1.0" encoding="utf-8"?>
-<p:notes xmlns:a="http://schemas.openxmlformats.org/drawingml/2006/main" xmlns:r="http://schemas.openxmlformats.org/officeDocument/2006/relationships" xmlns:p="http://schemas.openxmlformats.org/presentationml/2006/main" showMasterSp="0" showMasterPhAnim="0">
-  <p:cSld>
-    <p:spTree>
-      <p:nvGrpSpPr>
-        <p:cNvPr id="1" name="Shape 269"/>
-        <p:cNvGrpSpPr/>
-        <p:nvPr/>
-      </p:nvGrpSpPr>
-      <p:grpSpPr>
-        <a:xfrm>
-          <a:off x="0" y="0"/>
-          <a:ext cx="0" cy="0"/>
-          <a:chOff x="0" y="0"/>
-          <a:chExt cx="0" cy="0"/>
-        </a:xfrm>
-      </p:grpSpPr>
-      <p:sp>
-        <p:nvSpPr>
-          <p:cNvPr id="270" name="Google Shape;270;ga5af2029d5_1_55:notes"/>
-          <p:cNvSpPr>
-            <a:spLocks noGrp="1" noRot="1" noChangeAspect="1"/>
-          </p:cNvSpPr>
-          <p:nvPr>
-            <p:ph type="sldImg" idx="2"/>
-          </p:nvPr>
-        </p:nvSpPr>
-        <p:spPr>
-          <a:xfrm>
-            <a:off x="381000" y="685800"/>
-            <a:ext cx="6096000" cy="3429000"/>
-          </a:xfrm>
-          <a:custGeom>
-            <a:avLst/>
-            <a:gdLst/>
-            <a:ahLst/>
-            <a:cxnLst/>
-            <a:rect l="l" t="t" r="r" b="b"/>
-            <a:pathLst>
-              <a:path w="120000" h="120000" extrusionOk="0">
-                <a:moveTo>
-                  <a:pt x="0" y="0"/>
-                </a:moveTo>
-                <a:lnTo>
-                  <a:pt x="120000" y="0"/>
-                </a:lnTo>
-                <a:lnTo>
-                  <a:pt x="120000" y="120000"/>
-                </a:lnTo>
-                <a:lnTo>
-                  <a:pt x="0" y="120000"/>
-                </a:lnTo>
-                <a:close/>
-              </a:path>
-            </a:pathLst>
-          </a:custGeom>
-        </p:spPr>
-      </p:sp>
-      <p:sp>
-        <p:nvSpPr>
-          <p:cNvPr id="271" name="Google Shape;271;ga5af2029d5_1_55:notes"/>
-          <p:cNvSpPr txBox="1">
-            <a:spLocks noGrp="1"/>
-          </p:cNvSpPr>
-          <p:nvPr>
-            <p:ph type="body" idx="1"/>
-          </p:nvPr>
-        </p:nvSpPr>
-        <p:spPr>
-          <a:xfrm>
-            <a:off x="685800" y="4343400"/>
-            <a:ext cx="5486400" cy="4114800"/>
-          </a:xfrm>
-          <a:prstGeom prst="rect">
-            <a:avLst/>
-          </a:prstGeom>
-        </p:spPr>
-        <p:txBody>
-          <a:bodyPr spcFirstLastPara="1" wrap="square" lIns="91425" tIns="91425" rIns="91425" bIns="91425" anchor="t" anchorCtr="0">
-            <a:noAutofit/>
-          </a:bodyPr>
-          <a:lstStyle/>
-          <a:p>
-            <a:pPr marL="0" lvl="0" indent="0" algn="l" rtl="0">
-              <a:spcBef>
-                <a:spcPts val="0"/>
-              </a:spcBef>
-              <a:spcAft>
-                <a:spcPts val="0"/>
-              </a:spcAft>
-              <a:buNone/>
-            </a:pPr>
-            <a:endParaRPr/>
-          </a:p>
-        </p:txBody>
-      </p:sp>
-    </p:spTree>
-  </p:cSld>
-  <p:clrMapOvr>
-    <a:masterClrMapping/>
-  </p:clrMapOvr>
-</p:notes>
-</file>
-
-<file path=ppt/notesSlides/notesSlide36.xml><?xml version="1.0" encoding="utf-8"?>
+<file path=ppt/notesSlides/notesSlide24.xml><?xml version="1.0" encoding="utf-8"?>
 <p:notes xmlns:a="http://schemas.openxmlformats.org/drawingml/2006/main" xmlns:r="http://schemas.openxmlformats.org/officeDocument/2006/relationships" xmlns:p="http://schemas.openxmlformats.org/presentationml/2006/main" showMasterSp="0" showMasterPhAnim="0">
   <p:cSld>
     <p:spTree>
@@ -4468,7 +3102,7 @@
 </p:notes>
 </file>
 
-<file path=ppt/notesSlides/notesSlide37.xml><?xml version="1.0" encoding="utf-8"?>
+<file path=ppt/notesSlides/notesSlide25.xml><?xml version="1.0" encoding="utf-8"?>
 <p:notes xmlns:a="http://schemas.openxmlformats.org/drawingml/2006/main" xmlns:r="http://schemas.openxmlformats.org/officeDocument/2006/relationships" xmlns:p="http://schemas.openxmlformats.org/presentationml/2006/main" showMasterSp="0" showMasterPhAnim="0">
   <p:cSld>
     <p:spTree>
@@ -4610,111 +3244,7 @@
 </p:notes>
 </file>
 
-<file path=ppt/notesSlides/notesSlide38.xml><?xml version="1.0" encoding="utf-8"?>
-<p:notes xmlns:a="http://schemas.openxmlformats.org/drawingml/2006/main" xmlns:r="http://schemas.openxmlformats.org/officeDocument/2006/relationships" xmlns:p="http://schemas.openxmlformats.org/presentationml/2006/main" showMasterSp="0" showMasterPhAnim="0">
-  <p:cSld>
-    <p:spTree>
-      <p:nvGrpSpPr>
-        <p:cNvPr id="1" name="Shape 287"/>
-        <p:cNvGrpSpPr/>
-        <p:nvPr/>
-      </p:nvGrpSpPr>
-      <p:grpSpPr>
-        <a:xfrm>
-          <a:off x="0" y="0"/>
-          <a:ext cx="0" cy="0"/>
-          <a:chOff x="0" y="0"/>
-          <a:chExt cx="0" cy="0"/>
-        </a:xfrm>
-      </p:grpSpPr>
-      <p:sp>
-        <p:nvSpPr>
-          <p:cNvPr id="288" name="Google Shape;288;ga5af1fc177_0_193:notes"/>
-          <p:cNvSpPr>
-            <a:spLocks noGrp="1" noRot="1" noChangeAspect="1"/>
-          </p:cNvSpPr>
-          <p:nvPr>
-            <p:ph type="sldImg" idx="2"/>
-          </p:nvPr>
-        </p:nvSpPr>
-        <p:spPr>
-          <a:xfrm>
-            <a:off x="381300" y="685800"/>
-            <a:ext cx="6096000" cy="3429000"/>
-          </a:xfrm>
-          <a:custGeom>
-            <a:avLst/>
-            <a:gdLst/>
-            <a:ahLst/>
-            <a:cxnLst/>
-            <a:rect l="l" t="t" r="r" b="b"/>
-            <a:pathLst>
-              <a:path w="120000" h="120000" extrusionOk="0">
-                <a:moveTo>
-                  <a:pt x="0" y="0"/>
-                </a:moveTo>
-                <a:lnTo>
-                  <a:pt x="120000" y="0"/>
-                </a:lnTo>
-                <a:lnTo>
-                  <a:pt x="120000" y="120000"/>
-                </a:lnTo>
-                <a:lnTo>
-                  <a:pt x="0" y="120000"/>
-                </a:lnTo>
-                <a:close/>
-              </a:path>
-            </a:pathLst>
-          </a:custGeom>
-        </p:spPr>
-      </p:sp>
-      <p:sp>
-        <p:nvSpPr>
-          <p:cNvPr id="289" name="Google Shape;289;ga5af1fc177_0_193:notes"/>
-          <p:cNvSpPr txBox="1">
-            <a:spLocks noGrp="1"/>
-          </p:cNvSpPr>
-          <p:nvPr>
-            <p:ph type="body" idx="1"/>
-          </p:nvPr>
-        </p:nvSpPr>
-        <p:spPr>
-          <a:xfrm>
-            <a:off x="685800" y="4343400"/>
-            <a:ext cx="5486400" cy="4114800"/>
-          </a:xfrm>
-          <a:prstGeom prst="rect">
-            <a:avLst/>
-          </a:prstGeom>
-        </p:spPr>
-        <p:txBody>
-          <a:bodyPr spcFirstLastPara="1" wrap="square" lIns="91425" tIns="91425" rIns="91425" bIns="91425" anchor="t" anchorCtr="0">
-            <a:noAutofit/>
-          </a:bodyPr>
-          <a:lstStyle/>
-          <a:p>
-            <a:pPr marL="0" lvl="0" indent="0" algn="l" rtl="0">
-              <a:spcBef>
-                <a:spcPts val="0"/>
-              </a:spcBef>
-              <a:spcAft>
-                <a:spcPts val="0"/>
-              </a:spcAft>
-              <a:buNone/>
-            </a:pPr>
-            <a:endParaRPr/>
-          </a:p>
-        </p:txBody>
-      </p:sp>
-    </p:spTree>
-  </p:cSld>
-  <p:clrMapOvr>
-    <a:masterClrMapping/>
-  </p:clrMapOvr>
-</p:notes>
-</file>
-
-<file path=ppt/notesSlides/notesSlide39.xml><?xml version="1.0" encoding="utf-8"?>
+<file path=ppt/notesSlides/notesSlide26.xml><?xml version="1.0" encoding="utf-8"?>
 <p:notes xmlns:a="http://schemas.openxmlformats.org/drawingml/2006/main" xmlns:r="http://schemas.openxmlformats.org/officeDocument/2006/relationships" xmlns:p="http://schemas.openxmlformats.org/presentationml/2006/main" showMasterSp="0" showMasterPhAnim="0">
   <p:cSld>
     <p:spTree>
@@ -4856,7 +3386,111 @@
 </p:notes>
 </file>
 
-<file path=ppt/notesSlides/notesSlide4.xml><?xml version="1.0" encoding="utf-8"?>
+<file path=ppt/notesSlides/notesSlide27.xml><?xml version="1.0" encoding="utf-8"?>
+<p:notes xmlns:a="http://schemas.openxmlformats.org/drawingml/2006/main" xmlns:r="http://schemas.openxmlformats.org/officeDocument/2006/relationships" xmlns:p="http://schemas.openxmlformats.org/presentationml/2006/main" showMasterSp="0" showMasterPhAnim="0">
+  <p:cSld>
+    <p:spTree>
+      <p:nvGrpSpPr>
+        <p:cNvPr id="1" name="Shape 304"/>
+        <p:cNvGrpSpPr/>
+        <p:nvPr/>
+      </p:nvGrpSpPr>
+      <p:grpSpPr>
+        <a:xfrm>
+          <a:off x="0" y="0"/>
+          <a:ext cx="0" cy="0"/>
+          <a:chOff x="0" y="0"/>
+          <a:chExt cx="0" cy="0"/>
+        </a:xfrm>
+      </p:grpSpPr>
+      <p:sp>
+        <p:nvSpPr>
+          <p:cNvPr id="305" name="Google Shape;305;ga5af1fc177_0_257:notes"/>
+          <p:cNvSpPr>
+            <a:spLocks noGrp="1" noRot="1" noChangeAspect="1"/>
+          </p:cNvSpPr>
+          <p:nvPr>
+            <p:ph type="sldImg" idx="2"/>
+          </p:nvPr>
+        </p:nvSpPr>
+        <p:spPr>
+          <a:xfrm>
+            <a:off x="381300" y="685800"/>
+            <a:ext cx="6096000" cy="3429000"/>
+          </a:xfrm>
+          <a:custGeom>
+            <a:avLst/>
+            <a:gdLst/>
+            <a:ahLst/>
+            <a:cxnLst/>
+            <a:rect l="l" t="t" r="r" b="b"/>
+            <a:pathLst>
+              <a:path w="120000" h="120000" extrusionOk="0">
+                <a:moveTo>
+                  <a:pt x="0" y="0"/>
+                </a:moveTo>
+                <a:lnTo>
+                  <a:pt x="120000" y="0"/>
+                </a:lnTo>
+                <a:lnTo>
+                  <a:pt x="120000" y="120000"/>
+                </a:lnTo>
+                <a:lnTo>
+                  <a:pt x="0" y="120000"/>
+                </a:lnTo>
+                <a:close/>
+              </a:path>
+            </a:pathLst>
+          </a:custGeom>
+        </p:spPr>
+      </p:sp>
+      <p:sp>
+        <p:nvSpPr>
+          <p:cNvPr id="306" name="Google Shape;306;ga5af1fc177_0_257:notes"/>
+          <p:cNvSpPr txBox="1">
+            <a:spLocks noGrp="1"/>
+          </p:cNvSpPr>
+          <p:nvPr>
+            <p:ph type="body" idx="1"/>
+          </p:nvPr>
+        </p:nvSpPr>
+        <p:spPr>
+          <a:xfrm>
+            <a:off x="685800" y="4343400"/>
+            <a:ext cx="5486400" cy="4114800"/>
+          </a:xfrm>
+          <a:prstGeom prst="rect">
+            <a:avLst/>
+          </a:prstGeom>
+        </p:spPr>
+        <p:txBody>
+          <a:bodyPr spcFirstLastPara="1" wrap="square" lIns="91425" tIns="91425" rIns="91425" bIns="91425" anchor="t" anchorCtr="0">
+            <a:noAutofit/>
+          </a:bodyPr>
+          <a:lstStyle/>
+          <a:p>
+            <a:pPr marL="0" lvl="0" indent="0" algn="l" rtl="0">
+              <a:spcBef>
+                <a:spcPts val="0"/>
+              </a:spcBef>
+              <a:spcAft>
+                <a:spcPts val="0"/>
+              </a:spcAft>
+              <a:buNone/>
+            </a:pPr>
+            <a:endParaRPr/>
+          </a:p>
+        </p:txBody>
+      </p:sp>
+    </p:spTree>
+  </p:cSld>
+  <p:clrMapOvr>
+    <a:masterClrMapping/>
+  </p:clrMapOvr>
+</p:notes>
+</file>
+
+<file path=ppt/notesSlides/notesSlide3.xml><?xml version="1.0" encoding="utf-8"?>
 <p:notes xmlns:a="http://schemas.openxmlformats.org/drawingml/2006/main" xmlns:r="http://schemas.openxmlformats.org/officeDocument/2006/relationships" xmlns:p="http://schemas.openxmlformats.org/presentationml/2006/main" showMasterSp="0" showMasterPhAnim="0">
   <p:cSld>
     <p:spTree>
@@ -4994,319 +3628,7 @@
 </p:notes>
 </file>
 
-<file path=ppt/notesSlides/notesSlide40.xml><?xml version="1.0" encoding="utf-8"?>
-<p:notes xmlns:a="http://schemas.openxmlformats.org/drawingml/2006/main" xmlns:r="http://schemas.openxmlformats.org/officeDocument/2006/relationships" xmlns:p="http://schemas.openxmlformats.org/presentationml/2006/main" showMasterSp="0" showMasterPhAnim="0">
-  <p:cSld>
-    <p:spTree>
-      <p:nvGrpSpPr>
-        <p:cNvPr id="1" name="Shape 298"/>
-        <p:cNvGrpSpPr/>
-        <p:nvPr/>
-      </p:nvGrpSpPr>
-      <p:grpSpPr>
-        <a:xfrm>
-          <a:off x="0" y="0"/>
-          <a:ext cx="0" cy="0"/>
-          <a:chOff x="0" y="0"/>
-          <a:chExt cx="0" cy="0"/>
-        </a:xfrm>
-      </p:grpSpPr>
-      <p:sp>
-        <p:nvSpPr>
-          <p:cNvPr id="299" name="Google Shape;299;ga5af1fc177_0_45:notes"/>
-          <p:cNvSpPr>
-            <a:spLocks noGrp="1" noRot="1" noChangeAspect="1"/>
-          </p:cNvSpPr>
-          <p:nvPr>
-            <p:ph type="sldImg" idx="2"/>
-          </p:nvPr>
-        </p:nvSpPr>
-        <p:spPr>
-          <a:xfrm>
-            <a:off x="381300" y="685800"/>
-            <a:ext cx="6096000" cy="3429000"/>
-          </a:xfrm>
-          <a:custGeom>
-            <a:avLst/>
-            <a:gdLst/>
-            <a:ahLst/>
-            <a:cxnLst/>
-            <a:rect l="l" t="t" r="r" b="b"/>
-            <a:pathLst>
-              <a:path w="120000" h="120000" extrusionOk="0">
-                <a:moveTo>
-                  <a:pt x="0" y="0"/>
-                </a:moveTo>
-                <a:lnTo>
-                  <a:pt x="120000" y="0"/>
-                </a:lnTo>
-                <a:lnTo>
-                  <a:pt x="120000" y="120000"/>
-                </a:lnTo>
-                <a:lnTo>
-                  <a:pt x="0" y="120000"/>
-                </a:lnTo>
-                <a:close/>
-              </a:path>
-            </a:pathLst>
-          </a:custGeom>
-        </p:spPr>
-      </p:sp>
-      <p:sp>
-        <p:nvSpPr>
-          <p:cNvPr id="300" name="Google Shape;300;ga5af1fc177_0_45:notes"/>
-          <p:cNvSpPr txBox="1">
-            <a:spLocks noGrp="1"/>
-          </p:cNvSpPr>
-          <p:nvPr>
-            <p:ph type="body" idx="1"/>
-          </p:nvPr>
-        </p:nvSpPr>
-        <p:spPr>
-          <a:xfrm>
-            <a:off x="685800" y="4343400"/>
-            <a:ext cx="5486400" cy="4114800"/>
-          </a:xfrm>
-          <a:prstGeom prst="rect">
-            <a:avLst/>
-          </a:prstGeom>
-        </p:spPr>
-        <p:txBody>
-          <a:bodyPr spcFirstLastPara="1" wrap="square" lIns="91425" tIns="91425" rIns="91425" bIns="91425" anchor="t" anchorCtr="0">
-            <a:noAutofit/>
-          </a:bodyPr>
-          <a:lstStyle/>
-          <a:p>
-            <a:pPr marL="0" lvl="0" indent="0" algn="l" rtl="0">
-              <a:spcBef>
-                <a:spcPts val="0"/>
-              </a:spcBef>
-              <a:spcAft>
-                <a:spcPts val="0"/>
-              </a:spcAft>
-              <a:buNone/>
-            </a:pPr>
-            <a:endParaRPr/>
-          </a:p>
-        </p:txBody>
-      </p:sp>
-    </p:spTree>
-  </p:cSld>
-  <p:clrMapOvr>
-    <a:masterClrMapping/>
-  </p:clrMapOvr>
-</p:notes>
-</file>
-
-<file path=ppt/notesSlides/notesSlide41.xml><?xml version="1.0" encoding="utf-8"?>
-<p:notes xmlns:a="http://schemas.openxmlformats.org/drawingml/2006/main" xmlns:r="http://schemas.openxmlformats.org/officeDocument/2006/relationships" xmlns:p="http://schemas.openxmlformats.org/presentationml/2006/main" showMasterSp="0" showMasterPhAnim="0">
-  <p:cSld>
-    <p:spTree>
-      <p:nvGrpSpPr>
-        <p:cNvPr id="1" name="Shape 304"/>
-        <p:cNvGrpSpPr/>
-        <p:nvPr/>
-      </p:nvGrpSpPr>
-      <p:grpSpPr>
-        <a:xfrm>
-          <a:off x="0" y="0"/>
-          <a:ext cx="0" cy="0"/>
-          <a:chOff x="0" y="0"/>
-          <a:chExt cx="0" cy="0"/>
-        </a:xfrm>
-      </p:grpSpPr>
-      <p:sp>
-        <p:nvSpPr>
-          <p:cNvPr id="305" name="Google Shape;305;ga5af1fc177_0_257:notes"/>
-          <p:cNvSpPr>
-            <a:spLocks noGrp="1" noRot="1" noChangeAspect="1"/>
-          </p:cNvSpPr>
-          <p:nvPr>
-            <p:ph type="sldImg" idx="2"/>
-          </p:nvPr>
-        </p:nvSpPr>
-        <p:spPr>
-          <a:xfrm>
-            <a:off x="381300" y="685800"/>
-            <a:ext cx="6096000" cy="3429000"/>
-          </a:xfrm>
-          <a:custGeom>
-            <a:avLst/>
-            <a:gdLst/>
-            <a:ahLst/>
-            <a:cxnLst/>
-            <a:rect l="l" t="t" r="r" b="b"/>
-            <a:pathLst>
-              <a:path w="120000" h="120000" extrusionOk="0">
-                <a:moveTo>
-                  <a:pt x="0" y="0"/>
-                </a:moveTo>
-                <a:lnTo>
-                  <a:pt x="120000" y="0"/>
-                </a:lnTo>
-                <a:lnTo>
-                  <a:pt x="120000" y="120000"/>
-                </a:lnTo>
-                <a:lnTo>
-                  <a:pt x="0" y="120000"/>
-                </a:lnTo>
-                <a:close/>
-              </a:path>
-            </a:pathLst>
-          </a:custGeom>
-        </p:spPr>
-      </p:sp>
-      <p:sp>
-        <p:nvSpPr>
-          <p:cNvPr id="306" name="Google Shape;306;ga5af1fc177_0_257:notes"/>
-          <p:cNvSpPr txBox="1">
-            <a:spLocks noGrp="1"/>
-          </p:cNvSpPr>
-          <p:nvPr>
-            <p:ph type="body" idx="1"/>
-          </p:nvPr>
-        </p:nvSpPr>
-        <p:spPr>
-          <a:xfrm>
-            <a:off x="685800" y="4343400"/>
-            <a:ext cx="5486400" cy="4114800"/>
-          </a:xfrm>
-          <a:prstGeom prst="rect">
-            <a:avLst/>
-          </a:prstGeom>
-        </p:spPr>
-        <p:txBody>
-          <a:bodyPr spcFirstLastPara="1" wrap="square" lIns="91425" tIns="91425" rIns="91425" bIns="91425" anchor="t" anchorCtr="0">
-            <a:noAutofit/>
-          </a:bodyPr>
-          <a:lstStyle/>
-          <a:p>
-            <a:pPr marL="0" lvl="0" indent="0" algn="l" rtl="0">
-              <a:spcBef>
-                <a:spcPts val="0"/>
-              </a:spcBef>
-              <a:spcAft>
-                <a:spcPts val="0"/>
-              </a:spcAft>
-              <a:buNone/>
-            </a:pPr>
-            <a:endParaRPr/>
-          </a:p>
-        </p:txBody>
-      </p:sp>
-    </p:spTree>
-  </p:cSld>
-  <p:clrMapOvr>
-    <a:masterClrMapping/>
-  </p:clrMapOvr>
-</p:notes>
-</file>
-
-<file path=ppt/notesSlides/notesSlide5.xml><?xml version="1.0" encoding="utf-8"?>
-<p:notes xmlns:a="http://schemas.openxmlformats.org/drawingml/2006/main" xmlns:r="http://schemas.openxmlformats.org/officeDocument/2006/relationships" xmlns:p="http://schemas.openxmlformats.org/presentationml/2006/main" showMasterSp="0" showMasterPhAnim="0">
-  <p:cSld>
-    <p:spTree>
-      <p:nvGrpSpPr>
-        <p:cNvPr id="1" name="Shape 78"/>
-        <p:cNvGrpSpPr/>
-        <p:nvPr/>
-      </p:nvGrpSpPr>
-      <p:grpSpPr>
-        <a:xfrm>
-          <a:off x="0" y="0"/>
-          <a:ext cx="0" cy="0"/>
-          <a:chOff x="0" y="0"/>
-          <a:chExt cx="0" cy="0"/>
-        </a:xfrm>
-      </p:grpSpPr>
-      <p:sp>
-        <p:nvSpPr>
-          <p:cNvPr id="79" name="Google Shape;79;ga5af1fc177_0_203:notes"/>
-          <p:cNvSpPr>
-            <a:spLocks noGrp="1" noRot="1" noChangeAspect="1"/>
-          </p:cNvSpPr>
-          <p:nvPr>
-            <p:ph type="sldImg" idx="2"/>
-          </p:nvPr>
-        </p:nvSpPr>
-        <p:spPr>
-          <a:xfrm>
-            <a:off x="381300" y="685800"/>
-            <a:ext cx="6096000" cy="3429000"/>
-          </a:xfrm>
-          <a:custGeom>
-            <a:avLst/>
-            <a:gdLst/>
-            <a:ahLst/>
-            <a:cxnLst/>
-            <a:rect l="l" t="t" r="r" b="b"/>
-            <a:pathLst>
-              <a:path w="120000" h="120000" extrusionOk="0">
-                <a:moveTo>
-                  <a:pt x="0" y="0"/>
-                </a:moveTo>
-                <a:lnTo>
-                  <a:pt x="120000" y="0"/>
-                </a:lnTo>
-                <a:lnTo>
-                  <a:pt x="120000" y="120000"/>
-                </a:lnTo>
-                <a:lnTo>
-                  <a:pt x="0" y="120000"/>
-                </a:lnTo>
-                <a:close/>
-              </a:path>
-            </a:pathLst>
-          </a:custGeom>
-        </p:spPr>
-      </p:sp>
-      <p:sp>
-        <p:nvSpPr>
-          <p:cNvPr id="80" name="Google Shape;80;ga5af1fc177_0_203:notes"/>
-          <p:cNvSpPr txBox="1">
-            <a:spLocks noGrp="1"/>
-          </p:cNvSpPr>
-          <p:nvPr>
-            <p:ph type="body" idx="1"/>
-          </p:nvPr>
-        </p:nvSpPr>
-        <p:spPr>
-          <a:xfrm>
-            <a:off x="685800" y="4343400"/>
-            <a:ext cx="5486400" cy="4114800"/>
-          </a:xfrm>
-          <a:prstGeom prst="rect">
-            <a:avLst/>
-          </a:prstGeom>
-        </p:spPr>
-        <p:txBody>
-          <a:bodyPr spcFirstLastPara="1" wrap="square" lIns="91425" tIns="91425" rIns="91425" bIns="91425" anchor="t" anchorCtr="0">
-            <a:noAutofit/>
-          </a:bodyPr>
-          <a:lstStyle/>
-          <a:p>
-            <a:pPr marL="0" lvl="0" indent="0" algn="l" rtl="0">
-              <a:spcBef>
-                <a:spcPts val="0"/>
-              </a:spcBef>
-              <a:spcAft>
-                <a:spcPts val="0"/>
-              </a:spcAft>
-              <a:buNone/>
-            </a:pPr>
-            <a:endParaRPr/>
-          </a:p>
-        </p:txBody>
-      </p:sp>
-    </p:spTree>
-  </p:cSld>
-  <p:clrMapOvr>
-    <a:masterClrMapping/>
-  </p:clrMapOvr>
-</p:notes>
-</file>
-
-<file path=ppt/notesSlides/notesSlide6.xml><?xml version="1.0" encoding="utf-8"?>
+<file path=ppt/notesSlides/notesSlide4.xml><?xml version="1.0" encoding="utf-8"?>
 <p:notes xmlns:a="http://schemas.openxmlformats.org/drawingml/2006/main" xmlns:r="http://schemas.openxmlformats.org/officeDocument/2006/relationships" xmlns:p="http://schemas.openxmlformats.org/presentationml/2006/main" showMasterSp="0" showMasterPhAnim="0">
   <p:cSld>
     <p:spTree>
@@ -5511,111 +3833,7 @@
 </p:notes>
 </file>
 
-<file path=ppt/notesSlides/notesSlide7.xml><?xml version="1.0" encoding="utf-8"?>
-<p:notes xmlns:a="http://schemas.openxmlformats.org/drawingml/2006/main" xmlns:r="http://schemas.openxmlformats.org/officeDocument/2006/relationships" xmlns:p="http://schemas.openxmlformats.org/presentationml/2006/main" showMasterSp="0" showMasterPhAnim="0">
-  <p:cSld>
-    <p:spTree>
-      <p:nvGrpSpPr>
-        <p:cNvPr id="1" name="Shape 89"/>
-        <p:cNvGrpSpPr/>
-        <p:nvPr/>
-      </p:nvGrpSpPr>
-      <p:grpSpPr>
-        <a:xfrm>
-          <a:off x="0" y="0"/>
-          <a:ext cx="0" cy="0"/>
-          <a:chOff x="0" y="0"/>
-          <a:chExt cx="0" cy="0"/>
-        </a:xfrm>
-      </p:grpSpPr>
-      <p:sp>
-        <p:nvSpPr>
-          <p:cNvPr id="90" name="Google Shape;90;ga5af1fc177_0_10:notes"/>
-          <p:cNvSpPr>
-            <a:spLocks noGrp="1" noRot="1" noChangeAspect="1"/>
-          </p:cNvSpPr>
-          <p:nvPr>
-            <p:ph type="sldImg" idx="2"/>
-          </p:nvPr>
-        </p:nvSpPr>
-        <p:spPr>
-          <a:xfrm>
-            <a:off x="381300" y="685800"/>
-            <a:ext cx="6096000" cy="3429000"/>
-          </a:xfrm>
-          <a:custGeom>
-            <a:avLst/>
-            <a:gdLst/>
-            <a:ahLst/>
-            <a:cxnLst/>
-            <a:rect l="l" t="t" r="r" b="b"/>
-            <a:pathLst>
-              <a:path w="120000" h="120000" extrusionOk="0">
-                <a:moveTo>
-                  <a:pt x="0" y="0"/>
-                </a:moveTo>
-                <a:lnTo>
-                  <a:pt x="120000" y="0"/>
-                </a:lnTo>
-                <a:lnTo>
-                  <a:pt x="120000" y="120000"/>
-                </a:lnTo>
-                <a:lnTo>
-                  <a:pt x="0" y="120000"/>
-                </a:lnTo>
-                <a:close/>
-              </a:path>
-            </a:pathLst>
-          </a:custGeom>
-        </p:spPr>
-      </p:sp>
-      <p:sp>
-        <p:nvSpPr>
-          <p:cNvPr id="91" name="Google Shape;91;ga5af1fc177_0_10:notes"/>
-          <p:cNvSpPr txBox="1">
-            <a:spLocks noGrp="1"/>
-          </p:cNvSpPr>
-          <p:nvPr>
-            <p:ph type="body" idx="1"/>
-          </p:nvPr>
-        </p:nvSpPr>
-        <p:spPr>
-          <a:xfrm>
-            <a:off x="685800" y="4343400"/>
-            <a:ext cx="5486400" cy="4114800"/>
-          </a:xfrm>
-          <a:prstGeom prst="rect">
-            <a:avLst/>
-          </a:prstGeom>
-        </p:spPr>
-        <p:txBody>
-          <a:bodyPr spcFirstLastPara="1" wrap="square" lIns="91425" tIns="91425" rIns="91425" bIns="91425" anchor="t" anchorCtr="0">
-            <a:noAutofit/>
-          </a:bodyPr>
-          <a:lstStyle/>
-          <a:p>
-            <a:pPr marL="0" lvl="0" indent="0" algn="l" rtl="0">
-              <a:spcBef>
-                <a:spcPts val="0"/>
-              </a:spcBef>
-              <a:spcAft>
-                <a:spcPts val="0"/>
-              </a:spcAft>
-              <a:buNone/>
-            </a:pPr>
-            <a:endParaRPr/>
-          </a:p>
-        </p:txBody>
-      </p:sp>
-    </p:spTree>
-  </p:cSld>
-  <p:clrMapOvr>
-    <a:masterClrMapping/>
-  </p:clrMapOvr>
-</p:notes>
-</file>
-
-<file path=ppt/notesSlides/notesSlide8.xml><?xml version="1.0" encoding="utf-8"?>
+<file path=ppt/notesSlides/notesSlide5.xml><?xml version="1.0" encoding="utf-8"?>
 <p:notes xmlns:a="http://schemas.openxmlformats.org/drawingml/2006/main" xmlns:r="http://schemas.openxmlformats.org/officeDocument/2006/relationships" xmlns:p="http://schemas.openxmlformats.org/presentationml/2006/main" showMasterSp="0" showMasterPhAnim="0">
   <p:cSld>
     <p:spTree>
@@ -5719,7 +3937,7 @@
 </p:notes>
 </file>
 
-<file path=ppt/notesSlides/notesSlide9.xml><?xml version="1.0" encoding="utf-8"?>
+<file path=ppt/notesSlides/notesSlide6.xml><?xml version="1.0" encoding="utf-8"?>
 <p:notes xmlns:a="http://schemas.openxmlformats.org/drawingml/2006/main" xmlns:r="http://schemas.openxmlformats.org/officeDocument/2006/relationships" xmlns:p="http://schemas.openxmlformats.org/presentationml/2006/main" showMasterSp="0" showMasterPhAnim="0">
   <p:cSld>
     <p:spTree>
@@ -5780,6 +3998,318 @@
       <p:sp>
         <p:nvSpPr>
           <p:cNvPr id="103" name="Google Shape;103;ga5af1fc177_0_138:notes"/>
+          <p:cNvSpPr txBox="1">
+            <a:spLocks noGrp="1"/>
+          </p:cNvSpPr>
+          <p:nvPr>
+            <p:ph type="body" idx="1"/>
+          </p:nvPr>
+        </p:nvSpPr>
+        <p:spPr>
+          <a:xfrm>
+            <a:off x="685800" y="4343400"/>
+            <a:ext cx="5486400" cy="4114800"/>
+          </a:xfrm>
+          <a:prstGeom prst="rect">
+            <a:avLst/>
+          </a:prstGeom>
+        </p:spPr>
+        <p:txBody>
+          <a:bodyPr spcFirstLastPara="1" wrap="square" lIns="91425" tIns="91425" rIns="91425" bIns="91425" anchor="t" anchorCtr="0">
+            <a:noAutofit/>
+          </a:bodyPr>
+          <a:lstStyle/>
+          <a:p>
+            <a:pPr marL="0" lvl="0" indent="0" algn="l" rtl="0">
+              <a:spcBef>
+                <a:spcPts val="0"/>
+              </a:spcBef>
+              <a:spcAft>
+                <a:spcPts val="0"/>
+              </a:spcAft>
+              <a:buNone/>
+            </a:pPr>
+            <a:endParaRPr/>
+          </a:p>
+        </p:txBody>
+      </p:sp>
+    </p:spTree>
+  </p:cSld>
+  <p:clrMapOvr>
+    <a:masterClrMapping/>
+  </p:clrMapOvr>
+</p:notes>
+</file>
+
+<file path=ppt/notesSlides/notesSlide7.xml><?xml version="1.0" encoding="utf-8"?>
+<p:notes xmlns:a="http://schemas.openxmlformats.org/drawingml/2006/main" xmlns:r="http://schemas.openxmlformats.org/officeDocument/2006/relationships" xmlns:p="http://schemas.openxmlformats.org/presentationml/2006/main" showMasterSp="0" showMasterPhAnim="0">
+  <p:cSld>
+    <p:spTree>
+      <p:nvGrpSpPr>
+        <p:cNvPr id="1" name="Shape 107"/>
+        <p:cNvGrpSpPr/>
+        <p:nvPr/>
+      </p:nvGrpSpPr>
+      <p:grpSpPr>
+        <a:xfrm>
+          <a:off x="0" y="0"/>
+          <a:ext cx="0" cy="0"/>
+          <a:chOff x="0" y="0"/>
+          <a:chExt cx="0" cy="0"/>
+        </a:xfrm>
+      </p:grpSpPr>
+      <p:sp>
+        <p:nvSpPr>
+          <p:cNvPr id="108" name="Google Shape;108;ga5af1fc177_0_143:notes"/>
+          <p:cNvSpPr>
+            <a:spLocks noGrp="1" noRot="1" noChangeAspect="1"/>
+          </p:cNvSpPr>
+          <p:nvPr>
+            <p:ph type="sldImg" idx="2"/>
+          </p:nvPr>
+        </p:nvSpPr>
+        <p:spPr>
+          <a:xfrm>
+            <a:off x="381300" y="685800"/>
+            <a:ext cx="6096000" cy="3429000"/>
+          </a:xfrm>
+          <a:custGeom>
+            <a:avLst/>
+            <a:gdLst/>
+            <a:ahLst/>
+            <a:cxnLst/>
+            <a:rect l="l" t="t" r="r" b="b"/>
+            <a:pathLst>
+              <a:path w="120000" h="120000" extrusionOk="0">
+                <a:moveTo>
+                  <a:pt x="0" y="0"/>
+                </a:moveTo>
+                <a:lnTo>
+                  <a:pt x="120000" y="0"/>
+                </a:lnTo>
+                <a:lnTo>
+                  <a:pt x="120000" y="120000"/>
+                </a:lnTo>
+                <a:lnTo>
+                  <a:pt x="0" y="120000"/>
+                </a:lnTo>
+                <a:close/>
+              </a:path>
+            </a:pathLst>
+          </a:custGeom>
+        </p:spPr>
+      </p:sp>
+      <p:sp>
+        <p:nvSpPr>
+          <p:cNvPr id="109" name="Google Shape;109;ga5af1fc177_0_143:notes"/>
+          <p:cNvSpPr txBox="1">
+            <a:spLocks noGrp="1"/>
+          </p:cNvSpPr>
+          <p:nvPr>
+            <p:ph type="body" idx="1"/>
+          </p:nvPr>
+        </p:nvSpPr>
+        <p:spPr>
+          <a:xfrm>
+            <a:off x="685800" y="4343400"/>
+            <a:ext cx="5486400" cy="4114800"/>
+          </a:xfrm>
+          <a:prstGeom prst="rect">
+            <a:avLst/>
+          </a:prstGeom>
+        </p:spPr>
+        <p:txBody>
+          <a:bodyPr spcFirstLastPara="1" wrap="square" lIns="91425" tIns="91425" rIns="91425" bIns="91425" anchor="t" anchorCtr="0">
+            <a:noAutofit/>
+          </a:bodyPr>
+          <a:lstStyle/>
+          <a:p>
+            <a:pPr marL="0" lvl="0" indent="0" algn="l" rtl="0">
+              <a:spcBef>
+                <a:spcPts val="0"/>
+              </a:spcBef>
+              <a:spcAft>
+                <a:spcPts val="0"/>
+              </a:spcAft>
+              <a:buNone/>
+            </a:pPr>
+            <a:endParaRPr/>
+          </a:p>
+        </p:txBody>
+      </p:sp>
+    </p:spTree>
+  </p:cSld>
+  <p:clrMapOvr>
+    <a:masterClrMapping/>
+  </p:clrMapOvr>
+</p:notes>
+</file>
+
+<file path=ppt/notesSlides/notesSlide8.xml><?xml version="1.0" encoding="utf-8"?>
+<p:notes xmlns:a="http://schemas.openxmlformats.org/drawingml/2006/main" xmlns:r="http://schemas.openxmlformats.org/officeDocument/2006/relationships" xmlns:p="http://schemas.openxmlformats.org/presentationml/2006/main" showMasterSp="0" showMasterPhAnim="0">
+  <p:cSld>
+    <p:spTree>
+      <p:nvGrpSpPr>
+        <p:cNvPr id="1" name="Shape 113"/>
+        <p:cNvGrpSpPr/>
+        <p:nvPr/>
+      </p:nvGrpSpPr>
+      <p:grpSpPr>
+        <a:xfrm>
+          <a:off x="0" y="0"/>
+          <a:ext cx="0" cy="0"/>
+          <a:chOff x="0" y="0"/>
+          <a:chExt cx="0" cy="0"/>
+        </a:xfrm>
+      </p:grpSpPr>
+      <p:sp>
+        <p:nvSpPr>
+          <p:cNvPr id="114" name="Google Shape;114;ga5af1fc177_0_62:notes"/>
+          <p:cNvSpPr>
+            <a:spLocks noGrp="1" noRot="1" noChangeAspect="1"/>
+          </p:cNvSpPr>
+          <p:nvPr>
+            <p:ph type="sldImg" idx="2"/>
+          </p:nvPr>
+        </p:nvSpPr>
+        <p:spPr>
+          <a:xfrm>
+            <a:off x="381300" y="685800"/>
+            <a:ext cx="6096000" cy="3429000"/>
+          </a:xfrm>
+          <a:custGeom>
+            <a:avLst/>
+            <a:gdLst/>
+            <a:ahLst/>
+            <a:cxnLst/>
+            <a:rect l="l" t="t" r="r" b="b"/>
+            <a:pathLst>
+              <a:path w="120000" h="120000" extrusionOk="0">
+                <a:moveTo>
+                  <a:pt x="0" y="0"/>
+                </a:moveTo>
+                <a:lnTo>
+                  <a:pt x="120000" y="0"/>
+                </a:lnTo>
+                <a:lnTo>
+                  <a:pt x="120000" y="120000"/>
+                </a:lnTo>
+                <a:lnTo>
+                  <a:pt x="0" y="120000"/>
+                </a:lnTo>
+                <a:close/>
+              </a:path>
+            </a:pathLst>
+          </a:custGeom>
+        </p:spPr>
+      </p:sp>
+      <p:sp>
+        <p:nvSpPr>
+          <p:cNvPr id="115" name="Google Shape;115;ga5af1fc177_0_62:notes"/>
+          <p:cNvSpPr txBox="1">
+            <a:spLocks noGrp="1"/>
+          </p:cNvSpPr>
+          <p:nvPr>
+            <p:ph type="body" idx="1"/>
+          </p:nvPr>
+        </p:nvSpPr>
+        <p:spPr>
+          <a:xfrm>
+            <a:off x="685800" y="4343400"/>
+            <a:ext cx="5486400" cy="4114800"/>
+          </a:xfrm>
+          <a:prstGeom prst="rect">
+            <a:avLst/>
+          </a:prstGeom>
+        </p:spPr>
+        <p:txBody>
+          <a:bodyPr spcFirstLastPara="1" wrap="square" lIns="91425" tIns="91425" rIns="91425" bIns="91425" anchor="t" anchorCtr="0">
+            <a:noAutofit/>
+          </a:bodyPr>
+          <a:lstStyle/>
+          <a:p>
+            <a:pPr marL="0" lvl="0" indent="0" algn="l" rtl="0">
+              <a:spcBef>
+                <a:spcPts val="0"/>
+              </a:spcBef>
+              <a:spcAft>
+                <a:spcPts val="0"/>
+              </a:spcAft>
+              <a:buNone/>
+            </a:pPr>
+            <a:endParaRPr/>
+          </a:p>
+        </p:txBody>
+      </p:sp>
+    </p:spTree>
+  </p:cSld>
+  <p:clrMapOvr>
+    <a:masterClrMapping/>
+  </p:clrMapOvr>
+</p:notes>
+</file>
+
+<file path=ppt/notesSlides/notesSlide9.xml><?xml version="1.0" encoding="utf-8"?>
+<p:notes xmlns:a="http://schemas.openxmlformats.org/drawingml/2006/main" xmlns:r="http://schemas.openxmlformats.org/officeDocument/2006/relationships" xmlns:p="http://schemas.openxmlformats.org/presentationml/2006/main" showMasterSp="0" showMasterPhAnim="0">
+  <p:cSld>
+    <p:spTree>
+      <p:nvGrpSpPr>
+        <p:cNvPr id="1" name="Shape 119"/>
+        <p:cNvGrpSpPr/>
+        <p:nvPr/>
+      </p:nvGrpSpPr>
+      <p:grpSpPr>
+        <a:xfrm>
+          <a:off x="0" y="0"/>
+          <a:ext cx="0" cy="0"/>
+          <a:chOff x="0" y="0"/>
+          <a:chExt cx="0" cy="0"/>
+        </a:xfrm>
+      </p:grpSpPr>
+      <p:sp>
+        <p:nvSpPr>
+          <p:cNvPr id="120" name="Google Shape;120;ga5af1fc177_0_57:notes"/>
+          <p:cNvSpPr>
+            <a:spLocks noGrp="1" noRot="1" noChangeAspect="1"/>
+          </p:cNvSpPr>
+          <p:nvPr>
+            <p:ph type="sldImg" idx="2"/>
+          </p:nvPr>
+        </p:nvSpPr>
+        <p:spPr>
+          <a:xfrm>
+            <a:off x="381300" y="685800"/>
+            <a:ext cx="6096000" cy="3429000"/>
+          </a:xfrm>
+          <a:custGeom>
+            <a:avLst/>
+            <a:gdLst/>
+            <a:ahLst/>
+            <a:cxnLst/>
+            <a:rect l="l" t="t" r="r" b="b"/>
+            <a:pathLst>
+              <a:path w="120000" h="120000" extrusionOk="0">
+                <a:moveTo>
+                  <a:pt x="0" y="0"/>
+                </a:moveTo>
+                <a:lnTo>
+                  <a:pt x="120000" y="0"/>
+                </a:lnTo>
+                <a:lnTo>
+                  <a:pt x="120000" y="120000"/>
+                </a:lnTo>
+                <a:lnTo>
+                  <a:pt x="0" y="120000"/>
+                </a:lnTo>
+                <a:close/>
+              </a:path>
+            </a:pathLst>
+          </a:custGeom>
+        </p:spPr>
+      </p:sp>
+      <p:sp>
+        <p:nvSpPr>
+          <p:cNvPr id="121" name="Google Shape;121;ga5af1fc177_0_57:notes"/>
           <p:cNvSpPr txBox="1">
             <a:spLocks noGrp="1"/>
           </p:cNvSpPr>
@@ -11254,291 +9784,6 @@
   <p:cSld>
     <p:spTree>
       <p:nvGrpSpPr>
-        <p:cNvPr id="1" name="Shape 110"/>
-        <p:cNvGrpSpPr/>
-        <p:nvPr/>
-      </p:nvGrpSpPr>
-      <p:grpSpPr>
-        <a:xfrm>
-          <a:off x="0" y="0"/>
-          <a:ext cx="0" cy="0"/>
-          <a:chOff x="0" y="0"/>
-          <a:chExt cx="0" cy="0"/>
-        </a:xfrm>
-      </p:grpSpPr>
-      <p:sp>
-        <p:nvSpPr>
-          <p:cNvPr id="111" name="Google Shape;111;p22"/>
-          <p:cNvSpPr txBox="1">
-            <a:spLocks noGrp="1"/>
-          </p:cNvSpPr>
-          <p:nvPr>
-            <p:ph type="title"/>
-          </p:nvPr>
-        </p:nvSpPr>
-        <p:spPr>
-          <a:xfrm>
-            <a:off x="121550" y="331325"/>
-            <a:ext cx="2808000" cy="755700"/>
-          </a:xfrm>
-          <a:prstGeom prst="rect">
-            <a:avLst/>
-          </a:prstGeom>
-        </p:spPr>
-        <p:txBody>
-          <a:bodyPr spcFirstLastPara="1" wrap="square" lIns="91425" tIns="91425" rIns="91425" bIns="91425" anchor="b" anchorCtr="0">
-            <a:noAutofit/>
-          </a:bodyPr>
-          <a:lstStyle/>
-          <a:p>
-            <a:pPr marL="0" lvl="0" indent="0" algn="ctr" rtl="0">
-              <a:spcBef>
-                <a:spcPts val="0"/>
-              </a:spcBef>
-              <a:spcAft>
-                <a:spcPts val="0"/>
-              </a:spcAft>
-              <a:buNone/>
-            </a:pPr>
-            <a:r>
-              <a:rPr lang="en"/>
-              <a:t>compareTo()</a:t>
-            </a:r>
-            <a:endParaRPr/>
-          </a:p>
-        </p:txBody>
-      </p:sp>
-      <p:pic>
-        <p:nvPicPr>
-          <p:cNvPr id="112" name="Google Shape;112;p22"/>
-          <p:cNvPicPr preferRelativeResize="0"/>
-          <p:nvPr/>
-        </p:nvPicPr>
-        <p:blipFill>
-          <a:blip r:embed="rId3">
-            <a:alphaModFix/>
-          </a:blip>
-          <a:stretch>
-            <a:fillRect/>
-          </a:stretch>
-        </p:blipFill>
-        <p:spPr>
-          <a:xfrm>
-            <a:off x="889838" y="2028963"/>
-            <a:ext cx="8124825" cy="2333625"/>
-          </a:xfrm>
-          <a:prstGeom prst="rect">
-            <a:avLst/>
-          </a:prstGeom>
-          <a:noFill/>
-          <a:ln>
-            <a:noFill/>
-          </a:ln>
-        </p:spPr>
-      </p:pic>
-    </p:spTree>
-  </p:cSld>
-  <p:clrMapOvr>
-    <a:masterClrMapping/>
-  </p:clrMapOvr>
-</p:sld>
-</file>
-
-<file path=ppt/slides/slide11.xml><?xml version="1.0" encoding="utf-8"?>
-<p:sld xmlns:a="http://schemas.openxmlformats.org/drawingml/2006/main" xmlns:r="http://schemas.openxmlformats.org/officeDocument/2006/relationships" xmlns:p="http://schemas.openxmlformats.org/presentationml/2006/main">
-  <p:cSld>
-    <p:spTree>
-      <p:nvGrpSpPr>
-        <p:cNvPr id="1" name="Shape 116"/>
-        <p:cNvGrpSpPr/>
-        <p:nvPr/>
-      </p:nvGrpSpPr>
-      <p:grpSpPr>
-        <a:xfrm>
-          <a:off x="0" y="0"/>
-          <a:ext cx="0" cy="0"/>
-          <a:chOff x="0" y="0"/>
-          <a:chExt cx="0" cy="0"/>
-        </a:xfrm>
-      </p:grpSpPr>
-      <p:sp>
-        <p:nvSpPr>
-          <p:cNvPr id="117" name="Google Shape;117;p23"/>
-          <p:cNvSpPr txBox="1">
-            <a:spLocks noGrp="1"/>
-          </p:cNvSpPr>
-          <p:nvPr>
-            <p:ph type="title"/>
-          </p:nvPr>
-        </p:nvSpPr>
-        <p:spPr>
-          <a:xfrm>
-            <a:off x="311700" y="555600"/>
-            <a:ext cx="2808000" cy="755700"/>
-          </a:xfrm>
-          <a:prstGeom prst="rect">
-            <a:avLst/>
-          </a:prstGeom>
-        </p:spPr>
-        <p:txBody>
-          <a:bodyPr spcFirstLastPara="1" wrap="square" lIns="91425" tIns="91425" rIns="91425" bIns="91425" anchor="b" anchorCtr="0">
-            <a:noAutofit/>
-          </a:bodyPr>
-          <a:lstStyle/>
-          <a:p>
-            <a:pPr marL="0" lvl="0" indent="0" algn="ctr" rtl="0">
-              <a:spcBef>
-                <a:spcPts val="0"/>
-              </a:spcBef>
-              <a:spcAft>
-                <a:spcPts val="0"/>
-              </a:spcAft>
-              <a:buNone/>
-            </a:pPr>
-            <a:r>
-              <a:rPr lang="en"/>
-              <a:t>formatLatLngValue()</a:t>
-            </a:r>
-            <a:endParaRPr/>
-          </a:p>
-        </p:txBody>
-      </p:sp>
-      <p:pic>
-        <p:nvPicPr>
-          <p:cNvPr id="118" name="Google Shape;118;p23"/>
-          <p:cNvPicPr preferRelativeResize="0"/>
-          <p:nvPr/>
-        </p:nvPicPr>
-        <p:blipFill>
-          <a:blip r:embed="rId3">
-            <a:alphaModFix/>
-          </a:blip>
-          <a:stretch>
-            <a:fillRect/>
-          </a:stretch>
-        </p:blipFill>
-        <p:spPr>
-          <a:xfrm>
-            <a:off x="3276975" y="2073300"/>
-            <a:ext cx="4876800" cy="2390775"/>
-          </a:xfrm>
-          <a:prstGeom prst="rect">
-            <a:avLst/>
-          </a:prstGeom>
-          <a:noFill/>
-          <a:ln>
-            <a:noFill/>
-          </a:ln>
-        </p:spPr>
-      </p:pic>
-    </p:spTree>
-  </p:cSld>
-  <p:clrMapOvr>
-    <a:masterClrMapping/>
-  </p:clrMapOvr>
-</p:sld>
-</file>
-
-<file path=ppt/slides/slide12.xml><?xml version="1.0" encoding="utf-8"?>
-<p:sld xmlns:a="http://schemas.openxmlformats.org/drawingml/2006/main" xmlns:r="http://schemas.openxmlformats.org/officeDocument/2006/relationships" xmlns:p="http://schemas.openxmlformats.org/presentationml/2006/main">
-  <p:cSld>
-    <p:spTree>
-      <p:nvGrpSpPr>
-        <p:cNvPr id="1" name="Shape 122"/>
-        <p:cNvGrpSpPr/>
-        <p:nvPr/>
-      </p:nvGrpSpPr>
-      <p:grpSpPr>
-        <a:xfrm>
-          <a:off x="0" y="0"/>
-          <a:ext cx="0" cy="0"/>
-          <a:chOff x="0" y="0"/>
-          <a:chExt cx="0" cy="0"/>
-        </a:xfrm>
-      </p:grpSpPr>
-      <p:sp>
-        <p:nvSpPr>
-          <p:cNvPr id="123" name="Google Shape;123;p24"/>
-          <p:cNvSpPr txBox="1">
-            <a:spLocks noGrp="1"/>
-          </p:cNvSpPr>
-          <p:nvPr>
-            <p:ph type="title"/>
-          </p:nvPr>
-        </p:nvSpPr>
-        <p:spPr>
-          <a:xfrm>
-            <a:off x="219075" y="360575"/>
-            <a:ext cx="2808000" cy="755700"/>
-          </a:xfrm>
-          <a:prstGeom prst="rect">
-            <a:avLst/>
-          </a:prstGeom>
-        </p:spPr>
-        <p:txBody>
-          <a:bodyPr spcFirstLastPara="1" wrap="square" lIns="91425" tIns="91425" rIns="91425" bIns="91425" anchor="b" anchorCtr="0">
-            <a:noAutofit/>
-          </a:bodyPr>
-          <a:lstStyle/>
-          <a:p>
-            <a:pPr marL="0" lvl="0" indent="0" algn="ctr" rtl="0">
-              <a:spcBef>
-                <a:spcPts val="0"/>
-              </a:spcBef>
-              <a:spcAft>
-                <a:spcPts val="0"/>
-              </a:spcAft>
-              <a:buNone/>
-            </a:pPr>
-            <a:r>
-              <a:rPr lang="en"/>
-              <a:t>getDistance()</a:t>
-            </a:r>
-            <a:endParaRPr/>
-          </a:p>
-        </p:txBody>
-      </p:sp>
-      <p:pic>
-        <p:nvPicPr>
-          <p:cNvPr id="124" name="Google Shape;124;p24"/>
-          <p:cNvPicPr preferRelativeResize="0"/>
-          <p:nvPr/>
-        </p:nvPicPr>
-        <p:blipFill>
-          <a:blip r:embed="rId3">
-            <a:alphaModFix/>
-          </a:blip>
-          <a:stretch>
-            <a:fillRect/>
-          </a:stretch>
-        </p:blipFill>
-        <p:spPr>
-          <a:xfrm>
-            <a:off x="2369425" y="1726325"/>
-            <a:ext cx="6649551" cy="2671700"/>
-          </a:xfrm>
-          <a:prstGeom prst="rect">
-            <a:avLst/>
-          </a:prstGeom>
-          <a:noFill/>
-          <a:ln>
-            <a:noFill/>
-          </a:ln>
-        </p:spPr>
-      </p:pic>
-    </p:spTree>
-  </p:cSld>
-  <p:clrMapOvr>
-    <a:masterClrMapping/>
-  </p:clrMapOvr>
-</p:sld>
-</file>
-
-<file path=ppt/slides/slide13.xml><?xml version="1.0" encoding="utf-8"?>
-<p:sld xmlns:a="http://schemas.openxmlformats.org/drawingml/2006/main" xmlns:r="http://schemas.openxmlformats.org/officeDocument/2006/relationships" xmlns:p="http://schemas.openxmlformats.org/presentationml/2006/main">
-  <p:cSld>
-    <p:spTree>
-      <p:nvGrpSpPr>
         <p:cNvPr id="1" name="Shape 128"/>
         <p:cNvGrpSpPr/>
         <p:nvPr/>
@@ -11824,7 +10069,7 @@
 </p:sld>
 </file>
 
-<file path=ppt/slides/slide14.xml><?xml version="1.0" encoding="utf-8"?>
+<file path=ppt/slides/slide11.xml><?xml version="1.0" encoding="utf-8"?>
 <p:sld xmlns:a="http://schemas.openxmlformats.org/drawingml/2006/main" xmlns:r="http://schemas.openxmlformats.org/officeDocument/2006/relationships" xmlns:p="http://schemas.openxmlformats.org/presentationml/2006/main">
   <p:cSld>
     <p:spTree>
@@ -12042,174 +10287,7 @@
 </p:sld>
 </file>
 
-<file path=ppt/slides/slide15.xml><?xml version="1.0" encoding="utf-8"?>
-<p:sld xmlns:a="http://schemas.openxmlformats.org/drawingml/2006/main" xmlns:r="http://schemas.openxmlformats.org/officeDocument/2006/relationships" xmlns:p="http://schemas.openxmlformats.org/presentationml/2006/main" show="0">
-  <p:cSld>
-    <p:spTree>
-      <p:nvGrpSpPr>
-        <p:cNvPr id="1" name="Shape 147"/>
-        <p:cNvGrpSpPr/>
-        <p:nvPr/>
-      </p:nvGrpSpPr>
-      <p:grpSpPr>
-        <a:xfrm>
-          <a:off x="0" y="0"/>
-          <a:ext cx="0" cy="0"/>
-          <a:chOff x="0" y="0"/>
-          <a:chExt cx="0" cy="0"/>
-        </a:xfrm>
-      </p:grpSpPr>
-      <p:sp>
-        <p:nvSpPr>
-          <p:cNvPr id="148" name="Google Shape;148;p27"/>
-          <p:cNvSpPr txBox="1">
-            <a:spLocks noGrp="1"/>
-          </p:cNvSpPr>
-          <p:nvPr>
-            <p:ph type="title"/>
-          </p:nvPr>
-        </p:nvSpPr>
-        <p:spPr>
-          <a:xfrm>
-            <a:off x="453100" y="555600"/>
-            <a:ext cx="2808000" cy="755700"/>
-          </a:xfrm>
-          <a:prstGeom prst="rect">
-            <a:avLst/>
-          </a:prstGeom>
-        </p:spPr>
-        <p:txBody>
-          <a:bodyPr spcFirstLastPara="1" wrap="square" lIns="91425" tIns="91425" rIns="91425" bIns="91425" anchor="b" anchorCtr="0">
-            <a:noAutofit/>
-          </a:bodyPr>
-          <a:lstStyle/>
-          <a:p>
-            <a:pPr marL="0" lvl="0" indent="0" algn="ctr" rtl="0">
-              <a:spcBef>
-                <a:spcPts val="0"/>
-              </a:spcBef>
-              <a:spcAft>
-                <a:spcPts val="0"/>
-              </a:spcAft>
-              <a:buNone/>
-            </a:pPr>
-            <a:r>
-              <a:rPr lang="en"/>
-              <a:t>Bad Driver</a:t>
-            </a:r>
-            <a:endParaRPr/>
-          </a:p>
-        </p:txBody>
-      </p:sp>
-      <p:sp>
-        <p:nvSpPr>
-          <p:cNvPr id="149" name="Google Shape;149;p27"/>
-          <p:cNvSpPr txBox="1">
-            <a:spLocks noGrp="1"/>
-          </p:cNvSpPr>
-          <p:nvPr>
-            <p:ph type="title"/>
-          </p:nvPr>
-        </p:nvSpPr>
-        <p:spPr>
-          <a:xfrm>
-            <a:off x="4762125" y="555600"/>
-            <a:ext cx="2808000" cy="755700"/>
-          </a:xfrm>
-          <a:prstGeom prst="rect">
-            <a:avLst/>
-          </a:prstGeom>
-        </p:spPr>
-        <p:txBody>
-          <a:bodyPr spcFirstLastPara="1" wrap="square" lIns="91425" tIns="91425" rIns="91425" bIns="91425" anchor="b" anchorCtr="0">
-            <a:noAutofit/>
-          </a:bodyPr>
-          <a:lstStyle/>
-          <a:p>
-            <a:pPr marL="0" lvl="0" indent="0" algn="ctr" rtl="0">
-              <a:spcBef>
-                <a:spcPts val="0"/>
-              </a:spcBef>
-              <a:spcAft>
-                <a:spcPts val="0"/>
-              </a:spcAft>
-              <a:buNone/>
-            </a:pPr>
-            <a:r>
-              <a:rPr lang="en"/>
-              <a:t>Improved Driver</a:t>
-            </a:r>
-            <a:endParaRPr/>
-          </a:p>
-        </p:txBody>
-      </p:sp>
-      <p:sp>
-        <p:nvSpPr>
-          <p:cNvPr id="150" name="Google Shape;150;p27"/>
-          <p:cNvSpPr txBox="1"/>
-          <p:nvPr/>
-        </p:nvSpPr>
-        <p:spPr>
-          <a:xfrm>
-            <a:off x="1944600" y="2193900"/>
-            <a:ext cx="5254800" cy="755700"/>
-          </a:xfrm>
-          <a:prstGeom prst="rect">
-            <a:avLst/>
-          </a:prstGeom>
-          <a:noFill/>
-          <a:ln>
-            <a:noFill/>
-          </a:ln>
-        </p:spPr>
-        <p:txBody>
-          <a:bodyPr spcFirstLastPara="1" wrap="square" lIns="91425" tIns="91425" rIns="91425" bIns="91425" anchor="t" anchorCtr="0">
-            <a:noAutofit/>
-          </a:bodyPr>
-          <a:lstStyle/>
-          <a:p>
-            <a:pPr marL="0" lvl="0" indent="0" algn="l" rtl="0">
-              <a:spcBef>
-                <a:spcPts val="0"/>
-              </a:spcBef>
-              <a:spcAft>
-                <a:spcPts val="0"/>
-              </a:spcAft>
-              <a:buNone/>
-            </a:pPr>
-            <a:r>
-              <a:rPr lang="en" dirty="0">
-                <a:solidFill>
-                  <a:srgbClr val="FFFFFF"/>
-                </a:solidFill>
-                <a:latin typeface="Average"/>
-                <a:ea typeface="Average"/>
-                <a:cs typeface="Average"/>
-                <a:sym typeface="Average"/>
-              </a:rPr>
-              <a:t>Try-catches added as to not cause spontaneous combustion given unacceptable input. Drivers are generalized for method instead of individual test cases. </a:t>
-            </a:r>
-            <a:endParaRPr dirty="0">
-              <a:solidFill>
-                <a:srgbClr val="FFFFFF"/>
-              </a:solidFill>
-              <a:latin typeface="Average"/>
-              <a:ea typeface="Average"/>
-              <a:cs typeface="Average"/>
-              <a:sym typeface="Average"/>
-            </a:endParaRPr>
-          </a:p>
-        </p:txBody>
-      </p:sp>
-    </p:spTree>
-  </p:cSld>
-  <p:clrMapOvr>
-    <a:masterClrMapping/>
-  </p:clrMapOvr>
-</p:sld>
-</file>
-
-<file path=ppt/slides/slide16.xml><?xml version="1.0" encoding="utf-8"?>
+<file path=ppt/slides/slide12.xml><?xml version="1.0" encoding="utf-8"?>
 <p:sld xmlns:a="http://schemas.openxmlformats.org/drawingml/2006/main" xmlns:r="http://schemas.openxmlformats.org/officeDocument/2006/relationships" xmlns:p="http://schemas.openxmlformats.org/presentationml/2006/main">
   <p:cSld>
     <p:spTree>
@@ -12276,216 +10354,7 @@
 </p:sld>
 </file>
 
-<file path=ppt/slides/slide17.xml><?xml version="1.0" encoding="utf-8"?>
-<p:sld xmlns:a="http://schemas.openxmlformats.org/drawingml/2006/main" xmlns:r="http://schemas.openxmlformats.org/officeDocument/2006/relationships" xmlns:p="http://schemas.openxmlformats.org/presentationml/2006/main" show="0">
-  <p:cSld>
-    <p:spTree>
-      <p:nvGrpSpPr>
-        <p:cNvPr id="1" name="Shape 159"/>
-        <p:cNvGrpSpPr/>
-        <p:nvPr/>
-      </p:nvGrpSpPr>
-      <p:grpSpPr>
-        <a:xfrm>
-          <a:off x="0" y="0"/>
-          <a:ext cx="0" cy="0"/>
-          <a:chOff x="0" y="0"/>
-          <a:chExt cx="0" cy="0"/>
-        </a:xfrm>
-      </p:grpSpPr>
-      <p:sp>
-        <p:nvSpPr>
-          <p:cNvPr id="160" name="Google Shape;160;p29"/>
-          <p:cNvSpPr txBox="1">
-            <a:spLocks noGrp="1"/>
-          </p:cNvSpPr>
-          <p:nvPr>
-            <p:ph type="title"/>
-          </p:nvPr>
-        </p:nvSpPr>
-        <p:spPr>
-          <a:xfrm>
-            <a:off x="311700" y="445025"/>
-            <a:ext cx="8520600" cy="572700"/>
-          </a:xfrm>
-          <a:prstGeom prst="rect">
-            <a:avLst/>
-          </a:prstGeom>
-        </p:spPr>
-        <p:txBody>
-          <a:bodyPr spcFirstLastPara="1" wrap="square" lIns="91425" tIns="91425" rIns="91425" bIns="91425" anchor="t" anchorCtr="0">
-            <a:noAutofit/>
-          </a:bodyPr>
-          <a:lstStyle/>
-          <a:p>
-            <a:pPr marL="0" lvl="0" indent="0" algn="ctr" rtl="0">
-              <a:spcBef>
-                <a:spcPts val="0"/>
-              </a:spcBef>
-              <a:spcAft>
-                <a:spcPts val="0"/>
-              </a:spcAft>
-              <a:buNone/>
-            </a:pPr>
-            <a:r>
-              <a:rPr lang="en"/>
-              <a:t>Script Mistakes</a:t>
-            </a:r>
-            <a:endParaRPr/>
-          </a:p>
-        </p:txBody>
-      </p:sp>
-      <p:sp>
-        <p:nvSpPr>
-          <p:cNvPr id="161" name="Google Shape;161;p29"/>
-          <p:cNvSpPr txBox="1">
-            <a:spLocks noGrp="1"/>
-          </p:cNvSpPr>
-          <p:nvPr>
-            <p:ph type="body" idx="1"/>
-          </p:nvPr>
-        </p:nvSpPr>
-        <p:spPr>
-          <a:xfrm>
-            <a:off x="311700" y="1152475"/>
-            <a:ext cx="8520600" cy="3416400"/>
-          </a:xfrm>
-          <a:prstGeom prst="rect">
-            <a:avLst/>
-          </a:prstGeom>
-        </p:spPr>
-        <p:txBody>
-          <a:bodyPr spcFirstLastPara="1" wrap="square" lIns="91425" tIns="91425" rIns="91425" bIns="91425" anchor="t" anchorCtr="0">
-            <a:noAutofit/>
-          </a:bodyPr>
-          <a:lstStyle/>
-          <a:p>
-            <a:pPr marL="0" lvl="0" indent="0" algn="l" rtl="0">
-              <a:lnSpc>
-                <a:spcPct val="200000"/>
-              </a:lnSpc>
-              <a:spcBef>
-                <a:spcPts val="0"/>
-              </a:spcBef>
-              <a:spcAft>
-                <a:spcPts val="0"/>
-              </a:spcAft>
-              <a:buNone/>
-            </a:pPr>
-            <a:r>
-              <a:rPr lang="en" sz="1200" dirty="0">
-                <a:solidFill>
-                  <a:srgbClr val="FFFFFF"/>
-                </a:solidFill>
-                <a:latin typeface="Times New Roman"/>
-                <a:ea typeface="Times New Roman"/>
-                <a:cs typeface="Times New Roman"/>
-                <a:sym typeface="Times New Roman"/>
-              </a:rPr>
-              <a:t>Our initial script hardcoded the test cases. This is bad. We then approached the problem from the perspective of the methods, instead of the test cases, so we were preloading the method names and building the script around the methods. Luckily, we were able to take the fundamentals of how our script ran and use that to implement the testing framework correctly. </a:t>
-            </a:r>
-            <a:endParaRPr sz="1200" dirty="0">
-              <a:solidFill>
-                <a:srgbClr val="FFFFFF"/>
-              </a:solidFill>
-              <a:latin typeface="Times New Roman"/>
-              <a:ea typeface="Times New Roman"/>
-              <a:cs typeface="Times New Roman"/>
-              <a:sym typeface="Times New Roman"/>
-            </a:endParaRPr>
-          </a:p>
-          <a:p>
-            <a:pPr marL="0" lvl="0" indent="0" algn="l" rtl="0">
-              <a:lnSpc>
-                <a:spcPct val="200000"/>
-              </a:lnSpc>
-              <a:spcBef>
-                <a:spcPts val="0"/>
-              </a:spcBef>
-              <a:spcAft>
-                <a:spcPts val="0"/>
-              </a:spcAft>
-              <a:buNone/>
-            </a:pPr>
-            <a:endParaRPr sz="1200" dirty="0">
-              <a:solidFill>
-                <a:srgbClr val="FFFFFF"/>
-              </a:solidFill>
-              <a:latin typeface="Times New Roman"/>
-              <a:ea typeface="Times New Roman"/>
-              <a:cs typeface="Times New Roman"/>
-              <a:sym typeface="Times New Roman"/>
-            </a:endParaRPr>
-          </a:p>
-          <a:p>
-            <a:pPr marL="0" lvl="0" indent="0" algn="l" rtl="0">
-              <a:lnSpc>
-                <a:spcPct val="200000"/>
-              </a:lnSpc>
-              <a:spcBef>
-                <a:spcPts val="0"/>
-              </a:spcBef>
-              <a:spcAft>
-                <a:spcPts val="0"/>
-              </a:spcAft>
-              <a:buNone/>
-            </a:pPr>
-            <a:r>
-              <a:rPr lang="en" sz="1200" dirty="0">
-                <a:solidFill>
-                  <a:srgbClr val="FFFFFF"/>
-                </a:solidFill>
-                <a:latin typeface="Times New Roman"/>
-                <a:ea typeface="Times New Roman"/>
-                <a:cs typeface="Times New Roman"/>
-                <a:sym typeface="Times New Roman"/>
-              </a:rPr>
-              <a:t>The only potential problem with the way our script runs, is that it preloads the test cases. This means that if there were significantly more test cases, the script would be slow. However, for the scope of the project we found that this was the easiest approach. </a:t>
-            </a:r>
-            <a:endParaRPr sz="1200" dirty="0">
-              <a:solidFill>
-                <a:srgbClr val="FFFFFF"/>
-              </a:solidFill>
-              <a:latin typeface="Times New Roman"/>
-              <a:ea typeface="Times New Roman"/>
-              <a:cs typeface="Times New Roman"/>
-              <a:sym typeface="Times New Roman"/>
-            </a:endParaRPr>
-          </a:p>
-          <a:p>
-            <a:pPr marL="0" lvl="0" indent="0" algn="l" rtl="0">
-              <a:lnSpc>
-                <a:spcPct val="200000"/>
-              </a:lnSpc>
-              <a:spcBef>
-                <a:spcPts val="0"/>
-              </a:spcBef>
-              <a:spcAft>
-                <a:spcPts val="0"/>
-              </a:spcAft>
-              <a:buNone/>
-            </a:pPr>
-            <a:endParaRPr sz="1200" dirty="0">
-              <a:solidFill>
-                <a:srgbClr val="FFFFFF"/>
-              </a:solidFill>
-              <a:latin typeface="Times New Roman"/>
-              <a:ea typeface="Times New Roman"/>
-              <a:cs typeface="Times New Roman"/>
-              <a:sym typeface="Times New Roman"/>
-            </a:endParaRPr>
-          </a:p>
-        </p:txBody>
-      </p:sp>
-    </p:spTree>
-  </p:cSld>
-  <p:clrMapOvr>
-    <a:masterClrMapping/>
-  </p:clrMapOvr>
-</p:sld>
-</file>
-
-<file path=ppt/slides/slide18.xml><?xml version="1.0" encoding="utf-8"?>
+<file path=ppt/slides/slide13.xml><?xml version="1.0" encoding="utf-8"?>
 <p:sld xmlns:a="http://schemas.openxmlformats.org/drawingml/2006/main" xmlns:r="http://schemas.openxmlformats.org/officeDocument/2006/relationships" xmlns:p="http://schemas.openxmlformats.org/presentationml/2006/main">
   <p:cSld>
     <p:spTree>
@@ -12580,7 +10449,7 @@
 </p:sld>
 </file>
 
-<file path=ppt/slides/slide19.xml><?xml version="1.0" encoding="utf-8"?>
+<file path=ppt/slides/slide14.xml><?xml version="1.0" encoding="utf-8"?>
 <p:sld xmlns:a="http://schemas.openxmlformats.org/drawingml/2006/main" xmlns:r="http://schemas.openxmlformats.org/officeDocument/2006/relationships" xmlns:p="http://schemas.openxmlformats.org/presentationml/2006/main">
   <p:cSld>
     <p:spTree>
@@ -12703,74 +10572,7 @@
 </p:sld>
 </file>
 
-<file path=ppt/slides/slide2.xml><?xml version="1.0" encoding="utf-8"?>
-<p:sld xmlns:a="http://schemas.openxmlformats.org/drawingml/2006/main" xmlns:r="http://schemas.openxmlformats.org/officeDocument/2006/relationships" xmlns:p="http://schemas.openxmlformats.org/presentationml/2006/main">
-  <p:cSld>
-    <p:spTree>
-      <p:nvGrpSpPr>
-        <p:cNvPr id="1" name="Shape 64"/>
-        <p:cNvGrpSpPr/>
-        <p:nvPr/>
-      </p:nvGrpSpPr>
-      <p:grpSpPr>
-        <a:xfrm>
-          <a:off x="0" y="0"/>
-          <a:ext cx="0" cy="0"/>
-          <a:chOff x="0" y="0"/>
-          <a:chExt cx="0" cy="0"/>
-        </a:xfrm>
-      </p:grpSpPr>
-      <p:sp>
-        <p:nvSpPr>
-          <p:cNvPr id="65" name="Google Shape;65;p14"/>
-          <p:cNvSpPr txBox="1">
-            <a:spLocks noGrp="1"/>
-          </p:cNvSpPr>
-          <p:nvPr>
-            <p:ph type="title"/>
-          </p:nvPr>
-        </p:nvSpPr>
-        <p:spPr>
-          <a:xfrm>
-            <a:off x="671250" y="2141250"/>
-            <a:ext cx="7852200" cy="861000"/>
-          </a:xfrm>
-          <a:prstGeom prst="rect">
-            <a:avLst/>
-          </a:prstGeom>
-        </p:spPr>
-        <p:txBody>
-          <a:bodyPr spcFirstLastPara="1" wrap="square" lIns="91425" tIns="91425" rIns="91425" bIns="91425" anchor="ctr" anchorCtr="0">
-            <a:noAutofit/>
-          </a:bodyPr>
-          <a:lstStyle/>
-          <a:p>
-            <a:pPr marL="0" lvl="0" indent="0" algn="ctr" rtl="0">
-              <a:spcBef>
-                <a:spcPts val="0"/>
-              </a:spcBef>
-              <a:spcAft>
-                <a:spcPts val="0"/>
-              </a:spcAft>
-              <a:buNone/>
-            </a:pPr>
-            <a:r>
-              <a:rPr lang="en"/>
-              <a:t>What is STEM?</a:t>
-            </a:r>
-            <a:endParaRPr/>
-          </a:p>
-        </p:txBody>
-      </p:sp>
-    </p:spTree>
-  </p:cSld>
-  <p:clrMapOvr>
-    <a:masterClrMapping/>
-  </p:clrMapOvr>
-</p:sld>
-</file>
-
-<file path=ppt/slides/slide20.xml><?xml version="1.0" encoding="utf-8"?>
+<file path=ppt/slides/slide15.xml><?xml version="1.0" encoding="utf-8"?>
 <p:sld xmlns:a="http://schemas.openxmlformats.org/drawingml/2006/main" xmlns:r="http://schemas.openxmlformats.org/officeDocument/2006/relationships" xmlns:p="http://schemas.openxmlformats.org/presentationml/2006/main">
   <p:cSld>
     <p:spTree>
@@ -12865,116 +10667,7 @@
 </p:sld>
 </file>
 
-<file path=ppt/slides/slide21.xml><?xml version="1.0" encoding="utf-8"?>
-<p:sld xmlns:a="http://schemas.openxmlformats.org/drawingml/2006/main" xmlns:r="http://schemas.openxmlformats.org/officeDocument/2006/relationships" xmlns:p="http://schemas.openxmlformats.org/presentationml/2006/main" show="0">
-  <p:cSld>
-    <p:spTree>
-      <p:nvGrpSpPr>
-        <p:cNvPr id="1" name="Shape 178"/>
-        <p:cNvGrpSpPr/>
-        <p:nvPr/>
-      </p:nvGrpSpPr>
-      <p:grpSpPr>
-        <a:xfrm>
-          <a:off x="0" y="0"/>
-          <a:ext cx="0" cy="0"/>
-          <a:chOff x="0" y="0"/>
-          <a:chExt cx="0" cy="0"/>
-        </a:xfrm>
-      </p:grpSpPr>
-      <p:sp>
-        <p:nvSpPr>
-          <p:cNvPr id="179" name="Google Shape;179;p32"/>
-          <p:cNvSpPr txBox="1">
-            <a:spLocks noGrp="1"/>
-          </p:cNvSpPr>
-          <p:nvPr>
-            <p:ph type="title"/>
-          </p:nvPr>
-        </p:nvSpPr>
-        <p:spPr>
-          <a:xfrm>
-            <a:off x="311700" y="445025"/>
-            <a:ext cx="8520600" cy="572700"/>
-          </a:xfrm>
-          <a:prstGeom prst="rect">
-            <a:avLst/>
-          </a:prstGeom>
-        </p:spPr>
-        <p:txBody>
-          <a:bodyPr spcFirstLastPara="1" wrap="square" lIns="91425" tIns="91425" rIns="91425" bIns="91425" anchor="t" anchorCtr="0">
-            <a:noAutofit/>
-          </a:bodyPr>
-          <a:lstStyle/>
-          <a:p>
-            <a:pPr marL="0" lvl="0" indent="0" algn="ctr" rtl="0">
-              <a:spcBef>
-                <a:spcPts val="0"/>
-              </a:spcBef>
-              <a:spcAft>
-                <a:spcPts val="0"/>
-              </a:spcAft>
-              <a:buNone/>
-            </a:pPr>
-            <a:r>
-              <a:rPr lang="en"/>
-              <a:t>Final Test Result Output Explanation</a:t>
-            </a:r>
-            <a:endParaRPr/>
-          </a:p>
-        </p:txBody>
-      </p:sp>
-      <p:sp>
-        <p:nvSpPr>
-          <p:cNvPr id="180" name="Google Shape;180;p32"/>
-          <p:cNvSpPr txBox="1">
-            <a:spLocks noGrp="1"/>
-          </p:cNvSpPr>
-          <p:nvPr>
-            <p:ph type="body" idx="1"/>
-          </p:nvPr>
-        </p:nvSpPr>
-        <p:spPr>
-          <a:xfrm>
-            <a:off x="311700" y="1152475"/>
-            <a:ext cx="8520600" cy="3416400"/>
-          </a:xfrm>
-          <a:prstGeom prst="rect">
-            <a:avLst/>
-          </a:prstGeom>
-        </p:spPr>
-        <p:txBody>
-          <a:bodyPr spcFirstLastPara="1" wrap="square" lIns="91425" tIns="91425" rIns="91425" bIns="91425" anchor="t" anchorCtr="0">
-            <a:noAutofit/>
-          </a:bodyPr>
-          <a:lstStyle/>
-          <a:p>
-            <a:pPr marL="0" lvl="0" indent="0" algn="l" rtl="0">
-              <a:spcBef>
-                <a:spcPts val="0"/>
-              </a:spcBef>
-              <a:spcAft>
-                <a:spcPts val="1600"/>
-              </a:spcAft>
-              <a:buNone/>
-            </a:pPr>
-            <a:r>
-              <a:rPr lang="en" dirty="0"/>
-              <a:t>The cleaned up test result report was incorrect because of the nature of how the script was executing. Unfortunately, we were not able to find a good way to sort them by the methods, so we ended up sorting the test case results in ascending order by their respective ID. The report is grouped by the method name due to how the test cases are grouped within their folder. If new test cases were added, it wouldn’t necessarily mean the test cases would be grouped by method name. </a:t>
-            </a:r>
-            <a:endParaRPr dirty="0"/>
-          </a:p>
-        </p:txBody>
-      </p:sp>
-    </p:spTree>
-  </p:cSld>
-  <p:clrMapOvr>
-    <a:masterClrMapping/>
-  </p:clrMapOvr>
-</p:sld>
-</file>
-
-<file path=ppt/slides/slide22.xml><?xml version="1.0" encoding="utf-8"?>
+<file path=ppt/slides/slide16.xml><?xml version="1.0" encoding="utf-8"?>
 <p:sld xmlns:a="http://schemas.openxmlformats.org/drawingml/2006/main" xmlns:r="http://schemas.openxmlformats.org/officeDocument/2006/relationships" xmlns:p="http://schemas.openxmlformats.org/presentationml/2006/main">
   <p:cSld>
     <p:spTree>
@@ -13097,7 +10790,7 @@
 </p:sld>
 </file>
 
-<file path=ppt/slides/slide23.xml><?xml version="1.0" encoding="utf-8"?>
+<file path=ppt/slides/slide17.xml><?xml version="1.0" encoding="utf-8"?>
 <p:sld xmlns:a="http://schemas.openxmlformats.org/drawingml/2006/main" xmlns:r="http://schemas.openxmlformats.org/officeDocument/2006/relationships" xmlns:p="http://schemas.openxmlformats.org/presentationml/2006/main">
   <p:cSld>
     <p:spTree>
@@ -13277,7 +10970,7 @@
 </p:sld>
 </file>
 
-<file path=ppt/slides/slide24.xml><?xml version="1.0" encoding="utf-8"?>
+<file path=ppt/slides/slide18.xml><?xml version="1.0" encoding="utf-8"?>
 <p:sld xmlns:a="http://schemas.openxmlformats.org/drawingml/2006/main" xmlns:r="http://schemas.openxmlformats.org/officeDocument/2006/relationships" xmlns:p="http://schemas.openxmlformats.org/presentationml/2006/main">
   <p:cSld>
     <p:spTree>
@@ -13344,155 +11037,7 @@
 </p:sld>
 </file>
 
-<file path=ppt/slides/slide25.xml><?xml version="1.0" encoding="utf-8"?>
-<p:sld xmlns:a="http://schemas.openxmlformats.org/drawingml/2006/main" xmlns:r="http://schemas.openxmlformats.org/officeDocument/2006/relationships" xmlns:p="http://schemas.openxmlformats.org/presentationml/2006/main" show="0">
-  <p:cSld>
-    <p:spTree>
-      <p:nvGrpSpPr>
-        <p:cNvPr id="1" name="Shape 208"/>
-        <p:cNvGrpSpPr/>
-        <p:nvPr/>
-      </p:nvGrpSpPr>
-      <p:grpSpPr>
-        <a:xfrm>
-          <a:off x="0" y="0"/>
-          <a:ext cx="0" cy="0"/>
-          <a:chOff x="0" y="0"/>
-          <a:chExt cx="0" cy="0"/>
-        </a:xfrm>
-      </p:grpSpPr>
-      <p:sp>
-        <p:nvSpPr>
-          <p:cNvPr id="209" name="Google Shape;209;p37"/>
-          <p:cNvSpPr txBox="1">
-            <a:spLocks noGrp="1"/>
-          </p:cNvSpPr>
-          <p:nvPr>
-            <p:ph type="title"/>
-          </p:nvPr>
-        </p:nvSpPr>
-        <p:spPr>
-          <a:xfrm>
-            <a:off x="311700" y="445025"/>
-            <a:ext cx="8520600" cy="572700"/>
-          </a:xfrm>
-          <a:prstGeom prst="rect">
-            <a:avLst/>
-          </a:prstGeom>
-        </p:spPr>
-        <p:txBody>
-          <a:bodyPr spcFirstLastPara="1" wrap="square" lIns="91425" tIns="91425" rIns="91425" bIns="91425" anchor="t" anchorCtr="0">
-            <a:noAutofit/>
-          </a:bodyPr>
-          <a:lstStyle/>
-          <a:p>
-            <a:pPr marL="0" lvl="0" indent="0" algn="ctr" rtl="0">
-              <a:spcBef>
-                <a:spcPts val="0"/>
-              </a:spcBef>
-              <a:spcAft>
-                <a:spcPts val="0"/>
-              </a:spcAft>
-              <a:buNone/>
-            </a:pPr>
-            <a:r>
-              <a:rPr lang="en"/>
-              <a:t>Faults</a:t>
-            </a:r>
-            <a:endParaRPr/>
-          </a:p>
-        </p:txBody>
-      </p:sp>
-      <p:sp>
-        <p:nvSpPr>
-          <p:cNvPr id="210" name="Google Shape;210;p37"/>
-          <p:cNvSpPr txBox="1">
-            <a:spLocks noGrp="1"/>
-          </p:cNvSpPr>
-          <p:nvPr>
-            <p:ph type="body" idx="1"/>
-          </p:nvPr>
-        </p:nvSpPr>
-        <p:spPr>
-          <a:xfrm>
-            <a:off x="311700" y="1152475"/>
-            <a:ext cx="8520600" cy="3416400"/>
-          </a:xfrm>
-          <a:prstGeom prst="rect">
-            <a:avLst/>
-          </a:prstGeom>
-        </p:spPr>
-        <p:txBody>
-          <a:bodyPr spcFirstLastPara="1" wrap="square" lIns="91425" tIns="91425" rIns="91425" bIns="91425" anchor="t" anchorCtr="0">
-            <a:noAutofit/>
-          </a:bodyPr>
-          <a:lstStyle/>
-          <a:p>
-            <a:pPr marL="0" lvl="0" indent="0" algn="l" rtl="0">
-              <a:lnSpc>
-                <a:spcPct val="200000"/>
-              </a:lnSpc>
-              <a:spcBef>
-                <a:spcPts val="0"/>
-              </a:spcBef>
-              <a:spcAft>
-                <a:spcPts val="0"/>
-              </a:spcAft>
-              <a:buNone/>
-            </a:pPr>
-            <a:r>
-              <a:rPr lang="en" sz="1200" dirty="0">
-                <a:solidFill>
-                  <a:srgbClr val="FFFFFF"/>
-                </a:solidFill>
-                <a:latin typeface="Times New Roman"/>
-                <a:ea typeface="Times New Roman"/>
-                <a:cs typeface="Times New Roman"/>
-                <a:sym typeface="Times New Roman"/>
-              </a:rPr>
-              <a:t>We scrutinized the methods to come up with realistic mistakes/faults that someone could possibly make during implementation. We used a boolean variable to implement the faults, so that if it is set to true, then the faulted code will execute, otherwise, the original code will execute. </a:t>
-            </a:r>
-            <a:endParaRPr dirty="0">
-              <a:solidFill>
-                <a:srgbClr val="FFFFFF"/>
-              </a:solidFill>
-            </a:endParaRPr>
-          </a:p>
-          <a:p>
-            <a:pPr marL="0" lvl="0" indent="0" algn="l" rtl="0">
-              <a:spcBef>
-                <a:spcPts val="0"/>
-              </a:spcBef>
-              <a:spcAft>
-                <a:spcPts val="0"/>
-              </a:spcAft>
-              <a:buNone/>
-            </a:pPr>
-            <a:endParaRPr dirty="0"/>
-          </a:p>
-          <a:p>
-            <a:pPr marL="0" lvl="0" indent="0" algn="l" rtl="0">
-              <a:spcBef>
-                <a:spcPts val="1600"/>
-              </a:spcBef>
-              <a:spcAft>
-                <a:spcPts val="1600"/>
-              </a:spcAft>
-              <a:buNone/>
-            </a:pPr>
-            <a:endParaRPr dirty="0"/>
-          </a:p>
-        </p:txBody>
-      </p:sp>
-    </p:spTree>
-  </p:cSld>
-  <p:clrMapOvr>
-    <a:masterClrMapping/>
-  </p:clrMapOvr>
-</p:sld>
-</file>
-
-<file path=ppt/slides/slide26.xml><?xml version="1.0" encoding="utf-8"?>
+<file path=ppt/slides/slide19.xml><?xml version="1.0" encoding="utf-8"?>
 <p:sld xmlns:a="http://schemas.openxmlformats.org/drawingml/2006/main" xmlns:r="http://schemas.openxmlformats.org/officeDocument/2006/relationships" xmlns:p="http://schemas.openxmlformats.org/presentationml/2006/main">
   <p:cSld>
     <p:spTree>
@@ -13587,12 +11132,12 @@
 </p:sld>
 </file>
 
-<file path=ppt/slides/slide27.xml><?xml version="1.0" encoding="utf-8"?>
-<p:sld xmlns:a="http://schemas.openxmlformats.org/drawingml/2006/main" xmlns:r="http://schemas.openxmlformats.org/officeDocument/2006/relationships" xmlns:p="http://schemas.openxmlformats.org/presentationml/2006/main" show="0">
+<file path=ppt/slides/slide2.xml><?xml version="1.0" encoding="utf-8"?>
+<p:sld xmlns:a="http://schemas.openxmlformats.org/drawingml/2006/main" xmlns:r="http://schemas.openxmlformats.org/officeDocument/2006/relationships" xmlns:p="http://schemas.openxmlformats.org/presentationml/2006/main">
   <p:cSld>
     <p:spTree>
       <p:nvGrpSpPr>
-        <p:cNvPr id="1" name="Shape 220"/>
+        <p:cNvPr id="1" name="Shape 64"/>
         <p:cNvGrpSpPr/>
         <p:nvPr/>
       </p:nvGrpSpPr>
@@ -13606,7 +11151,7 @@
       </p:grpSpPr>
       <p:sp>
         <p:nvSpPr>
-          <p:cNvPr id="221" name="Google Shape;221;p39"/>
+          <p:cNvPr id="65" name="Google Shape;65;p14"/>
           <p:cNvSpPr txBox="1">
             <a:spLocks noGrp="1"/>
           </p:cNvSpPr>
@@ -13616,15 +11161,15 @@
         </p:nvSpPr>
         <p:spPr>
           <a:xfrm>
-            <a:off x="311700" y="555600"/>
-            <a:ext cx="2808000" cy="755700"/>
+            <a:off x="671250" y="2141250"/>
+            <a:ext cx="7852200" cy="861000"/>
           </a:xfrm>
           <a:prstGeom prst="rect">
             <a:avLst/>
           </a:prstGeom>
         </p:spPr>
         <p:txBody>
-          <a:bodyPr spcFirstLastPara="1" wrap="square" lIns="91425" tIns="91425" rIns="91425" bIns="91425" anchor="b" anchorCtr="0">
+          <a:bodyPr spcFirstLastPara="1" wrap="square" lIns="91425" tIns="91425" rIns="91425" bIns="91425" anchor="ctr" anchorCtr="0">
             <a:noAutofit/>
           </a:bodyPr>
           <a:lstStyle/>
@@ -13640,97 +11185,12 @@
             </a:pPr>
             <a:r>
               <a:rPr lang="en"/>
-              <a:t>lnFactorial()</a:t>
+              <a:t>What is STEM?</a:t>
             </a:r>
             <a:endParaRPr/>
           </a:p>
         </p:txBody>
       </p:sp>
-      <p:sp>
-        <p:nvSpPr>
-          <p:cNvPr id="222" name="Google Shape;222;p39"/>
-          <p:cNvSpPr txBox="1">
-            <a:spLocks noGrp="1"/>
-          </p:cNvSpPr>
-          <p:nvPr>
-            <p:ph type="body" idx="1"/>
-          </p:nvPr>
-        </p:nvSpPr>
-        <p:spPr>
-          <a:xfrm>
-            <a:off x="311700" y="1389600"/>
-            <a:ext cx="2808000" cy="3179400"/>
-          </a:xfrm>
-          <a:prstGeom prst="rect">
-            <a:avLst/>
-          </a:prstGeom>
-        </p:spPr>
-        <p:txBody>
-          <a:bodyPr spcFirstLastPara="1" wrap="square" lIns="91425" tIns="91425" rIns="91425" bIns="91425" anchor="t" anchorCtr="0">
-            <a:noAutofit/>
-          </a:bodyPr>
-          <a:lstStyle/>
-          <a:p>
-            <a:pPr marL="0" lvl="0" indent="0" algn="l" rtl="0">
-              <a:lnSpc>
-                <a:spcPct val="200000"/>
-              </a:lnSpc>
-              <a:spcBef>
-                <a:spcPts val="0"/>
-              </a:spcBef>
-              <a:spcAft>
-                <a:spcPts val="0"/>
-              </a:spcAft>
-              <a:buNone/>
-            </a:pPr>
-            <a:r>
-              <a:rPr lang="en" dirty="0">
-                <a:solidFill>
-                  <a:srgbClr val="FFFFFF"/>
-                </a:solidFill>
-                <a:latin typeface="Times New Roman"/>
-                <a:ea typeface="Times New Roman"/>
-                <a:cs typeface="Times New Roman"/>
-                <a:sym typeface="Times New Roman"/>
-              </a:rPr>
-              <a:t>For this fault, we changed how many times the for loop would iterate for computing the log(n!). We thought it might be possible for someone to make a mistake and set the for loop to run retVal times, instead of n times. This passed three test cases, and failed two. It passed the test cases where the value passed in as input was -5, 0, and 1. </a:t>
-            </a:r>
-            <a:endParaRPr dirty="0">
-              <a:solidFill>
-                <a:srgbClr val="FFFFFF"/>
-              </a:solidFill>
-            </a:endParaRPr>
-          </a:p>
-        </p:txBody>
-      </p:sp>
-      <p:pic>
-        <p:nvPicPr>
-          <p:cNvPr id="223" name="Google Shape;223;p39"/>
-          <p:cNvPicPr preferRelativeResize="0"/>
-          <p:nvPr/>
-        </p:nvPicPr>
-        <p:blipFill>
-          <a:blip r:embed="rId3">
-            <a:alphaModFix/>
-          </a:blip>
-          <a:stretch>
-            <a:fillRect/>
-          </a:stretch>
-        </p:blipFill>
-        <p:spPr>
-          <a:xfrm>
-            <a:off x="4812700" y="1190850"/>
-            <a:ext cx="3362325" cy="3076575"/>
-          </a:xfrm>
-          <a:prstGeom prst="rect">
-            <a:avLst/>
-          </a:prstGeom>
-          <a:noFill/>
-          <a:ln>
-            <a:noFill/>
-          </a:ln>
-        </p:spPr>
-      </p:pic>
     </p:spTree>
   </p:cSld>
   <p:clrMapOvr>
@@ -13739,7 +11199,7 @@
 </p:sld>
 </file>
 
-<file path=ppt/slides/slide28.xml><?xml version="1.0" encoding="utf-8"?>
+<file path=ppt/slides/slide20.xml><?xml version="1.0" encoding="utf-8"?>
 <p:sld xmlns:a="http://schemas.openxmlformats.org/drawingml/2006/main" xmlns:r="http://schemas.openxmlformats.org/officeDocument/2006/relationships" xmlns:p="http://schemas.openxmlformats.org/presentationml/2006/main">
   <p:cSld>
     <p:spTree>
@@ -13834,315 +11294,7 @@
 </p:sld>
 </file>
 
-<file path=ppt/slides/slide29.xml><?xml version="1.0" encoding="utf-8"?>
-<p:sld xmlns:a="http://schemas.openxmlformats.org/drawingml/2006/main" xmlns:r="http://schemas.openxmlformats.org/officeDocument/2006/relationships" xmlns:p="http://schemas.openxmlformats.org/presentationml/2006/main" show="0">
-  <p:cSld>
-    <p:spTree>
-      <p:nvGrpSpPr>
-        <p:cNvPr id="1" name="Shape 233"/>
-        <p:cNvGrpSpPr/>
-        <p:nvPr/>
-      </p:nvGrpSpPr>
-      <p:grpSpPr>
-        <a:xfrm>
-          <a:off x="0" y="0"/>
-          <a:ext cx="0" cy="0"/>
-          <a:chOff x="0" y="0"/>
-          <a:chExt cx="0" cy="0"/>
-        </a:xfrm>
-      </p:grpSpPr>
-      <p:sp>
-        <p:nvSpPr>
-          <p:cNvPr id="234" name="Google Shape;234;p41"/>
-          <p:cNvSpPr txBox="1">
-            <a:spLocks noGrp="1"/>
-          </p:cNvSpPr>
-          <p:nvPr>
-            <p:ph type="title"/>
-          </p:nvPr>
-        </p:nvSpPr>
-        <p:spPr>
-          <a:xfrm>
-            <a:off x="311700" y="555600"/>
-            <a:ext cx="2808000" cy="755700"/>
-          </a:xfrm>
-          <a:prstGeom prst="rect">
-            <a:avLst/>
-          </a:prstGeom>
-        </p:spPr>
-        <p:txBody>
-          <a:bodyPr spcFirstLastPara="1" wrap="square" lIns="91425" tIns="91425" rIns="91425" bIns="91425" anchor="b" anchorCtr="0">
-            <a:noAutofit/>
-          </a:bodyPr>
-          <a:lstStyle/>
-          <a:p>
-            <a:pPr marL="0" lvl="0" indent="0" algn="ctr" rtl="0">
-              <a:spcBef>
-                <a:spcPts val="0"/>
-              </a:spcBef>
-              <a:spcAft>
-                <a:spcPts val="0"/>
-              </a:spcAft>
-              <a:buNone/>
-            </a:pPr>
-            <a:r>
-              <a:rPr lang="en"/>
-              <a:t>calculateSlope()</a:t>
-            </a:r>
-            <a:endParaRPr/>
-          </a:p>
-        </p:txBody>
-      </p:sp>
-      <p:sp>
-        <p:nvSpPr>
-          <p:cNvPr id="235" name="Google Shape;235;p41"/>
-          <p:cNvSpPr txBox="1">
-            <a:spLocks noGrp="1"/>
-          </p:cNvSpPr>
-          <p:nvPr>
-            <p:ph type="body" idx="1"/>
-          </p:nvPr>
-        </p:nvSpPr>
-        <p:spPr>
-          <a:xfrm>
-            <a:off x="311700" y="1389600"/>
-            <a:ext cx="2808000" cy="3179400"/>
-          </a:xfrm>
-          <a:prstGeom prst="rect">
-            <a:avLst/>
-          </a:prstGeom>
-        </p:spPr>
-        <p:txBody>
-          <a:bodyPr spcFirstLastPara="1" wrap="square" lIns="91425" tIns="91425" rIns="91425" bIns="91425" anchor="t" anchorCtr="0">
-            <a:noAutofit/>
-          </a:bodyPr>
-          <a:lstStyle/>
-          <a:p>
-            <a:pPr marL="0" lvl="0" indent="0" algn="l" rtl="0">
-              <a:lnSpc>
-                <a:spcPct val="200000"/>
-              </a:lnSpc>
-              <a:spcBef>
-                <a:spcPts val="0"/>
-              </a:spcBef>
-              <a:spcAft>
-                <a:spcPts val="0"/>
-              </a:spcAft>
-              <a:buNone/>
-            </a:pPr>
-            <a:r>
-              <a:rPr lang="en" dirty="0">
-                <a:solidFill>
-                  <a:srgbClr val="FFFFFF"/>
-                </a:solidFill>
-                <a:latin typeface="Times New Roman"/>
-                <a:ea typeface="Times New Roman"/>
-                <a:cs typeface="Times New Roman"/>
-                <a:sym typeface="Times New Roman"/>
-              </a:rPr>
-              <a:t>For this fault, we used subtraction where there was supposed to be addition. It failed all test cases. We could not think of a change that would result in some test cases passing. We had to decide on a fault that could be realistic, not break the code, but unfortunately fail all test cases.</a:t>
-            </a:r>
-            <a:endParaRPr dirty="0">
-              <a:solidFill>
-                <a:srgbClr val="FFFFFF"/>
-              </a:solidFill>
-              <a:latin typeface="Times New Roman"/>
-              <a:ea typeface="Times New Roman"/>
-              <a:cs typeface="Times New Roman"/>
-              <a:sym typeface="Times New Roman"/>
-            </a:endParaRPr>
-          </a:p>
-          <a:p>
-            <a:pPr marL="0" lvl="0" indent="0" algn="l" rtl="0">
-              <a:spcBef>
-                <a:spcPts val="0"/>
-              </a:spcBef>
-              <a:spcAft>
-                <a:spcPts val="1600"/>
-              </a:spcAft>
-              <a:buNone/>
-            </a:pPr>
-            <a:endParaRPr dirty="0"/>
-          </a:p>
-        </p:txBody>
-      </p:sp>
-      <p:pic>
-        <p:nvPicPr>
-          <p:cNvPr id="236" name="Google Shape;236;p41"/>
-          <p:cNvPicPr preferRelativeResize="0"/>
-          <p:nvPr/>
-        </p:nvPicPr>
-        <p:blipFill>
-          <a:blip r:embed="rId3">
-            <a:alphaModFix/>
-          </a:blip>
-          <a:stretch>
-            <a:fillRect/>
-          </a:stretch>
-        </p:blipFill>
-        <p:spPr>
-          <a:xfrm>
-            <a:off x="3964400" y="1697875"/>
-            <a:ext cx="4371975" cy="2495550"/>
-          </a:xfrm>
-          <a:prstGeom prst="rect">
-            <a:avLst/>
-          </a:prstGeom>
-          <a:noFill/>
-          <a:ln>
-            <a:noFill/>
-          </a:ln>
-        </p:spPr>
-      </p:pic>
-    </p:spTree>
-  </p:cSld>
-  <p:clrMapOvr>
-    <a:masterClrMapping/>
-  </p:clrMapOvr>
-</p:sld>
-</file>
-
-<file path=ppt/slides/slide3.xml><?xml version="1.0" encoding="utf-8"?>
-<p:sld xmlns:a="http://schemas.openxmlformats.org/drawingml/2006/main" xmlns:r="http://schemas.openxmlformats.org/officeDocument/2006/relationships" xmlns:p="http://schemas.openxmlformats.org/presentationml/2006/main" show="0">
-  <p:cSld>
-    <p:spTree>
-      <p:nvGrpSpPr>
-        <p:cNvPr id="1" name="Shape 69"/>
-        <p:cNvGrpSpPr/>
-        <p:nvPr/>
-      </p:nvGrpSpPr>
-      <p:grpSpPr>
-        <a:xfrm>
-          <a:off x="0" y="0"/>
-          <a:ext cx="0" cy="0"/>
-          <a:chOff x="0" y="0"/>
-          <a:chExt cx="0" cy="0"/>
-        </a:xfrm>
-      </p:grpSpPr>
-      <p:sp>
-        <p:nvSpPr>
-          <p:cNvPr id="70" name="Google Shape;70;p15"/>
-          <p:cNvSpPr txBox="1">
-            <a:spLocks noGrp="1"/>
-          </p:cNvSpPr>
-          <p:nvPr>
-            <p:ph type="title"/>
-          </p:nvPr>
-        </p:nvSpPr>
-        <p:spPr>
-          <a:xfrm>
-            <a:off x="311700" y="454775"/>
-            <a:ext cx="8520600" cy="572700"/>
-          </a:xfrm>
-          <a:prstGeom prst="rect">
-            <a:avLst/>
-          </a:prstGeom>
-        </p:spPr>
-        <p:txBody>
-          <a:bodyPr spcFirstLastPara="1" wrap="square" lIns="91425" tIns="91425" rIns="91425" bIns="91425" anchor="t" anchorCtr="0">
-            <a:noAutofit/>
-          </a:bodyPr>
-          <a:lstStyle/>
-          <a:p>
-            <a:pPr marL="0" lvl="0" indent="0" algn="ctr" rtl="0">
-              <a:spcBef>
-                <a:spcPts val="0"/>
-              </a:spcBef>
-              <a:spcAft>
-                <a:spcPts val="0"/>
-              </a:spcAft>
-              <a:buNone/>
-            </a:pPr>
-            <a:r>
-              <a:rPr lang="en"/>
-              <a:t>What is STEM?</a:t>
-            </a:r>
-            <a:endParaRPr/>
-          </a:p>
-        </p:txBody>
-      </p:sp>
-      <p:sp>
-        <p:nvSpPr>
-          <p:cNvPr id="71" name="Google Shape;71;p15"/>
-          <p:cNvSpPr txBox="1">
-            <a:spLocks noGrp="1"/>
-          </p:cNvSpPr>
-          <p:nvPr>
-            <p:ph type="body" idx="1"/>
-          </p:nvPr>
-        </p:nvSpPr>
-        <p:spPr>
-          <a:xfrm>
-            <a:off x="311700" y="1152475"/>
-            <a:ext cx="8520600" cy="3416400"/>
-          </a:xfrm>
-          <a:prstGeom prst="rect">
-            <a:avLst/>
-          </a:prstGeom>
-        </p:spPr>
-        <p:txBody>
-          <a:bodyPr spcFirstLastPara="1" wrap="square" lIns="91425" tIns="91425" rIns="91425" bIns="91425" anchor="t" anchorCtr="0">
-            <a:noAutofit/>
-          </a:bodyPr>
-          <a:lstStyle/>
-          <a:p>
-            <a:pPr marL="0" lvl="0" indent="0" algn="l" rtl="0">
-              <a:lnSpc>
-                <a:spcPct val="200000"/>
-              </a:lnSpc>
-              <a:spcBef>
-                <a:spcPts val="0"/>
-              </a:spcBef>
-              <a:spcAft>
-                <a:spcPts val="0"/>
-              </a:spcAft>
-              <a:buNone/>
-            </a:pPr>
-            <a:r>
-              <a:rPr lang="en" sz="1200" dirty="0">
-                <a:solidFill>
-                  <a:schemeClr val="dk1"/>
-                </a:solidFill>
-                <a:latin typeface="Times New Roman"/>
-                <a:ea typeface="Times New Roman"/>
-                <a:cs typeface="Times New Roman"/>
-                <a:sym typeface="Times New Roman"/>
-              </a:rPr>
-              <a:t>The Spatio-temporal Epidemiological Modeler, or (STEM) for short is a graph based spatio-temporal simulation engine. It allows researchers to produce models on infectious diseases. Such models can provide a plethora of information. All of this data can assist scientists in learning more about specific diseases. Such pieces of information could include infection rates, potentially allowing for the ability to mitigate or even prevent infection. It addition, the STEM application allows for models to be made consisting of climate data.</a:t>
-            </a:r>
-            <a:endParaRPr sz="1200" dirty="0">
-              <a:solidFill>
-                <a:schemeClr val="dk1"/>
-              </a:solidFill>
-              <a:latin typeface="Times New Roman"/>
-              <a:ea typeface="Times New Roman"/>
-              <a:cs typeface="Times New Roman"/>
-              <a:sym typeface="Times New Roman"/>
-            </a:endParaRPr>
-          </a:p>
-          <a:p>
-            <a:pPr marL="0" lvl="0" indent="0" algn="l" rtl="0">
-              <a:spcBef>
-                <a:spcPts val="0"/>
-              </a:spcBef>
-              <a:spcAft>
-                <a:spcPts val="1600"/>
-              </a:spcAft>
-              <a:buNone/>
-            </a:pPr>
-            <a:endParaRPr dirty="0"/>
-          </a:p>
-        </p:txBody>
-      </p:sp>
-    </p:spTree>
-  </p:cSld>
-  <p:clrMapOvr>
-    <a:masterClrMapping/>
-  </p:clrMapOvr>
-</p:sld>
-</file>
-
-<file path=ppt/slides/slide30.xml><?xml version="1.0" encoding="utf-8"?>
+<file path=ppt/slides/slide21.xml><?xml version="1.0" encoding="utf-8"?>
 <p:sld xmlns:a="http://schemas.openxmlformats.org/drawingml/2006/main" xmlns:r="http://schemas.openxmlformats.org/officeDocument/2006/relationships" xmlns:p="http://schemas.openxmlformats.org/presentationml/2006/main">
   <p:cSld>
     <p:spTree>
@@ -14237,159 +11389,7 @@
 </p:sld>
 </file>
 
-<file path=ppt/slides/slide31.xml><?xml version="1.0" encoding="utf-8"?>
-<p:sld xmlns:a="http://schemas.openxmlformats.org/drawingml/2006/main" xmlns:r="http://schemas.openxmlformats.org/officeDocument/2006/relationships" xmlns:p="http://schemas.openxmlformats.org/presentationml/2006/main" show="0">
-  <p:cSld>
-    <p:spTree>
-      <p:nvGrpSpPr>
-        <p:cNvPr id="1" name="Shape 246"/>
-        <p:cNvGrpSpPr/>
-        <p:nvPr/>
-      </p:nvGrpSpPr>
-      <p:grpSpPr>
-        <a:xfrm>
-          <a:off x="0" y="0"/>
-          <a:ext cx="0" cy="0"/>
-          <a:chOff x="0" y="0"/>
-          <a:chExt cx="0" cy="0"/>
-        </a:xfrm>
-      </p:grpSpPr>
-      <p:sp>
-        <p:nvSpPr>
-          <p:cNvPr id="247" name="Google Shape;247;p43"/>
-          <p:cNvSpPr txBox="1">
-            <a:spLocks noGrp="1"/>
-          </p:cNvSpPr>
-          <p:nvPr>
-            <p:ph type="title"/>
-          </p:nvPr>
-        </p:nvSpPr>
-        <p:spPr>
-          <a:xfrm>
-            <a:off x="311700" y="555600"/>
-            <a:ext cx="2808000" cy="755700"/>
-          </a:xfrm>
-          <a:prstGeom prst="rect">
-            <a:avLst/>
-          </a:prstGeom>
-        </p:spPr>
-        <p:txBody>
-          <a:bodyPr spcFirstLastPara="1" wrap="square" lIns="91425" tIns="91425" rIns="91425" bIns="91425" anchor="b" anchorCtr="0">
-            <a:noAutofit/>
-          </a:bodyPr>
-          <a:lstStyle/>
-          <a:p>
-            <a:pPr marL="0" lvl="0" indent="0" algn="ctr" rtl="0">
-              <a:spcBef>
-                <a:spcPts val="0"/>
-              </a:spcBef>
-              <a:spcAft>
-                <a:spcPts val="0"/>
-              </a:spcAft>
-              <a:buNone/>
-            </a:pPr>
-            <a:r>
-              <a:rPr lang="en"/>
-              <a:t>compareTo()</a:t>
-            </a:r>
-            <a:endParaRPr/>
-          </a:p>
-        </p:txBody>
-      </p:sp>
-      <p:sp>
-        <p:nvSpPr>
-          <p:cNvPr id="248" name="Google Shape;248;p43"/>
-          <p:cNvSpPr txBox="1">
-            <a:spLocks noGrp="1"/>
-          </p:cNvSpPr>
-          <p:nvPr>
-            <p:ph type="body" idx="1"/>
-          </p:nvPr>
-        </p:nvSpPr>
-        <p:spPr>
-          <a:xfrm>
-            <a:off x="311700" y="1389600"/>
-            <a:ext cx="2808000" cy="3179400"/>
-          </a:xfrm>
-          <a:prstGeom prst="rect">
-            <a:avLst/>
-          </a:prstGeom>
-        </p:spPr>
-        <p:txBody>
-          <a:bodyPr spcFirstLastPara="1" wrap="square" lIns="91425" tIns="91425" rIns="91425" bIns="91425" anchor="t" anchorCtr="0">
-            <a:noAutofit/>
-          </a:bodyPr>
-          <a:lstStyle/>
-          <a:p>
-            <a:pPr marL="0" lvl="0" indent="0" algn="l" rtl="0">
-              <a:lnSpc>
-                <a:spcPct val="200000"/>
-              </a:lnSpc>
-              <a:spcBef>
-                <a:spcPts val="0"/>
-              </a:spcBef>
-              <a:spcAft>
-                <a:spcPts val="0"/>
-              </a:spcAft>
-              <a:buNone/>
-            </a:pPr>
-            <a:r>
-              <a:rPr lang="en" dirty="0">
-                <a:solidFill>
-                  <a:srgbClr val="FFFFFF"/>
-                </a:solidFill>
-                <a:latin typeface="Times New Roman"/>
-                <a:ea typeface="Times New Roman"/>
-                <a:cs typeface="Times New Roman"/>
-                <a:sym typeface="Times New Roman"/>
-              </a:rPr>
-              <a:t>Here we decided that it could be possible for someone to accidentally switch the proper return values for the conditionals. This failed all test cases besides one, where the input points were the same. </a:t>
-            </a:r>
-            <a:endParaRPr dirty="0">
-              <a:solidFill>
-                <a:srgbClr val="FFFFFF"/>
-              </a:solidFill>
-            </a:endParaRPr>
-          </a:p>
-        </p:txBody>
-      </p:sp>
-      <p:pic>
-        <p:nvPicPr>
-          <p:cNvPr id="249" name="Google Shape;249;p43"/>
-          <p:cNvPicPr preferRelativeResize="0"/>
-          <p:nvPr/>
-        </p:nvPicPr>
-        <p:blipFill>
-          <a:blip r:embed="rId3">
-            <a:alphaModFix/>
-          </a:blip>
-          <a:stretch>
-            <a:fillRect/>
-          </a:stretch>
-        </p:blipFill>
-        <p:spPr>
-          <a:xfrm>
-            <a:off x="3237975" y="2112300"/>
-            <a:ext cx="5719500" cy="2016490"/>
-          </a:xfrm>
-          <a:prstGeom prst="rect">
-            <a:avLst/>
-          </a:prstGeom>
-          <a:noFill/>
-          <a:ln>
-            <a:noFill/>
-          </a:ln>
-        </p:spPr>
-      </p:pic>
-    </p:spTree>
-  </p:cSld>
-  <p:clrMapOvr>
-    <a:masterClrMapping/>
-  </p:clrMapOvr>
-</p:sld>
-</file>
-
-<file path=ppt/slides/slide32.xml><?xml version="1.0" encoding="utf-8"?>
+<file path=ppt/slides/slide22.xml><?xml version="1.0" encoding="utf-8"?>
 <p:sld xmlns:a="http://schemas.openxmlformats.org/drawingml/2006/main" xmlns:r="http://schemas.openxmlformats.org/officeDocument/2006/relationships" xmlns:p="http://schemas.openxmlformats.org/presentationml/2006/main">
   <p:cSld>
     <p:spTree>
@@ -14484,159 +11484,7 @@
 </p:sld>
 </file>
 
-<file path=ppt/slides/slide33.xml><?xml version="1.0" encoding="utf-8"?>
-<p:sld xmlns:a="http://schemas.openxmlformats.org/drawingml/2006/main" xmlns:r="http://schemas.openxmlformats.org/officeDocument/2006/relationships" xmlns:p="http://schemas.openxmlformats.org/presentationml/2006/main" show="0">
-  <p:cSld>
-    <p:spTree>
-      <p:nvGrpSpPr>
-        <p:cNvPr id="1" name="Shape 259"/>
-        <p:cNvGrpSpPr/>
-        <p:nvPr/>
-      </p:nvGrpSpPr>
-      <p:grpSpPr>
-        <a:xfrm>
-          <a:off x="0" y="0"/>
-          <a:ext cx="0" cy="0"/>
-          <a:chOff x="0" y="0"/>
-          <a:chExt cx="0" cy="0"/>
-        </a:xfrm>
-      </p:grpSpPr>
-      <p:sp>
-        <p:nvSpPr>
-          <p:cNvPr id="260" name="Google Shape;260;p45"/>
-          <p:cNvSpPr txBox="1">
-            <a:spLocks noGrp="1"/>
-          </p:cNvSpPr>
-          <p:nvPr>
-            <p:ph type="title"/>
-          </p:nvPr>
-        </p:nvSpPr>
-        <p:spPr>
-          <a:xfrm>
-            <a:off x="311700" y="555600"/>
-            <a:ext cx="2808000" cy="755700"/>
-          </a:xfrm>
-          <a:prstGeom prst="rect">
-            <a:avLst/>
-          </a:prstGeom>
-        </p:spPr>
-        <p:txBody>
-          <a:bodyPr spcFirstLastPara="1" wrap="square" lIns="91425" tIns="91425" rIns="91425" bIns="91425" anchor="b" anchorCtr="0">
-            <a:noAutofit/>
-          </a:bodyPr>
-          <a:lstStyle/>
-          <a:p>
-            <a:pPr marL="0" lvl="0" indent="0" algn="ctr" rtl="0">
-              <a:spcBef>
-                <a:spcPts val="0"/>
-              </a:spcBef>
-              <a:spcAft>
-                <a:spcPts val="0"/>
-              </a:spcAft>
-              <a:buNone/>
-            </a:pPr>
-            <a:r>
-              <a:rPr lang="en"/>
-              <a:t>formatLatLngValue()</a:t>
-            </a:r>
-            <a:endParaRPr/>
-          </a:p>
-        </p:txBody>
-      </p:sp>
-      <p:sp>
-        <p:nvSpPr>
-          <p:cNvPr id="261" name="Google Shape;261;p45"/>
-          <p:cNvSpPr txBox="1">
-            <a:spLocks noGrp="1"/>
-          </p:cNvSpPr>
-          <p:nvPr>
-            <p:ph type="body" idx="1"/>
-          </p:nvPr>
-        </p:nvSpPr>
-        <p:spPr>
-          <a:xfrm>
-            <a:off x="311700" y="1389600"/>
-            <a:ext cx="2808000" cy="3179400"/>
-          </a:xfrm>
-          <a:prstGeom prst="rect">
-            <a:avLst/>
-          </a:prstGeom>
-        </p:spPr>
-        <p:txBody>
-          <a:bodyPr spcFirstLastPara="1" wrap="square" lIns="91425" tIns="91425" rIns="91425" bIns="91425" anchor="t" anchorCtr="0">
-            <a:noAutofit/>
-          </a:bodyPr>
-          <a:lstStyle/>
-          <a:p>
-            <a:pPr marL="0" lvl="0" indent="0" algn="l" rtl="0">
-              <a:lnSpc>
-                <a:spcPct val="200000"/>
-              </a:lnSpc>
-              <a:spcBef>
-                <a:spcPts val="0"/>
-              </a:spcBef>
-              <a:spcAft>
-                <a:spcPts val="0"/>
-              </a:spcAft>
-              <a:buNone/>
-            </a:pPr>
-            <a:r>
-              <a:rPr lang="en" dirty="0">
-                <a:solidFill>
-                  <a:srgbClr val="FFFFFF"/>
-                </a:solidFill>
-                <a:latin typeface="Times New Roman"/>
-                <a:ea typeface="Times New Roman"/>
-                <a:cs typeface="Times New Roman"/>
-                <a:sym typeface="Times New Roman"/>
-              </a:rPr>
-              <a:t>For this method, we could not think of something that would pass some of the test cases. We decided that someone could make a mistake when formatting the number of decimal places by computing the power as fracDigits * fracDigits, instead of taking 10^fracDigits.</a:t>
-            </a:r>
-            <a:endParaRPr dirty="0">
-              <a:solidFill>
-                <a:srgbClr val="FFFFFF"/>
-              </a:solidFill>
-            </a:endParaRPr>
-          </a:p>
-        </p:txBody>
-      </p:sp>
-      <p:pic>
-        <p:nvPicPr>
-          <p:cNvPr id="262" name="Google Shape;262;p45"/>
-          <p:cNvPicPr preferRelativeResize="0"/>
-          <p:nvPr/>
-        </p:nvPicPr>
-        <p:blipFill>
-          <a:blip r:embed="rId3">
-            <a:alphaModFix/>
-          </a:blip>
-          <a:stretch>
-            <a:fillRect/>
-          </a:stretch>
-        </p:blipFill>
-        <p:spPr>
-          <a:xfrm>
-            <a:off x="3345225" y="1254225"/>
-            <a:ext cx="5619750" cy="3190875"/>
-          </a:xfrm>
-          <a:prstGeom prst="rect">
-            <a:avLst/>
-          </a:prstGeom>
-          <a:noFill/>
-          <a:ln>
-            <a:noFill/>
-          </a:ln>
-        </p:spPr>
-      </p:pic>
-    </p:spTree>
-  </p:cSld>
-  <p:clrMapOvr>
-    <a:masterClrMapping/>
-  </p:clrMapOvr>
-</p:sld>
-</file>
-
-<file path=ppt/slides/slide34.xml><?xml version="1.0" encoding="utf-8"?>
+<file path=ppt/slides/slide23.xml><?xml version="1.0" encoding="utf-8"?>
 <p:sld xmlns:a="http://schemas.openxmlformats.org/drawingml/2006/main" xmlns:r="http://schemas.openxmlformats.org/officeDocument/2006/relationships" xmlns:p="http://schemas.openxmlformats.org/presentationml/2006/main">
   <p:cSld>
     <p:spTree>
@@ -14731,179 +11579,7 @@
 </p:sld>
 </file>
 
-<file path=ppt/slides/slide35.xml><?xml version="1.0" encoding="utf-8"?>
-<p:sld xmlns:a="http://schemas.openxmlformats.org/drawingml/2006/main" xmlns:r="http://schemas.openxmlformats.org/officeDocument/2006/relationships" xmlns:p="http://schemas.openxmlformats.org/presentationml/2006/main" show="0">
-  <p:cSld>
-    <p:spTree>
-      <p:nvGrpSpPr>
-        <p:cNvPr id="1" name="Shape 272"/>
-        <p:cNvGrpSpPr/>
-        <p:nvPr/>
-      </p:nvGrpSpPr>
-      <p:grpSpPr>
-        <a:xfrm>
-          <a:off x="0" y="0"/>
-          <a:ext cx="0" cy="0"/>
-          <a:chOff x="0" y="0"/>
-          <a:chExt cx="0" cy="0"/>
-        </a:xfrm>
-      </p:grpSpPr>
-      <p:sp>
-        <p:nvSpPr>
-          <p:cNvPr id="273" name="Google Shape;273;p47"/>
-          <p:cNvSpPr txBox="1">
-            <a:spLocks noGrp="1"/>
-          </p:cNvSpPr>
-          <p:nvPr>
-            <p:ph type="title"/>
-          </p:nvPr>
-        </p:nvSpPr>
-        <p:spPr>
-          <a:xfrm>
-            <a:off x="311700" y="345950"/>
-            <a:ext cx="2808000" cy="755700"/>
-          </a:xfrm>
-          <a:prstGeom prst="rect">
-            <a:avLst/>
-          </a:prstGeom>
-        </p:spPr>
-        <p:txBody>
-          <a:bodyPr spcFirstLastPara="1" wrap="square" lIns="91425" tIns="91425" rIns="91425" bIns="91425" anchor="b" anchorCtr="0">
-            <a:noAutofit/>
-          </a:bodyPr>
-          <a:lstStyle/>
-          <a:p>
-            <a:pPr marL="0" lvl="0" indent="0" algn="ctr" rtl="0">
-              <a:spcBef>
-                <a:spcPts val="0"/>
-              </a:spcBef>
-              <a:spcAft>
-                <a:spcPts val="0"/>
-              </a:spcAft>
-              <a:buNone/>
-            </a:pPr>
-            <a:r>
-              <a:rPr lang="en"/>
-              <a:t>getDistance()</a:t>
-            </a:r>
-            <a:endParaRPr/>
-          </a:p>
-        </p:txBody>
-      </p:sp>
-      <p:sp>
-        <p:nvSpPr>
-          <p:cNvPr id="274" name="Google Shape;274;p47"/>
-          <p:cNvSpPr txBox="1">
-            <a:spLocks noGrp="1"/>
-          </p:cNvSpPr>
-          <p:nvPr>
-            <p:ph type="body" idx="1"/>
-          </p:nvPr>
-        </p:nvSpPr>
-        <p:spPr>
-          <a:xfrm>
-            <a:off x="311700" y="908950"/>
-            <a:ext cx="2901900" cy="3022500"/>
-          </a:xfrm>
-          <a:prstGeom prst="rect">
-            <a:avLst/>
-          </a:prstGeom>
-        </p:spPr>
-        <p:txBody>
-          <a:bodyPr spcFirstLastPara="1" wrap="square" lIns="91425" tIns="91425" rIns="91425" bIns="91425" anchor="t" anchorCtr="0">
-            <a:noAutofit/>
-          </a:bodyPr>
-          <a:lstStyle/>
-          <a:p>
-            <a:pPr marL="0" lvl="0" indent="0" algn="l" rtl="0">
-              <a:lnSpc>
-                <a:spcPct val="200000"/>
-              </a:lnSpc>
-              <a:spcBef>
-                <a:spcPts val="0"/>
-              </a:spcBef>
-              <a:spcAft>
-                <a:spcPts val="0"/>
-              </a:spcAft>
-              <a:buNone/>
-            </a:pPr>
-            <a:r>
-              <a:rPr lang="en" dirty="0">
-                <a:solidFill>
-                  <a:srgbClr val="FFFFFF"/>
-                </a:solidFill>
-                <a:latin typeface="Times New Roman"/>
-                <a:ea typeface="Times New Roman"/>
-                <a:cs typeface="Times New Roman"/>
-                <a:sym typeface="Times New Roman"/>
-              </a:rPr>
-              <a:t>When considering what could go wrong with implementing the Euclidean distance formula, we thought that it might be realistic for someone to compute the ‘inside’ of the distance formula, and then after computing it return that value, instead of taking the square root of the computed value. This fault resulted in failing 3/5 of the test cases. The two test cases that passed were when the points were all the same, or they were all 0. </a:t>
-            </a:r>
-            <a:endParaRPr sz="1300" b="1" dirty="0">
-              <a:solidFill>
-                <a:srgbClr val="FFFFFF"/>
-              </a:solidFill>
-              <a:latin typeface="Times New Roman"/>
-              <a:ea typeface="Times New Roman"/>
-              <a:cs typeface="Times New Roman"/>
-              <a:sym typeface="Times New Roman"/>
-            </a:endParaRPr>
-          </a:p>
-          <a:p>
-            <a:pPr marL="0" lvl="0" indent="0" algn="l" rtl="0">
-              <a:spcBef>
-                <a:spcPts val="0"/>
-              </a:spcBef>
-              <a:spcAft>
-                <a:spcPts val="1600"/>
-              </a:spcAft>
-              <a:buNone/>
-            </a:pPr>
-            <a:endParaRPr dirty="0">
-              <a:solidFill>
-                <a:srgbClr val="FFFFFF"/>
-              </a:solidFill>
-            </a:endParaRPr>
-          </a:p>
-        </p:txBody>
-      </p:sp>
-      <p:pic>
-        <p:nvPicPr>
-          <p:cNvPr id="275" name="Google Shape;275;p47"/>
-          <p:cNvPicPr preferRelativeResize="0"/>
-          <p:nvPr/>
-        </p:nvPicPr>
-        <p:blipFill>
-          <a:blip r:embed="rId3">
-            <a:alphaModFix/>
-          </a:blip>
-          <a:stretch>
-            <a:fillRect/>
-          </a:stretch>
-        </p:blipFill>
-        <p:spPr>
-          <a:xfrm>
-            <a:off x="3213600" y="1649150"/>
-            <a:ext cx="5719500" cy="2282300"/>
-          </a:xfrm>
-          <a:prstGeom prst="rect">
-            <a:avLst/>
-          </a:prstGeom>
-          <a:noFill/>
-          <a:ln>
-            <a:noFill/>
-          </a:ln>
-        </p:spPr>
-      </p:pic>
-    </p:spTree>
-  </p:cSld>
-  <p:clrMapOvr>
-    <a:masterClrMapping/>
-  </p:clrMapOvr>
-</p:sld>
-</file>
-
-<file path=ppt/slides/slide36.xml><?xml version="1.0" encoding="utf-8"?>
+<file path=ppt/slides/slide24.xml><?xml version="1.0" encoding="utf-8"?>
 <p:sld xmlns:a="http://schemas.openxmlformats.org/drawingml/2006/main" xmlns:r="http://schemas.openxmlformats.org/officeDocument/2006/relationships" xmlns:p="http://schemas.openxmlformats.org/presentationml/2006/main">
   <p:cSld>
     <p:spTree>
@@ -14998,7 +11674,7 @@
 </p:sld>
 </file>
 
-<file path=ppt/slides/slide37.xml><?xml version="1.0" encoding="utf-8"?>
+<file path=ppt/slides/slide25.xml><?xml version="1.0" encoding="utf-8"?>
 <p:sld xmlns:a="http://schemas.openxmlformats.org/drawingml/2006/main" xmlns:r="http://schemas.openxmlformats.org/officeDocument/2006/relationships" xmlns:p="http://schemas.openxmlformats.org/presentationml/2006/main">
   <p:cSld>
     <p:spTree>
@@ -15065,131 +11741,7 @@
 </p:sld>
 </file>
 
-<file path=ppt/slides/slide38.xml><?xml version="1.0" encoding="utf-8"?>
-<p:sld xmlns:a="http://schemas.openxmlformats.org/drawingml/2006/main" xmlns:r="http://schemas.openxmlformats.org/officeDocument/2006/relationships" xmlns:p="http://schemas.openxmlformats.org/presentationml/2006/main" show="0">
-  <p:cSld>
-    <p:spTree>
-      <p:nvGrpSpPr>
-        <p:cNvPr id="1" name="Shape 290"/>
-        <p:cNvGrpSpPr/>
-        <p:nvPr/>
-      </p:nvGrpSpPr>
-      <p:grpSpPr>
-        <a:xfrm>
-          <a:off x="0" y="0"/>
-          <a:ext cx="0" cy="0"/>
-          <a:chOff x="0" y="0"/>
-          <a:chExt cx="0" cy="0"/>
-        </a:xfrm>
-      </p:grpSpPr>
-      <p:sp>
-        <p:nvSpPr>
-          <p:cNvPr id="291" name="Google Shape;291;p50"/>
-          <p:cNvSpPr txBox="1">
-            <a:spLocks noGrp="1"/>
-          </p:cNvSpPr>
-          <p:nvPr>
-            <p:ph type="title"/>
-          </p:nvPr>
-        </p:nvSpPr>
-        <p:spPr>
-          <a:xfrm>
-            <a:off x="311700" y="445025"/>
-            <a:ext cx="8520600" cy="572700"/>
-          </a:xfrm>
-          <a:prstGeom prst="rect">
-            <a:avLst/>
-          </a:prstGeom>
-        </p:spPr>
-        <p:txBody>
-          <a:bodyPr spcFirstLastPara="1" wrap="square" lIns="91425" tIns="91425" rIns="91425" bIns="91425" anchor="t" anchorCtr="0">
-            <a:noAutofit/>
-          </a:bodyPr>
-          <a:lstStyle/>
-          <a:p>
-            <a:pPr marL="0" lvl="0" indent="0" algn="ctr" rtl="0">
-              <a:spcBef>
-                <a:spcPts val="0"/>
-              </a:spcBef>
-              <a:spcAft>
-                <a:spcPts val="0"/>
-              </a:spcAft>
-              <a:buNone/>
-            </a:pPr>
-            <a:r>
-              <a:rPr lang="en"/>
-              <a:t>Reflections on Fault Injection</a:t>
-            </a:r>
-            <a:endParaRPr/>
-          </a:p>
-        </p:txBody>
-      </p:sp>
-      <p:sp>
-        <p:nvSpPr>
-          <p:cNvPr id="292" name="Google Shape;292;p50"/>
-          <p:cNvSpPr txBox="1">
-            <a:spLocks noGrp="1"/>
-          </p:cNvSpPr>
-          <p:nvPr>
-            <p:ph type="body" idx="1"/>
-          </p:nvPr>
-        </p:nvSpPr>
-        <p:spPr>
-          <a:xfrm>
-            <a:off x="311700" y="1152475"/>
-            <a:ext cx="8520600" cy="3416400"/>
-          </a:xfrm>
-          <a:prstGeom prst="rect">
-            <a:avLst/>
-          </a:prstGeom>
-        </p:spPr>
-        <p:txBody>
-          <a:bodyPr spcFirstLastPara="1" wrap="square" lIns="91425" tIns="91425" rIns="91425" bIns="91425" anchor="t" anchorCtr="0">
-            <a:noAutofit/>
-          </a:bodyPr>
-          <a:lstStyle/>
-          <a:p>
-            <a:pPr marL="0" lvl="0" indent="0" algn="l" rtl="0">
-              <a:lnSpc>
-                <a:spcPct val="200000"/>
-              </a:lnSpc>
-              <a:spcBef>
-                <a:spcPts val="0"/>
-              </a:spcBef>
-              <a:spcAft>
-                <a:spcPts val="0"/>
-              </a:spcAft>
-              <a:buNone/>
-            </a:pPr>
-            <a:r>
-              <a:rPr lang="en" sz="1200" dirty="0">
-                <a:solidFill>
-                  <a:srgbClr val="FFFFFF"/>
-                </a:solidFill>
-                <a:latin typeface="Times New Roman"/>
-                <a:ea typeface="Times New Roman"/>
-                <a:cs typeface="Times New Roman"/>
-                <a:sym typeface="Times New Roman"/>
-              </a:rPr>
-              <a:t>We found that it was crucial to fully test each method. Faults can exist that are not going to cause errors to be thrown but could cause the method to behave in a way that it is not supposed to. This project demonstrated the importance of double-checking things. Additionally, we learned how to implement test cases to catch potential logic errors. Subsequently shining a light on the idea that errors are not going to be caught by the compiler 100% of the time. Logic errors need to be found via exhaustive testing, or through additional human scrutinization of the code.</a:t>
-            </a:r>
-            <a:endParaRPr dirty="0">
-              <a:solidFill>
-                <a:srgbClr val="FFFFFF"/>
-              </a:solidFill>
-            </a:endParaRPr>
-          </a:p>
-        </p:txBody>
-      </p:sp>
-    </p:spTree>
-  </p:cSld>
-  <p:clrMapOvr>
-    <a:masterClrMapping/>
-  </p:clrMapOvr>
-</p:sld>
-</file>
-
-<file path=ppt/slides/slide39.xml><?xml version="1.0" encoding="utf-8"?>
+<file path=ppt/slides/slide26.xml><?xml version="1.0" encoding="utf-8"?>
 <p:sld xmlns:a="http://schemas.openxmlformats.org/drawingml/2006/main" xmlns:r="http://schemas.openxmlformats.org/officeDocument/2006/relationships" xmlns:p="http://schemas.openxmlformats.org/presentationml/2006/main">
   <p:cSld>
     <p:spTree>
@@ -15256,7 +11808,74 @@
 </p:sld>
 </file>
 
-<file path=ppt/slides/slide4.xml><?xml version="1.0" encoding="utf-8"?>
+<file path=ppt/slides/slide27.xml><?xml version="1.0" encoding="utf-8"?>
+<p:sld xmlns:a="http://schemas.openxmlformats.org/drawingml/2006/main" xmlns:r="http://schemas.openxmlformats.org/officeDocument/2006/relationships" xmlns:p="http://schemas.openxmlformats.org/presentationml/2006/main">
+  <p:cSld>
+    <p:spTree>
+      <p:nvGrpSpPr>
+        <p:cNvPr id="1" name="Shape 307"/>
+        <p:cNvGrpSpPr/>
+        <p:nvPr/>
+      </p:nvGrpSpPr>
+      <p:grpSpPr>
+        <a:xfrm>
+          <a:off x="0" y="0"/>
+          <a:ext cx="0" cy="0"/>
+          <a:chOff x="0" y="0"/>
+          <a:chExt cx="0" cy="0"/>
+        </a:xfrm>
+      </p:grpSpPr>
+      <p:sp>
+        <p:nvSpPr>
+          <p:cNvPr id="308" name="Google Shape;308;p53"/>
+          <p:cNvSpPr txBox="1">
+            <a:spLocks noGrp="1"/>
+          </p:cNvSpPr>
+          <p:nvPr>
+            <p:ph type="title"/>
+          </p:nvPr>
+        </p:nvSpPr>
+        <p:spPr>
+          <a:xfrm>
+            <a:off x="671250" y="2141250"/>
+            <a:ext cx="7852200" cy="861000"/>
+          </a:xfrm>
+          <a:prstGeom prst="rect">
+            <a:avLst/>
+          </a:prstGeom>
+        </p:spPr>
+        <p:txBody>
+          <a:bodyPr spcFirstLastPara="1" wrap="square" lIns="91425" tIns="91425" rIns="91425" bIns="91425" anchor="ctr" anchorCtr="0">
+            <a:noAutofit/>
+          </a:bodyPr>
+          <a:lstStyle/>
+          <a:p>
+            <a:pPr marL="0" lvl="0" indent="0" algn="ctr" rtl="0">
+              <a:spcBef>
+                <a:spcPts val="0"/>
+              </a:spcBef>
+              <a:spcAft>
+                <a:spcPts val="0"/>
+              </a:spcAft>
+              <a:buNone/>
+            </a:pPr>
+            <a:r>
+              <a:rPr lang="en"/>
+              <a:t>Questions? Comments?</a:t>
+            </a:r>
+            <a:endParaRPr/>
+          </a:p>
+        </p:txBody>
+      </p:sp>
+    </p:spTree>
+  </p:cSld>
+  <p:clrMapOvr>
+    <a:masterClrMapping/>
+  </p:clrMapOvr>
+</p:sld>
+</file>
+
+<file path=ppt/slides/slide3.xml><?xml version="1.0" encoding="utf-8"?>
 <p:sld xmlns:a="http://schemas.openxmlformats.org/drawingml/2006/main" xmlns:r="http://schemas.openxmlformats.org/officeDocument/2006/relationships" xmlns:p="http://schemas.openxmlformats.org/presentationml/2006/main">
   <p:cSld>
     <p:spTree>
@@ -15351,318 +11970,7 @@
 </p:sld>
 </file>
 
-<file path=ppt/slides/slide40.xml><?xml version="1.0" encoding="utf-8"?>
-<p:sld xmlns:a="http://schemas.openxmlformats.org/drawingml/2006/main" xmlns:r="http://schemas.openxmlformats.org/officeDocument/2006/relationships" xmlns:p="http://schemas.openxmlformats.org/presentationml/2006/main" show="0">
-  <p:cSld>
-    <p:spTree>
-      <p:nvGrpSpPr>
-        <p:cNvPr id="1" name="Shape 301"/>
-        <p:cNvGrpSpPr/>
-        <p:nvPr/>
-      </p:nvGrpSpPr>
-      <p:grpSpPr>
-        <a:xfrm>
-          <a:off x="0" y="0"/>
-          <a:ext cx="0" cy="0"/>
-          <a:chOff x="0" y="0"/>
-          <a:chExt cx="0" cy="0"/>
-        </a:xfrm>
-      </p:grpSpPr>
-      <p:sp>
-        <p:nvSpPr>
-          <p:cNvPr id="302" name="Google Shape;302;p52"/>
-          <p:cNvSpPr txBox="1">
-            <a:spLocks noGrp="1"/>
-          </p:cNvSpPr>
-          <p:nvPr>
-            <p:ph type="title"/>
-          </p:nvPr>
-        </p:nvSpPr>
-        <p:spPr>
-          <a:xfrm>
-            <a:off x="311700" y="445025"/>
-            <a:ext cx="8520600" cy="572700"/>
-          </a:xfrm>
-          <a:prstGeom prst="rect">
-            <a:avLst/>
-          </a:prstGeom>
-        </p:spPr>
-        <p:txBody>
-          <a:bodyPr spcFirstLastPara="1" wrap="square" lIns="91425" tIns="91425" rIns="91425" bIns="91425" anchor="t" anchorCtr="0">
-            <a:noAutofit/>
-          </a:bodyPr>
-          <a:lstStyle/>
-          <a:p>
-            <a:pPr marL="0" lvl="0" indent="0" algn="ctr" rtl="0">
-              <a:spcBef>
-                <a:spcPts val="0"/>
-              </a:spcBef>
-              <a:spcAft>
-                <a:spcPts val="0"/>
-              </a:spcAft>
-              <a:buNone/>
-            </a:pPr>
-            <a:r>
-              <a:rPr lang="en"/>
-              <a:t>Closing Thoughts</a:t>
-            </a:r>
-            <a:endParaRPr/>
-          </a:p>
-        </p:txBody>
-      </p:sp>
-      <p:sp>
-        <p:nvSpPr>
-          <p:cNvPr id="303" name="Google Shape;303;p52"/>
-          <p:cNvSpPr txBox="1">
-            <a:spLocks noGrp="1"/>
-          </p:cNvSpPr>
-          <p:nvPr>
-            <p:ph type="body" idx="1"/>
-          </p:nvPr>
-        </p:nvSpPr>
-        <p:spPr>
-          <a:xfrm>
-            <a:off x="311700" y="1152475"/>
-            <a:ext cx="8520600" cy="3416400"/>
-          </a:xfrm>
-          <a:prstGeom prst="rect">
-            <a:avLst/>
-          </a:prstGeom>
-        </p:spPr>
-        <p:txBody>
-          <a:bodyPr spcFirstLastPara="1" wrap="square" lIns="91425" tIns="91425" rIns="91425" bIns="91425" anchor="t" anchorCtr="0">
-            <a:noAutofit/>
-          </a:bodyPr>
-          <a:lstStyle/>
-          <a:p>
-            <a:pPr marL="0" lvl="0" indent="0" algn="l" rtl="0">
-              <a:lnSpc>
-                <a:spcPct val="200000"/>
-              </a:lnSpc>
-              <a:spcBef>
-                <a:spcPts val="0"/>
-              </a:spcBef>
-              <a:spcAft>
-                <a:spcPts val="0"/>
-              </a:spcAft>
-              <a:buNone/>
-            </a:pPr>
-            <a:r>
-              <a:rPr lang="en" sz="1200" dirty="0">
-                <a:solidFill>
-                  <a:srgbClr val="FFFFFF"/>
-                </a:solidFill>
-                <a:latin typeface="Times New Roman"/>
-                <a:ea typeface="Times New Roman"/>
-                <a:cs typeface="Times New Roman"/>
-                <a:sym typeface="Times New Roman"/>
-              </a:rPr>
-              <a:t>At the beginning of the semester, this project seemed insurmountable. Between the lack of experience with GitHub, scripts, and overall naivete, the prospect of tackling this project was daunting. In addition to the unfamiliar territory we were entering, our team consisted of a group of people who had no prior experience with each other. As was stressed again and again throughout the course, planning is everything. Planning requires communication, and overall team cohesion. So not only did this project introduce us to new aspects of computer science, we were also introduced to an environment in which we needed to adapt, and maintain proper communication in order to reach our milestones, and ultimately to deliver a successful project. Luckily, communication was not lacking. While we made several mistakes along the way, we were able to fix them, even though it took more than one try, due to all team members’ willingness to provide solutions and ideas to resolve problems. Every mistake was a team mistake, and every resolution was arrived at due to team effort. </a:t>
-            </a:r>
-            <a:endParaRPr dirty="0">
-              <a:solidFill>
-                <a:srgbClr val="FFFFFF"/>
-              </a:solidFill>
-            </a:endParaRPr>
-          </a:p>
-        </p:txBody>
-      </p:sp>
-    </p:spTree>
-  </p:cSld>
-  <p:clrMapOvr>
-    <a:masterClrMapping/>
-  </p:clrMapOvr>
-</p:sld>
-</file>
-
-<file path=ppt/slides/slide41.xml><?xml version="1.0" encoding="utf-8"?>
-<p:sld xmlns:a="http://schemas.openxmlformats.org/drawingml/2006/main" xmlns:r="http://schemas.openxmlformats.org/officeDocument/2006/relationships" xmlns:p="http://schemas.openxmlformats.org/presentationml/2006/main">
-  <p:cSld>
-    <p:spTree>
-      <p:nvGrpSpPr>
-        <p:cNvPr id="1" name="Shape 307"/>
-        <p:cNvGrpSpPr/>
-        <p:nvPr/>
-      </p:nvGrpSpPr>
-      <p:grpSpPr>
-        <a:xfrm>
-          <a:off x="0" y="0"/>
-          <a:ext cx="0" cy="0"/>
-          <a:chOff x="0" y="0"/>
-          <a:chExt cx="0" cy="0"/>
-        </a:xfrm>
-      </p:grpSpPr>
-      <p:sp>
-        <p:nvSpPr>
-          <p:cNvPr id="308" name="Google Shape;308;p53"/>
-          <p:cNvSpPr txBox="1">
-            <a:spLocks noGrp="1"/>
-          </p:cNvSpPr>
-          <p:nvPr>
-            <p:ph type="title"/>
-          </p:nvPr>
-        </p:nvSpPr>
-        <p:spPr>
-          <a:xfrm>
-            <a:off x="671250" y="2141250"/>
-            <a:ext cx="7852200" cy="861000"/>
-          </a:xfrm>
-          <a:prstGeom prst="rect">
-            <a:avLst/>
-          </a:prstGeom>
-        </p:spPr>
-        <p:txBody>
-          <a:bodyPr spcFirstLastPara="1" wrap="square" lIns="91425" tIns="91425" rIns="91425" bIns="91425" anchor="ctr" anchorCtr="0">
-            <a:noAutofit/>
-          </a:bodyPr>
-          <a:lstStyle/>
-          <a:p>
-            <a:pPr marL="0" lvl="0" indent="0" algn="ctr" rtl="0">
-              <a:spcBef>
-                <a:spcPts val="0"/>
-              </a:spcBef>
-              <a:spcAft>
-                <a:spcPts val="0"/>
-              </a:spcAft>
-              <a:buNone/>
-            </a:pPr>
-            <a:r>
-              <a:rPr lang="en"/>
-              <a:t>Questions? Comments?</a:t>
-            </a:r>
-            <a:endParaRPr/>
-          </a:p>
-        </p:txBody>
-      </p:sp>
-    </p:spTree>
-  </p:cSld>
-  <p:clrMapOvr>
-    <a:masterClrMapping/>
-  </p:clrMapOvr>
-</p:sld>
-</file>
-
-<file path=ppt/slides/slide5.xml><?xml version="1.0" encoding="utf-8"?>
-<p:sld xmlns:a="http://schemas.openxmlformats.org/drawingml/2006/main" xmlns:r="http://schemas.openxmlformats.org/officeDocument/2006/relationships" xmlns:p="http://schemas.openxmlformats.org/presentationml/2006/main" show="0">
-  <p:cSld>
-    <p:spTree>
-      <p:nvGrpSpPr>
-        <p:cNvPr id="1" name="Shape 81"/>
-        <p:cNvGrpSpPr/>
-        <p:nvPr/>
-      </p:nvGrpSpPr>
-      <p:grpSpPr>
-        <a:xfrm>
-          <a:off x="0" y="0"/>
-          <a:ext cx="0" cy="0"/>
-          <a:chOff x="0" y="0"/>
-          <a:chExt cx="0" cy="0"/>
-        </a:xfrm>
-      </p:grpSpPr>
-      <p:sp>
-        <p:nvSpPr>
-          <p:cNvPr id="82" name="Google Shape;82;p17"/>
-          <p:cNvSpPr txBox="1">
-            <a:spLocks noGrp="1"/>
-          </p:cNvSpPr>
-          <p:nvPr>
-            <p:ph type="title"/>
-          </p:nvPr>
-        </p:nvSpPr>
-        <p:spPr>
-          <a:xfrm>
-            <a:off x="311700" y="445025"/>
-            <a:ext cx="8520600" cy="572700"/>
-          </a:xfrm>
-          <a:prstGeom prst="rect">
-            <a:avLst/>
-          </a:prstGeom>
-        </p:spPr>
-        <p:txBody>
-          <a:bodyPr spcFirstLastPara="1" wrap="square" lIns="91425" tIns="91425" rIns="91425" bIns="91425" anchor="t" anchorCtr="0">
-            <a:noAutofit/>
-          </a:bodyPr>
-          <a:lstStyle/>
-          <a:p>
-            <a:pPr marL="0" lvl="0" indent="0" algn="ctr" rtl="0">
-              <a:spcBef>
-                <a:spcPts val="0"/>
-              </a:spcBef>
-              <a:spcAft>
-                <a:spcPts val="0"/>
-              </a:spcAft>
-              <a:buNone/>
-            </a:pPr>
-            <a:r>
-              <a:rPr lang="en"/>
-              <a:t>Why We Chose STEM</a:t>
-            </a:r>
-            <a:endParaRPr/>
-          </a:p>
-        </p:txBody>
-      </p:sp>
-      <p:sp>
-        <p:nvSpPr>
-          <p:cNvPr id="83" name="Google Shape;83;p17"/>
-          <p:cNvSpPr txBox="1">
-            <a:spLocks noGrp="1"/>
-          </p:cNvSpPr>
-          <p:nvPr>
-            <p:ph type="body" idx="1"/>
-          </p:nvPr>
-        </p:nvSpPr>
-        <p:spPr>
-          <a:xfrm>
-            <a:off x="311700" y="1152475"/>
-            <a:ext cx="8520600" cy="3416400"/>
-          </a:xfrm>
-          <a:prstGeom prst="rect">
-            <a:avLst/>
-          </a:prstGeom>
-        </p:spPr>
-        <p:txBody>
-          <a:bodyPr spcFirstLastPara="1" wrap="square" lIns="91425" tIns="91425" rIns="91425" bIns="91425" anchor="t" anchorCtr="0">
-            <a:noAutofit/>
-          </a:bodyPr>
-          <a:lstStyle/>
-          <a:p>
-            <a:pPr marL="0" lvl="0" indent="0" algn="l" rtl="0">
-              <a:lnSpc>
-                <a:spcPct val="200000"/>
-              </a:lnSpc>
-              <a:spcBef>
-                <a:spcPts val="0"/>
-              </a:spcBef>
-              <a:spcAft>
-                <a:spcPts val="0"/>
-              </a:spcAft>
-              <a:buNone/>
-            </a:pPr>
-            <a:r>
-              <a:rPr lang="en" sz="1200" dirty="0">
-                <a:solidFill>
-                  <a:schemeClr val="dk1"/>
-                </a:solidFill>
-                <a:latin typeface="Times New Roman"/>
-                <a:ea typeface="Times New Roman"/>
-                <a:cs typeface="Times New Roman"/>
-                <a:sym typeface="Times New Roman"/>
-              </a:rPr>
-              <a:t>We choose to work with the STEM application because of its extensive documentation. The provided documentation surrounded all aspects of the application, from building it, to constructing models. This solidified our choice in selecting this project. Additionally, the actual project itself is pretty interesting. </a:t>
-            </a:r>
-            <a:endParaRPr dirty="0"/>
-          </a:p>
-        </p:txBody>
-      </p:sp>
-    </p:spTree>
-  </p:cSld>
-  <p:clrMapOvr>
-    <a:masterClrMapping/>
-  </p:clrMapOvr>
-</p:sld>
-</file>
-
-<file path=ppt/slides/slide6.xml><?xml version="1.0" encoding="utf-8"?>
+<file path=ppt/slides/slide4.xml><?xml version="1.0" encoding="utf-8"?>
 <p:sld xmlns:a="http://schemas.openxmlformats.org/drawingml/2006/main" xmlns:r="http://schemas.openxmlformats.org/officeDocument/2006/relationships" xmlns:p="http://schemas.openxmlformats.org/presentationml/2006/main">
   <p:cSld>
     <p:spTree>
@@ -15729,186 +12037,7 @@
 </p:sld>
 </file>
 
-<file path=ppt/slides/slide7.xml><?xml version="1.0" encoding="utf-8"?>
-<p:sld xmlns:a="http://schemas.openxmlformats.org/drawingml/2006/main" xmlns:r="http://schemas.openxmlformats.org/officeDocument/2006/relationships" xmlns:p="http://schemas.openxmlformats.org/presentationml/2006/main" show="0">
-  <p:cSld>
-    <p:spTree>
-      <p:nvGrpSpPr>
-        <p:cNvPr id="1" name="Shape 92"/>
-        <p:cNvGrpSpPr/>
-        <p:nvPr/>
-      </p:nvGrpSpPr>
-      <p:grpSpPr>
-        <a:xfrm>
-          <a:off x="0" y="0"/>
-          <a:ext cx="0" cy="0"/>
-          <a:chOff x="0" y="0"/>
-          <a:chExt cx="0" cy="0"/>
-        </a:xfrm>
-      </p:grpSpPr>
-      <p:sp>
-        <p:nvSpPr>
-          <p:cNvPr id="93" name="Google Shape;93;p19"/>
-          <p:cNvSpPr txBox="1">
-            <a:spLocks noGrp="1"/>
-          </p:cNvSpPr>
-          <p:nvPr>
-            <p:ph type="title"/>
-          </p:nvPr>
-        </p:nvSpPr>
-        <p:spPr>
-          <a:xfrm>
-            <a:off x="311700" y="445025"/>
-            <a:ext cx="8520600" cy="572700"/>
-          </a:xfrm>
-          <a:prstGeom prst="rect">
-            <a:avLst/>
-          </a:prstGeom>
-        </p:spPr>
-        <p:txBody>
-          <a:bodyPr spcFirstLastPara="1" wrap="square" lIns="91425" tIns="91425" rIns="91425" bIns="91425" anchor="t" anchorCtr="0">
-            <a:noAutofit/>
-          </a:bodyPr>
-          <a:lstStyle/>
-          <a:p>
-            <a:pPr marL="0" lvl="0" indent="0" algn="ctr" rtl="0">
-              <a:spcBef>
-                <a:spcPts val="0"/>
-              </a:spcBef>
-              <a:spcAft>
-                <a:spcPts val="0"/>
-              </a:spcAft>
-              <a:buNone/>
-            </a:pPr>
-            <a:r>
-              <a:rPr lang="en"/>
-              <a:t>Method Selection</a:t>
-            </a:r>
-            <a:endParaRPr/>
-          </a:p>
-        </p:txBody>
-      </p:sp>
-      <p:sp>
-        <p:nvSpPr>
-          <p:cNvPr id="94" name="Google Shape;94;p19"/>
-          <p:cNvSpPr txBox="1">
-            <a:spLocks noGrp="1"/>
-          </p:cNvSpPr>
-          <p:nvPr>
-            <p:ph type="body" idx="1"/>
-          </p:nvPr>
-        </p:nvSpPr>
-        <p:spPr>
-          <a:xfrm>
-            <a:off x="311700" y="1152475"/>
-            <a:ext cx="8520600" cy="3416400"/>
-          </a:xfrm>
-          <a:prstGeom prst="rect">
-            <a:avLst/>
-          </a:prstGeom>
-        </p:spPr>
-        <p:txBody>
-          <a:bodyPr spcFirstLastPara="1" wrap="square" lIns="91425" tIns="91425" rIns="91425" bIns="91425" anchor="t" anchorCtr="0">
-            <a:noAutofit/>
-          </a:bodyPr>
-          <a:lstStyle/>
-          <a:p>
-            <a:pPr marL="0" lvl="0" indent="0" algn="l" rtl="0">
-              <a:lnSpc>
-                <a:spcPct val="200000"/>
-              </a:lnSpc>
-              <a:spcBef>
-                <a:spcPts val="0"/>
-              </a:spcBef>
-              <a:spcAft>
-                <a:spcPts val="0"/>
-              </a:spcAft>
-              <a:buNone/>
-            </a:pPr>
-            <a:r>
-              <a:rPr lang="en" sz="1200" dirty="0">
-                <a:solidFill>
-                  <a:schemeClr val="dk1"/>
-                </a:solidFill>
-                <a:latin typeface="Times New Roman"/>
-                <a:ea typeface="Times New Roman"/>
-                <a:cs typeface="Times New Roman"/>
-                <a:sym typeface="Times New Roman"/>
-              </a:rPr>
-              <a:t>The STEM engine manipulates data taken as input to produce spatio-temporal models. The program contains a plethora of mathematical functions that are needed to compute the related statistical values used for the modeling. Most of the methods that we were interested in testing were related to mathematical functions. </a:t>
-            </a:r>
-            <a:endParaRPr sz="1200" dirty="0">
-              <a:solidFill>
-                <a:schemeClr val="dk1"/>
-              </a:solidFill>
-              <a:latin typeface="Times New Roman"/>
-              <a:ea typeface="Times New Roman"/>
-              <a:cs typeface="Times New Roman"/>
-              <a:sym typeface="Times New Roman"/>
-            </a:endParaRPr>
-          </a:p>
-          <a:p>
-            <a:pPr marL="0" lvl="0" indent="0" algn="l" rtl="0">
-              <a:lnSpc>
-                <a:spcPct val="200000"/>
-              </a:lnSpc>
-              <a:spcBef>
-                <a:spcPts val="0"/>
-              </a:spcBef>
-              <a:spcAft>
-                <a:spcPts val="0"/>
-              </a:spcAft>
-              <a:buNone/>
-            </a:pPr>
-            <a:endParaRPr sz="1200" dirty="0">
-              <a:solidFill>
-                <a:schemeClr val="dk1"/>
-              </a:solidFill>
-              <a:latin typeface="Times New Roman"/>
-              <a:ea typeface="Times New Roman"/>
-              <a:cs typeface="Times New Roman"/>
-              <a:sym typeface="Times New Roman"/>
-            </a:endParaRPr>
-          </a:p>
-          <a:p>
-            <a:pPr marL="0" lvl="0" indent="0" algn="l" rtl="0">
-              <a:lnSpc>
-                <a:spcPct val="200000"/>
-              </a:lnSpc>
-              <a:spcBef>
-                <a:spcPts val="0"/>
-              </a:spcBef>
-              <a:spcAft>
-                <a:spcPts val="0"/>
-              </a:spcAft>
-              <a:buClr>
-                <a:schemeClr val="dk1"/>
-              </a:buClr>
-              <a:buSzPts val="1100"/>
-              <a:buFont typeface="Arial"/>
-              <a:buNone/>
-            </a:pPr>
-            <a:endParaRPr sz="1200" dirty="0">
-              <a:solidFill>
-                <a:schemeClr val="dk1"/>
-              </a:solidFill>
-              <a:latin typeface="Times New Roman"/>
-              <a:ea typeface="Times New Roman"/>
-              <a:cs typeface="Times New Roman"/>
-              <a:sym typeface="Times New Roman"/>
-            </a:endParaRPr>
-          </a:p>
-        </p:txBody>
-      </p:sp>
-    </p:spTree>
-  </p:cSld>
-  <p:clrMapOvr>
-    <a:masterClrMapping/>
-  </p:clrMapOvr>
-</p:sld>
-</file>
-
-<file path=ppt/slides/slide8.xml><?xml version="1.0" encoding="utf-8"?>
+<file path=ppt/slides/slide5.xml><?xml version="1.0" encoding="utf-8"?>
 <p:sld xmlns:a="http://schemas.openxmlformats.org/drawingml/2006/main" xmlns:r="http://schemas.openxmlformats.org/officeDocument/2006/relationships" xmlns:p="http://schemas.openxmlformats.org/presentationml/2006/main">
   <p:cSld>
     <p:spTree>
@@ -16003,7 +12132,7 @@
 </p:sld>
 </file>
 
-<file path=ppt/slides/slide9.xml><?xml version="1.0" encoding="utf-8"?>
+<file path=ppt/slides/slide6.xml><?xml version="1.0" encoding="utf-8"?>
 <p:sld xmlns:a="http://schemas.openxmlformats.org/drawingml/2006/main" xmlns:r="http://schemas.openxmlformats.org/officeDocument/2006/relationships" xmlns:p="http://schemas.openxmlformats.org/presentationml/2006/main">
   <p:cSld>
     <p:spTree>
@@ -16080,6 +12209,291 @@
           <a:xfrm>
             <a:off x="4310550" y="152400"/>
             <a:ext cx="3360697" cy="4838699"/>
+          </a:xfrm>
+          <a:prstGeom prst="rect">
+            <a:avLst/>
+          </a:prstGeom>
+          <a:noFill/>
+          <a:ln>
+            <a:noFill/>
+          </a:ln>
+        </p:spPr>
+      </p:pic>
+    </p:spTree>
+  </p:cSld>
+  <p:clrMapOvr>
+    <a:masterClrMapping/>
+  </p:clrMapOvr>
+</p:sld>
+</file>
+
+<file path=ppt/slides/slide7.xml><?xml version="1.0" encoding="utf-8"?>
+<p:sld xmlns:a="http://schemas.openxmlformats.org/drawingml/2006/main" xmlns:r="http://schemas.openxmlformats.org/officeDocument/2006/relationships" xmlns:p="http://schemas.openxmlformats.org/presentationml/2006/main">
+  <p:cSld>
+    <p:spTree>
+      <p:nvGrpSpPr>
+        <p:cNvPr id="1" name="Shape 110"/>
+        <p:cNvGrpSpPr/>
+        <p:nvPr/>
+      </p:nvGrpSpPr>
+      <p:grpSpPr>
+        <a:xfrm>
+          <a:off x="0" y="0"/>
+          <a:ext cx="0" cy="0"/>
+          <a:chOff x="0" y="0"/>
+          <a:chExt cx="0" cy="0"/>
+        </a:xfrm>
+      </p:grpSpPr>
+      <p:sp>
+        <p:nvSpPr>
+          <p:cNvPr id="111" name="Google Shape;111;p22"/>
+          <p:cNvSpPr txBox="1">
+            <a:spLocks noGrp="1"/>
+          </p:cNvSpPr>
+          <p:nvPr>
+            <p:ph type="title"/>
+          </p:nvPr>
+        </p:nvSpPr>
+        <p:spPr>
+          <a:xfrm>
+            <a:off x="121550" y="331325"/>
+            <a:ext cx="2808000" cy="755700"/>
+          </a:xfrm>
+          <a:prstGeom prst="rect">
+            <a:avLst/>
+          </a:prstGeom>
+        </p:spPr>
+        <p:txBody>
+          <a:bodyPr spcFirstLastPara="1" wrap="square" lIns="91425" tIns="91425" rIns="91425" bIns="91425" anchor="b" anchorCtr="0">
+            <a:noAutofit/>
+          </a:bodyPr>
+          <a:lstStyle/>
+          <a:p>
+            <a:pPr marL="0" lvl="0" indent="0" algn="ctr" rtl="0">
+              <a:spcBef>
+                <a:spcPts val="0"/>
+              </a:spcBef>
+              <a:spcAft>
+                <a:spcPts val="0"/>
+              </a:spcAft>
+              <a:buNone/>
+            </a:pPr>
+            <a:r>
+              <a:rPr lang="en"/>
+              <a:t>compareTo()</a:t>
+            </a:r>
+            <a:endParaRPr/>
+          </a:p>
+        </p:txBody>
+      </p:sp>
+      <p:pic>
+        <p:nvPicPr>
+          <p:cNvPr id="112" name="Google Shape;112;p22"/>
+          <p:cNvPicPr preferRelativeResize="0"/>
+          <p:nvPr/>
+        </p:nvPicPr>
+        <p:blipFill>
+          <a:blip r:embed="rId3">
+            <a:alphaModFix/>
+          </a:blip>
+          <a:stretch>
+            <a:fillRect/>
+          </a:stretch>
+        </p:blipFill>
+        <p:spPr>
+          <a:xfrm>
+            <a:off x="889838" y="2028963"/>
+            <a:ext cx="8124825" cy="2333625"/>
+          </a:xfrm>
+          <a:prstGeom prst="rect">
+            <a:avLst/>
+          </a:prstGeom>
+          <a:noFill/>
+          <a:ln>
+            <a:noFill/>
+          </a:ln>
+        </p:spPr>
+      </p:pic>
+    </p:spTree>
+  </p:cSld>
+  <p:clrMapOvr>
+    <a:masterClrMapping/>
+  </p:clrMapOvr>
+</p:sld>
+</file>
+
+<file path=ppt/slides/slide8.xml><?xml version="1.0" encoding="utf-8"?>
+<p:sld xmlns:a="http://schemas.openxmlformats.org/drawingml/2006/main" xmlns:r="http://schemas.openxmlformats.org/officeDocument/2006/relationships" xmlns:p="http://schemas.openxmlformats.org/presentationml/2006/main">
+  <p:cSld>
+    <p:spTree>
+      <p:nvGrpSpPr>
+        <p:cNvPr id="1" name="Shape 116"/>
+        <p:cNvGrpSpPr/>
+        <p:nvPr/>
+      </p:nvGrpSpPr>
+      <p:grpSpPr>
+        <a:xfrm>
+          <a:off x="0" y="0"/>
+          <a:ext cx="0" cy="0"/>
+          <a:chOff x="0" y="0"/>
+          <a:chExt cx="0" cy="0"/>
+        </a:xfrm>
+      </p:grpSpPr>
+      <p:sp>
+        <p:nvSpPr>
+          <p:cNvPr id="117" name="Google Shape;117;p23"/>
+          <p:cNvSpPr txBox="1">
+            <a:spLocks noGrp="1"/>
+          </p:cNvSpPr>
+          <p:nvPr>
+            <p:ph type="title"/>
+          </p:nvPr>
+        </p:nvSpPr>
+        <p:spPr>
+          <a:xfrm>
+            <a:off x="311700" y="555600"/>
+            <a:ext cx="2808000" cy="755700"/>
+          </a:xfrm>
+          <a:prstGeom prst="rect">
+            <a:avLst/>
+          </a:prstGeom>
+        </p:spPr>
+        <p:txBody>
+          <a:bodyPr spcFirstLastPara="1" wrap="square" lIns="91425" tIns="91425" rIns="91425" bIns="91425" anchor="b" anchorCtr="0">
+            <a:noAutofit/>
+          </a:bodyPr>
+          <a:lstStyle/>
+          <a:p>
+            <a:pPr marL="0" lvl="0" indent="0" algn="ctr" rtl="0">
+              <a:spcBef>
+                <a:spcPts val="0"/>
+              </a:spcBef>
+              <a:spcAft>
+                <a:spcPts val="0"/>
+              </a:spcAft>
+              <a:buNone/>
+            </a:pPr>
+            <a:r>
+              <a:rPr lang="en"/>
+              <a:t>formatLatLngValue()</a:t>
+            </a:r>
+            <a:endParaRPr/>
+          </a:p>
+        </p:txBody>
+      </p:sp>
+      <p:pic>
+        <p:nvPicPr>
+          <p:cNvPr id="118" name="Google Shape;118;p23"/>
+          <p:cNvPicPr preferRelativeResize="0"/>
+          <p:nvPr/>
+        </p:nvPicPr>
+        <p:blipFill>
+          <a:blip r:embed="rId3">
+            <a:alphaModFix/>
+          </a:blip>
+          <a:stretch>
+            <a:fillRect/>
+          </a:stretch>
+        </p:blipFill>
+        <p:spPr>
+          <a:xfrm>
+            <a:off x="3276975" y="2073300"/>
+            <a:ext cx="4876800" cy="2390775"/>
+          </a:xfrm>
+          <a:prstGeom prst="rect">
+            <a:avLst/>
+          </a:prstGeom>
+          <a:noFill/>
+          <a:ln>
+            <a:noFill/>
+          </a:ln>
+        </p:spPr>
+      </p:pic>
+    </p:spTree>
+  </p:cSld>
+  <p:clrMapOvr>
+    <a:masterClrMapping/>
+  </p:clrMapOvr>
+</p:sld>
+</file>
+
+<file path=ppt/slides/slide9.xml><?xml version="1.0" encoding="utf-8"?>
+<p:sld xmlns:a="http://schemas.openxmlformats.org/drawingml/2006/main" xmlns:r="http://schemas.openxmlformats.org/officeDocument/2006/relationships" xmlns:p="http://schemas.openxmlformats.org/presentationml/2006/main">
+  <p:cSld>
+    <p:spTree>
+      <p:nvGrpSpPr>
+        <p:cNvPr id="1" name="Shape 122"/>
+        <p:cNvGrpSpPr/>
+        <p:nvPr/>
+      </p:nvGrpSpPr>
+      <p:grpSpPr>
+        <a:xfrm>
+          <a:off x="0" y="0"/>
+          <a:ext cx="0" cy="0"/>
+          <a:chOff x="0" y="0"/>
+          <a:chExt cx="0" cy="0"/>
+        </a:xfrm>
+      </p:grpSpPr>
+      <p:sp>
+        <p:nvSpPr>
+          <p:cNvPr id="123" name="Google Shape;123;p24"/>
+          <p:cNvSpPr txBox="1">
+            <a:spLocks noGrp="1"/>
+          </p:cNvSpPr>
+          <p:nvPr>
+            <p:ph type="title"/>
+          </p:nvPr>
+        </p:nvSpPr>
+        <p:spPr>
+          <a:xfrm>
+            <a:off x="219075" y="360575"/>
+            <a:ext cx="2808000" cy="755700"/>
+          </a:xfrm>
+          <a:prstGeom prst="rect">
+            <a:avLst/>
+          </a:prstGeom>
+        </p:spPr>
+        <p:txBody>
+          <a:bodyPr spcFirstLastPara="1" wrap="square" lIns="91425" tIns="91425" rIns="91425" bIns="91425" anchor="b" anchorCtr="0">
+            <a:noAutofit/>
+          </a:bodyPr>
+          <a:lstStyle/>
+          <a:p>
+            <a:pPr marL="0" lvl="0" indent="0" algn="ctr" rtl="0">
+              <a:spcBef>
+                <a:spcPts val="0"/>
+              </a:spcBef>
+              <a:spcAft>
+                <a:spcPts val="0"/>
+              </a:spcAft>
+              <a:buNone/>
+            </a:pPr>
+            <a:r>
+              <a:rPr lang="en"/>
+              <a:t>getDistance()</a:t>
+            </a:r>
+            <a:endParaRPr/>
+          </a:p>
+        </p:txBody>
+      </p:sp>
+      <p:pic>
+        <p:nvPicPr>
+          <p:cNvPr id="124" name="Google Shape;124;p24"/>
+          <p:cNvPicPr preferRelativeResize="0"/>
+          <p:nvPr/>
+        </p:nvPicPr>
+        <p:blipFill>
+          <a:blip r:embed="rId3">
+            <a:alphaModFix/>
+          </a:blip>
+          <a:stretch>
+            <a:fillRect/>
+          </a:stretch>
+        </p:blipFill>
+        <p:spPr>
+          <a:xfrm>
+            <a:off x="2369425" y="1726325"/>
+            <a:ext cx="6649551" cy="2671700"/>
           </a:xfrm>
           <a:prstGeom prst="rect">
             <a:avLst/>
